--- a/MTech-Project_Review2_PPT_Template_V1.pptx
+++ b/MTech-Project_Review2_PPT_Template_V1.pptx
@@ -2,18 +2,26 @@
 <file path=ppt/presentation.xml><?xml version="1.0" encoding="utf-8"?>
 <p:presentation xmlns:a="http://schemas.openxmlformats.org/drawingml/2006/main" xmlns:r="http://schemas.openxmlformats.org/officeDocument/2006/relationships" xmlns:p="http://schemas.openxmlformats.org/presentationml/2006/main" saveSubsetFonts="1">
   <p:sldMasterIdLst>
-    <p:sldMasterId id="2147483660" r:id="rId1"/>
+    <p:sldMasterId id="2147483660" r:id="rId4"/>
   </p:sldMasterIdLst>
   <p:sldIdLst>
-    <p:sldId id="2147470489" r:id="rId2"/>
-    <p:sldId id="2147470492" r:id="rId3"/>
-    <p:sldId id="2147470493" r:id="rId4"/>
-    <p:sldId id="2147470487" r:id="rId5"/>
-    <p:sldId id="2147470494" r:id="rId6"/>
-    <p:sldId id="2147470497" r:id="rId7"/>
-    <p:sldId id="2147470498" r:id="rId8"/>
-    <p:sldId id="2147470500" r:id="rId9"/>
-    <p:sldId id="2147470499" r:id="rId10"/>
+    <p:sldId id="2147470489" r:id="rId5"/>
+    <p:sldId id="2147470492" r:id="rId6"/>
+    <p:sldId id="2147470493" r:id="rId7"/>
+    <p:sldId id="2147470487" r:id="rId8"/>
+    <p:sldId id="2147470501" r:id="rId9"/>
+    <p:sldId id="2147470494" r:id="rId10"/>
+    <p:sldId id="2147470503" r:id="rId11"/>
+    <p:sldId id="2147470505" r:id="rId12"/>
+    <p:sldId id="2147470504" r:id="rId13"/>
+    <p:sldId id="2147470497" r:id="rId14"/>
+    <p:sldId id="2147470506" r:id="rId15"/>
+    <p:sldId id="2147470498" r:id="rId16"/>
+    <p:sldId id="2147470508" r:id="rId17"/>
+    <p:sldId id="2147470507" r:id="rId18"/>
+    <p:sldId id="2147470500" r:id="rId19"/>
+    <p:sldId id="2147470509" r:id="rId20"/>
+    <p:sldId id="2147470499" r:id="rId21"/>
   </p:sldIdLst>
   <p:sldSz cx="12192000" cy="6858000"/>
   <p:notesSz cx="6858000" cy="9144000"/>
@@ -118,6 +126,43 @@
     </p:ext>
   </p:extLst>
 </p:presentation>
+</file>
+
+<file path=ppt/revisionInfo.xml><?xml version="1.0" encoding="utf-8"?>
+<p1510:revInfo xmlns:a="http://schemas.openxmlformats.org/drawingml/2006/main" xmlns:r="http://schemas.openxmlformats.org/officeDocument/2006/relationships" xmlns:p1510="http://schemas.microsoft.com/office/powerpoint/2015/10/main">
+  <p1510:revLst>
+    <p1510:client id="{DF203D30-46D2-4873-B5B2-753CF4BFC87D}" v="21" dt="2025-09-26T14:53:17.197"/>
+  </p1510:revLst>
+</p1510:revInfo>
+</file>
+
+<file path=ppt/changesInfos/changesInfo1.xml><?xml version="1.0" encoding="utf-8"?>
+<pc:chgInfo xmlns:a="http://schemas.openxmlformats.org/drawingml/2006/main" xmlns:r="http://schemas.openxmlformats.org/officeDocument/2006/relationships" xmlns:ac="http://schemas.microsoft.com/office/drawing/2013/main/command" xmlns:pc="http://schemas.microsoft.com/office/powerpoint/2013/main/command">
+  <pc:docChgLst>
+    <pc:chgData name="Nivyasree C" userId="d73504bf-529b-406b-bd4b-281e95f8953a" providerId="ADAL" clId="{1DD16DA2-6E5B-47CD-8143-2444911DCB9F}"/>
+    <pc:docChg chg="modSld">
+      <pc:chgData name="Nivyasree C" userId="d73504bf-529b-406b-bd4b-281e95f8953a" providerId="ADAL" clId="{1DD16DA2-6E5B-47CD-8143-2444911DCB9F}" dt="2025-09-26T14:53:17.197" v="20" actId="5793"/>
+      <pc:docMkLst>
+        <pc:docMk/>
+      </pc:docMkLst>
+      <pc:sldChg chg="modSp modAnim">
+        <pc:chgData name="Nivyasree C" userId="d73504bf-529b-406b-bd4b-281e95f8953a" providerId="ADAL" clId="{1DD16DA2-6E5B-47CD-8143-2444911DCB9F}" dt="2025-09-26T14:53:17.197" v="20" actId="5793"/>
+        <pc:sldMkLst>
+          <pc:docMk/>
+          <pc:sldMk cId="2088180620" sldId="2147470492"/>
+        </pc:sldMkLst>
+        <pc:spChg chg="mod">
+          <ac:chgData name="Nivyasree C" userId="d73504bf-529b-406b-bd4b-281e95f8953a" providerId="ADAL" clId="{1DD16DA2-6E5B-47CD-8143-2444911DCB9F}" dt="2025-09-26T14:53:17.197" v="20" actId="5793"/>
+          <ac:spMkLst>
+            <pc:docMk/>
+            <pc:sldMk cId="2088180620" sldId="2147470492"/>
+            <ac:spMk id="2" creationId="{67726612-73E0-5A94-F635-3A742DD5BA94}"/>
+          </ac:spMkLst>
+        </pc:spChg>
+      </pc:sldChg>
+    </pc:docChg>
+  </pc:docChgLst>
+</pc:chgInfo>
 </file>
 
 <file path=ppt/slideLayouts/slideLayout1.xml><?xml version="1.0" encoding="utf-8"?>
@@ -3551,7 +3596,7 @@
         <p:spPr>
           <a:xfrm>
             <a:off x="180236" y="1659822"/>
-            <a:ext cx="11428184" cy="5262979"/>
+            <a:ext cx="11428184" cy="4247317"/>
           </a:xfrm>
           <a:prstGeom prst="rect">
             <a:avLst/>
@@ -3563,6 +3608,34 @@
             <a:spAutoFit/>
           </a:bodyPr>
           <a:lstStyle/>
+          <a:p>
+            <a:pPr lvl="0" algn="ctr">
+              <a:defRPr/>
+            </a:pPr>
+            <a:r>
+              <a:rPr lang="en-US" sz="3600" b="1" dirty="0">
+                <a:solidFill>
+                  <a:prstClr val="white"/>
+                </a:solidFill>
+                <a:cs typeface="Calibri" panose="020F0502020204030204" pitchFamily="34" charset="0"/>
+              </a:rPr>
+              <a:t>AI-Powered Healthcare System for Diabetes Risk Prediction</a:t>
+            </a:r>
+          </a:p>
+          <a:p>
+            <a:pPr lvl="0" algn="ctr">
+              <a:defRPr/>
+            </a:pPr>
+            <a:r>
+              <a:rPr lang="en-US" sz="3600" b="1" dirty="0">
+                <a:solidFill>
+                  <a:prstClr val="white"/>
+                </a:solidFill>
+                <a:cs typeface="Calibri" panose="020F0502020204030204" pitchFamily="34" charset="0"/>
+              </a:rPr>
+              <a:t>and Lifestyle Management</a:t>
+            </a:r>
+          </a:p>
           <a:p>
             <a:pPr marL="0" marR="0" lvl="0" indent="0" algn="ctr" defTabSz="914400" rtl="0" eaLnBrk="1" fontAlgn="auto" latinLnBrk="0" hangingPunct="1">
               <a:lnSpc>
@@ -3581,77 +3654,17 @@
               <a:tabLst/>
               <a:defRPr/>
             </a:pPr>
-            <a:r>
-              <a:rPr lang="en-US" sz="3600" b="1" dirty="0">
-                <a:solidFill>
-                  <a:prstClr val="white"/>
-                </a:solidFill>
-                <a:cs typeface="Calibri" panose="020F0502020204030204" pitchFamily="34" charset="0"/>
-              </a:rPr>
-              <a:t>Review II</a:t>
-            </a:r>
-          </a:p>
-          <a:p>
-            <a:pPr marL="0" marR="0" lvl="0" indent="0" algn="ctr" defTabSz="914400" rtl="0" eaLnBrk="1" fontAlgn="auto" latinLnBrk="0" hangingPunct="1">
-              <a:lnSpc>
-                <a:spcPct val="100000"/>
-              </a:lnSpc>
-              <a:spcBef>
-                <a:spcPts val="0"/>
-              </a:spcBef>
-              <a:spcAft>
-                <a:spcPts val="0"/>
-              </a:spcAft>
-              <a:buClrTx/>
-              <a:buSzTx/>
-              <a:buFontTx/>
-              <a:buNone/>
-              <a:tabLst/>
-              <a:defRPr/>
-            </a:pPr>
-            <a:r>
-              <a:rPr lang="en-US" sz="3600" b="1" dirty="0">
-                <a:solidFill>
-                  <a:prstClr val="white"/>
-                </a:solidFill>
-                <a:cs typeface="Calibri" panose="020F0502020204030204" pitchFamily="34" charset="0"/>
-              </a:rPr>
-              <a:t>Project Title</a:t>
-            </a:r>
+            <a:endParaRPr lang="en-US" sz="3600" b="1" dirty="0">
+              <a:solidFill>
+                <a:prstClr val="white"/>
+              </a:solidFill>
+              <a:cs typeface="Calibri" panose="020F0502020204030204" pitchFamily="34" charset="0"/>
+            </a:endParaRPr>
           </a:p>
           <a:p>
             <a:pPr lvl="0" algn="ctr">
               <a:defRPr/>
             </a:pPr>
-            <a:r>
-              <a:rPr lang="en-US" sz="3600" b="1" dirty="0">
-                <a:solidFill>
-                  <a:prstClr val="white"/>
-                </a:solidFill>
-                <a:cs typeface="Calibri" panose="020F0502020204030204" pitchFamily="34" charset="0"/>
-              </a:rPr>
-              <a:t>Calibri body  </a:t>
-            </a:r>
-            <a:r>
-              <a:rPr lang="en-US" sz="5400" b="1" dirty="0">
-                <a:solidFill>
-                  <a:prstClr val="white"/>
-                </a:solidFill>
-                <a:latin typeface="Frutiger 45 bold"/>
-                <a:cs typeface="Calibri" panose="020F0502020204030204" pitchFamily="34" charset="0"/>
-              </a:rPr>
-              <a:t>-</a:t>
-            </a:r>
-            <a:r>
-              <a:rPr lang="en-US" sz="3600" b="1" dirty="0">
-                <a:solidFill>
-                  <a:prstClr val="white"/>
-                </a:solidFill>
-                <a:latin typeface="Frutiger 45 bold"/>
-                <a:cs typeface="Calibri" panose="020F0502020204030204" pitchFamily="34" charset="0"/>
-              </a:rPr>
-              <a:t>36</a:t>
-            </a:r>
             <a:endParaRPr lang="en-US" sz="3600" b="1" dirty="0">
               <a:solidFill>
                 <a:prstClr val="white"/>
@@ -3693,7 +3706,7 @@
             </a:r>
           </a:p>
           <a:p>
-            <a:pPr algn="ctr">
+            <a:pPr lvl="0" algn="ctr">
               <a:defRPr/>
             </a:pPr>
             <a:r>
@@ -3703,37 +3716,17 @@
                 </a:solidFill>
                 <a:cs typeface="Calibri" panose="020F0502020204030204" pitchFamily="34" charset="0"/>
               </a:rPr>
-              <a:t>Calibri body  -24</a:t>
+              <a:t>NIVYASREE.C</a:t>
             </a:r>
           </a:p>
           <a:p>
             <a:pPr lvl="0" algn="ctr">
               <a:defRPr/>
             </a:pPr>
-            <a:endParaRPr lang="en-US" sz="5400" b="1" dirty="0">
+            <a:endParaRPr lang="en-US" sz="2400" b="1" dirty="0">
               <a:solidFill>
                 <a:prstClr val="white"/>
               </a:solidFill>
-              <a:latin typeface="Frutiger 45 bold"/>
-              <a:cs typeface="Calibri" panose="020F0502020204030204" pitchFamily="34" charset="0"/>
-            </a:endParaRPr>
-          </a:p>
-          <a:p>
-            <a:pPr lvl="0" algn="ctr">
-              <a:defRPr/>
-            </a:pPr>
-            <a:endParaRPr kumimoji="0" lang="en-US" sz="5400" b="1" i="0" u="none" strike="noStrike" kern="1200" cap="none" spc="0" normalizeH="0" baseline="0" noProof="0" dirty="0">
-              <a:ln>
-                <a:noFill/>
-              </a:ln>
-              <a:solidFill>
-                <a:prstClr val="white"/>
-              </a:solidFill>
-              <a:effectLst/>
-              <a:uLnTx/>
-              <a:uFillTx/>
-              <a:latin typeface="Frutiger 45 bold"/>
-              <a:ea typeface="+mn-ea"/>
               <a:cs typeface="Calibri" panose="020F0502020204030204" pitchFamily="34" charset="0"/>
             </a:endParaRPr>
           </a:p>
@@ -3751,7 +3744,13 @@
           <p:cNvGraphicFramePr>
             <a:graphicFrameLocks noGrp="1"/>
           </p:cNvGraphicFramePr>
-          <p:nvPr/>
+          <p:nvPr>
+            <p:extLst>
+              <p:ext uri="{D42A27DB-BD31-4B8C-83A1-F6EECF244321}">
+                <p14:modId xmlns:p14="http://schemas.microsoft.com/office/powerpoint/2010/main" val="1661805051"/>
+              </p:ext>
+            </p:extLst>
+          </p:nvPr>
         </p:nvGraphicFramePr>
         <p:xfrm>
           <a:off x="-47290" y="5501244"/>
@@ -4103,7 +4102,7 @@
 </p:sld>
 </file>
 
-<file path=ppt/slides/slide2.xml><?xml version="1.0" encoding="utf-8"?>
+<file path=ppt/slides/slide10.xml><?xml version="1.0" encoding="utf-8"?>
 <p:sld xmlns:a="http://schemas.openxmlformats.org/drawingml/2006/main" xmlns:r="http://schemas.openxmlformats.org/officeDocument/2006/relationships" xmlns:p="http://schemas.openxmlformats.org/presentationml/2006/main">
   <p:cSld>
     <p:spTree>
@@ -4111,7 +4110,7 @@
         <p:cNvPr id="1" name="">
           <a:extLst>
             <a:ext uri="{FF2B5EF4-FFF2-40B4-BE49-F238E27FC236}">
-              <a16:creationId xmlns:a16="http://schemas.microsoft.com/office/drawing/2014/main" id="{13318EFD-13D1-118F-A8E4-F9E2D3695A6C}"/>
+              <a16:creationId xmlns:a16="http://schemas.microsoft.com/office/drawing/2014/main" id="{149CEA2B-384E-F256-4734-5578EDB524A9}"/>
             </a:ext>
           </a:extLst>
         </p:cNvPr>
@@ -4131,7 +4130,7 @@
           <p:cNvPr id="2" name="Text Placeholder 1">
             <a:extLst>
               <a:ext uri="{FF2B5EF4-FFF2-40B4-BE49-F238E27FC236}">
-                <a16:creationId xmlns:a16="http://schemas.microsoft.com/office/drawing/2014/main" id="{67726612-73E0-5A94-F635-3A742DD5BA94}"/>
+                <a16:creationId xmlns:a16="http://schemas.microsoft.com/office/drawing/2014/main" id="{30F88864-2E71-2992-AD53-E8948837272B}"/>
               </a:ext>
             </a:extLst>
           </p:cNvPr>
@@ -4153,25 +4152,89 @@
           <a:lstStyle/>
           <a:p>
             <a:pPr marL="0" indent="0">
-              <a:lnSpc>
-                <a:spcPct val="150000"/>
-              </a:lnSpc>
               <a:buNone/>
             </a:pPr>
             <a:r>
-              <a:rPr lang="en-US" sz="2400" b="0" dirty="0">
-                <a:solidFill>
-                  <a:srgbClr val="5583D1"/>
-                </a:solidFill>
-                <a:latin typeface="+mn-lt"/>
-              </a:rPr>
-              <a:t>Calibri body 28</a:t>
-            </a:r>
-            <a:endParaRPr lang="en-US" sz="2400" b="0" dirty="0">
-              <a:solidFill>
-                <a:srgbClr val="5583D1"/>
-              </a:solidFill>
-            </a:endParaRPr>
+              <a:rPr lang="en-US" dirty="0"/>
+              <a:t>Diabetes Dataset (Clinical Data)</a:t>
+            </a:r>
+            <a:endParaRPr lang="en-US" b="0" dirty="0"/>
+          </a:p>
+          <a:p>
+            <a:r>
+              <a:rPr lang="en-US" dirty="0"/>
+              <a:t>Preprocessing:</a:t>
+            </a:r>
+            <a:endParaRPr lang="en-US" b="0" dirty="0"/>
+          </a:p>
+          <a:p>
+            <a:pPr lvl="1"/>
+            <a:r>
+              <a:rPr lang="en-US" dirty="0"/>
+              <a:t>Imputed missing values using the </a:t>
+            </a:r>
+            <a:r>
+              <a:rPr lang="en-US" b="1" dirty="0"/>
+              <a:t>median</a:t>
+            </a:r>
+            <a:r>
+              <a:rPr lang="en-US" dirty="0"/>
+              <a:t>.</a:t>
+            </a:r>
+          </a:p>
+          <a:p>
+            <a:pPr lvl="1"/>
+            <a:r>
+              <a:rPr lang="en-US" dirty="0"/>
+              <a:t>Encoded text categories (gender, smoking) into numbers.</a:t>
+            </a:r>
+          </a:p>
+          <a:p>
+            <a:pPr lvl="1"/>
+            <a:r>
+              <a:rPr lang="en-US" dirty="0"/>
+              <a:t>Scaled numerical features for the model.</a:t>
+            </a:r>
+          </a:p>
+          <a:p>
+            <a:r>
+              <a:rPr lang="en-US" dirty="0"/>
+              <a:t>EDA Insights:</a:t>
+            </a:r>
+            <a:endParaRPr lang="en-US" b="0" dirty="0"/>
+          </a:p>
+          <a:p>
+            <a:pPr lvl="1"/>
+            <a:r>
+              <a:rPr lang="en-US" dirty="0"/>
+              <a:t>Identified significant </a:t>
+            </a:r>
+            <a:r>
+              <a:rPr lang="en-US" b="1" dirty="0"/>
+              <a:t>class imbalance</a:t>
+            </a:r>
+            <a:r>
+              <a:rPr lang="en-US" dirty="0"/>
+              <a:t> in the target variable.</a:t>
+            </a:r>
+          </a:p>
+          <a:p>
+            <a:pPr lvl="1"/>
+            <a:r>
+              <a:rPr lang="en-US" dirty="0"/>
+              <a:t>Found strong correlations between diabetes and </a:t>
+            </a:r>
+            <a:r>
+              <a:rPr lang="en-US" dirty="0" err="1"/>
+              <a:t>blood_glucose</a:t>
+            </a:r>
+            <a:r>
+              <a:rPr lang="en-US" dirty="0"/>
+              <a:t>/HbA1c levels via a heatmap.</a:t>
+            </a:r>
+          </a:p>
+          <a:p>
+            <a:endParaRPr lang="en-US" dirty="0"/>
           </a:p>
         </p:txBody>
       </p:sp>
@@ -4180,7 +4243,7 @@
           <p:cNvPr id="3" name="TextBox 2">
             <a:extLst>
               <a:ext uri="{FF2B5EF4-FFF2-40B4-BE49-F238E27FC236}">
-                <a16:creationId xmlns:a16="http://schemas.microsoft.com/office/drawing/2014/main" id="{AB4E3812-AF2F-9DD8-6ECF-C3425146B38F}"/>
+                <a16:creationId xmlns:a16="http://schemas.microsoft.com/office/drawing/2014/main" id="{3411E118-0427-BF72-3B78-1707B0D6E382}"/>
               </a:ext>
             </a:extLst>
           </p:cNvPr>
@@ -4203,23 +4266,19 @@
           </a:bodyPr>
           <a:lstStyle/>
           <a:p>
-            <a:pPr marL="0" marR="0" lvl="0" indent="0" algn="l" defTabSz="914400" rtl="0" eaLnBrk="1" fontAlgn="auto" latinLnBrk="0" hangingPunct="1">
-              <a:lnSpc>
-                <a:spcPct val="100000"/>
-              </a:lnSpc>
-              <a:spcBef>
-                <a:spcPts val="0"/>
-              </a:spcBef>
-              <a:spcAft>
-                <a:spcPts val="0"/>
-              </a:spcAft>
-              <a:buClrTx/>
-              <a:buSzTx/>
-              <a:buFontTx/>
-              <a:buNone/>
-              <a:tabLst/>
+            <a:pPr lvl="0">
               <a:defRPr/>
             </a:pPr>
+            <a:r>
+              <a:rPr lang="en-US" sz="3600" b="1" dirty="0">
+                <a:solidFill>
+                  <a:srgbClr val="5B9BD5">
+                    <a:lumMod val="50000"/>
+                  </a:srgbClr>
+                </a:solidFill>
+              </a:rPr>
+              <a:t>Data preprocessing &amp; EDA</a:t>
+            </a:r>
             <a:r>
               <a:rPr kumimoji="0" lang="en-US" sz="3600" b="1" i="0" u="none" strike="noStrike" kern="1200" cap="none" spc="0" normalizeH="0" baseline="0" noProof="0" dirty="0">
                 <a:ln>
@@ -4237,7 +4296,7 @@
                 <a:ea typeface="+mn-ea"/>
                 <a:cs typeface="+mn-cs"/>
               </a:rPr>
-              <a:t>Introduction…. Calibri body -36</a:t>
+              <a:t>…. Calibri body -36</a:t>
             </a:r>
           </a:p>
         </p:txBody>
@@ -4247,7 +4306,7 @@
           <p:cNvPr id="5" name="Straight Connector 4">
             <a:extLst>
               <a:ext uri="{FF2B5EF4-FFF2-40B4-BE49-F238E27FC236}">
-                <a16:creationId xmlns:a16="http://schemas.microsoft.com/office/drawing/2014/main" id="{A295426A-3395-FE92-30C7-C8A6AC62DE62}"/>
+                <a16:creationId xmlns:a16="http://schemas.microsoft.com/office/drawing/2014/main" id="{7A5618F6-CE69-311A-F79A-D12C7E917449}"/>
               </a:ext>
             </a:extLst>
           </p:cNvPr>
@@ -4290,7 +4349,7 @@
           <p:cNvPr id="4" name="TextBox 3">
             <a:extLst>
               <a:ext uri="{FF2B5EF4-FFF2-40B4-BE49-F238E27FC236}">
-                <a16:creationId xmlns:a16="http://schemas.microsoft.com/office/drawing/2014/main" id="{2D91B1D4-191E-E882-BD37-9FBAED57B57F}"/>
+                <a16:creationId xmlns:a16="http://schemas.microsoft.com/office/drawing/2014/main" id="{64F7A196-7B69-DD68-52A5-39CD9B799F7D}"/>
               </a:ext>
             </a:extLst>
           </p:cNvPr>
@@ -4332,7 +4391,4176 @@
     </p:spTree>
     <p:extLst>
       <p:ext uri="{BB962C8B-B14F-4D97-AF65-F5344CB8AC3E}">
-        <p14:creationId xmlns:p14="http://schemas.microsoft.com/office/powerpoint/2010/main" val="2088180620"/>
+        <p14:creationId xmlns:p14="http://schemas.microsoft.com/office/powerpoint/2010/main" val="679362563"/>
+      </p:ext>
+    </p:extLst>
+  </p:cSld>
+  <p:clrMapOvr>
+    <a:masterClrMapping/>
+  </p:clrMapOvr>
+  <mc:AlternateContent xmlns:mc="http://schemas.openxmlformats.org/markup-compatibility/2006" xmlns:p14="http://schemas.microsoft.com/office/powerpoint/2010/main">
+    <mc:Choice Requires="p14">
+      <p:transition spd="med" p14:dur="700">
+        <p:fade/>
+      </p:transition>
+    </mc:Choice>
+    <mc:Fallback xmlns="">
+      <p:transition spd="med">
+        <p:fade/>
+      </p:transition>
+    </mc:Fallback>
+  </mc:AlternateContent>
+  <p:timing>
+    <p:tnLst>
+      <p:par>
+        <p:cTn id="1" dur="indefinite" restart="never" nodeType="tmRoot">
+          <p:childTnLst>
+            <p:seq concurrent="1" nextAc="seek">
+              <p:cTn id="2" dur="indefinite" nodeType="mainSeq">
+                <p:childTnLst>
+                  <p:par>
+                    <p:cTn id="3" fill="hold">
+                      <p:stCondLst>
+                        <p:cond delay="indefinite"/>
+                      </p:stCondLst>
+                      <p:childTnLst>
+                        <p:par>
+                          <p:cTn id="4" fill="hold">
+                            <p:stCondLst>
+                              <p:cond delay="0"/>
+                            </p:stCondLst>
+                            <p:childTnLst>
+                              <p:par>
+                                <p:cTn id="5" presetID="1" presetClass="entr" presetSubtype="0" fill="hold" grpId="0" nodeType="clickEffect">
+                                  <p:stCondLst>
+                                    <p:cond delay="0"/>
+                                  </p:stCondLst>
+                                  <p:childTnLst>
+                                    <p:set>
+                                      <p:cBhvr>
+                                        <p:cTn id="6" dur="1" fill="hold">
+                                          <p:stCondLst>
+                                            <p:cond delay="0"/>
+                                          </p:stCondLst>
+                                        </p:cTn>
+                                        <p:tgtEl>
+                                          <p:spTgt spid="2">
+                                            <p:txEl>
+                                              <p:pRg st="0" end="0"/>
+                                            </p:txEl>
+                                          </p:spTgt>
+                                        </p:tgtEl>
+                                        <p:attrNameLst>
+                                          <p:attrName>style.visibility</p:attrName>
+                                        </p:attrNameLst>
+                                      </p:cBhvr>
+                                      <p:to>
+                                        <p:strVal val="visible"/>
+                                      </p:to>
+                                    </p:set>
+                                  </p:childTnLst>
+                                </p:cTn>
+                              </p:par>
+                            </p:childTnLst>
+                          </p:cTn>
+                        </p:par>
+                      </p:childTnLst>
+                    </p:cTn>
+                  </p:par>
+                  <p:par>
+                    <p:cTn id="7" fill="hold">
+                      <p:stCondLst>
+                        <p:cond delay="indefinite"/>
+                      </p:stCondLst>
+                      <p:childTnLst>
+                        <p:par>
+                          <p:cTn id="8" fill="hold">
+                            <p:stCondLst>
+                              <p:cond delay="0"/>
+                            </p:stCondLst>
+                            <p:childTnLst>
+                              <p:par>
+                                <p:cTn id="9" presetID="1" presetClass="entr" presetSubtype="0" fill="hold" grpId="0" nodeType="clickEffect">
+                                  <p:stCondLst>
+                                    <p:cond delay="0"/>
+                                  </p:stCondLst>
+                                  <p:childTnLst>
+                                    <p:set>
+                                      <p:cBhvr>
+                                        <p:cTn id="10" dur="1" fill="hold">
+                                          <p:stCondLst>
+                                            <p:cond delay="0"/>
+                                          </p:stCondLst>
+                                        </p:cTn>
+                                        <p:tgtEl>
+                                          <p:spTgt spid="2">
+                                            <p:txEl>
+                                              <p:pRg st="1" end="1"/>
+                                            </p:txEl>
+                                          </p:spTgt>
+                                        </p:tgtEl>
+                                        <p:attrNameLst>
+                                          <p:attrName>style.visibility</p:attrName>
+                                        </p:attrNameLst>
+                                      </p:cBhvr>
+                                      <p:to>
+                                        <p:strVal val="visible"/>
+                                      </p:to>
+                                    </p:set>
+                                  </p:childTnLst>
+                                </p:cTn>
+                              </p:par>
+                              <p:par>
+                                <p:cTn id="11" presetID="1" presetClass="entr" presetSubtype="0" fill="hold" grpId="0" nodeType="withEffect">
+                                  <p:stCondLst>
+                                    <p:cond delay="0"/>
+                                  </p:stCondLst>
+                                  <p:childTnLst>
+                                    <p:set>
+                                      <p:cBhvr>
+                                        <p:cTn id="12" dur="1" fill="hold">
+                                          <p:stCondLst>
+                                            <p:cond delay="0"/>
+                                          </p:stCondLst>
+                                        </p:cTn>
+                                        <p:tgtEl>
+                                          <p:spTgt spid="2">
+                                            <p:txEl>
+                                              <p:pRg st="2" end="2"/>
+                                            </p:txEl>
+                                          </p:spTgt>
+                                        </p:tgtEl>
+                                        <p:attrNameLst>
+                                          <p:attrName>style.visibility</p:attrName>
+                                        </p:attrNameLst>
+                                      </p:cBhvr>
+                                      <p:to>
+                                        <p:strVal val="visible"/>
+                                      </p:to>
+                                    </p:set>
+                                  </p:childTnLst>
+                                </p:cTn>
+                              </p:par>
+                              <p:par>
+                                <p:cTn id="13" presetID="1" presetClass="entr" presetSubtype="0" fill="hold" grpId="0" nodeType="withEffect">
+                                  <p:stCondLst>
+                                    <p:cond delay="0"/>
+                                  </p:stCondLst>
+                                  <p:childTnLst>
+                                    <p:set>
+                                      <p:cBhvr>
+                                        <p:cTn id="14" dur="1" fill="hold">
+                                          <p:stCondLst>
+                                            <p:cond delay="0"/>
+                                          </p:stCondLst>
+                                        </p:cTn>
+                                        <p:tgtEl>
+                                          <p:spTgt spid="2">
+                                            <p:txEl>
+                                              <p:pRg st="3" end="3"/>
+                                            </p:txEl>
+                                          </p:spTgt>
+                                        </p:tgtEl>
+                                        <p:attrNameLst>
+                                          <p:attrName>style.visibility</p:attrName>
+                                        </p:attrNameLst>
+                                      </p:cBhvr>
+                                      <p:to>
+                                        <p:strVal val="visible"/>
+                                      </p:to>
+                                    </p:set>
+                                  </p:childTnLst>
+                                </p:cTn>
+                              </p:par>
+                              <p:par>
+                                <p:cTn id="15" presetID="1" presetClass="entr" presetSubtype="0" fill="hold" grpId="0" nodeType="withEffect">
+                                  <p:stCondLst>
+                                    <p:cond delay="0"/>
+                                  </p:stCondLst>
+                                  <p:childTnLst>
+                                    <p:set>
+                                      <p:cBhvr>
+                                        <p:cTn id="16" dur="1" fill="hold">
+                                          <p:stCondLst>
+                                            <p:cond delay="0"/>
+                                          </p:stCondLst>
+                                        </p:cTn>
+                                        <p:tgtEl>
+                                          <p:spTgt spid="2">
+                                            <p:txEl>
+                                              <p:pRg st="4" end="4"/>
+                                            </p:txEl>
+                                          </p:spTgt>
+                                        </p:tgtEl>
+                                        <p:attrNameLst>
+                                          <p:attrName>style.visibility</p:attrName>
+                                        </p:attrNameLst>
+                                      </p:cBhvr>
+                                      <p:to>
+                                        <p:strVal val="visible"/>
+                                      </p:to>
+                                    </p:set>
+                                  </p:childTnLst>
+                                </p:cTn>
+                              </p:par>
+                            </p:childTnLst>
+                          </p:cTn>
+                        </p:par>
+                      </p:childTnLst>
+                    </p:cTn>
+                  </p:par>
+                  <p:par>
+                    <p:cTn id="17" fill="hold">
+                      <p:stCondLst>
+                        <p:cond delay="indefinite"/>
+                      </p:stCondLst>
+                      <p:childTnLst>
+                        <p:par>
+                          <p:cTn id="18" fill="hold">
+                            <p:stCondLst>
+                              <p:cond delay="0"/>
+                            </p:stCondLst>
+                            <p:childTnLst>
+                              <p:par>
+                                <p:cTn id="19" presetID="1" presetClass="entr" presetSubtype="0" fill="hold" grpId="0" nodeType="clickEffect">
+                                  <p:stCondLst>
+                                    <p:cond delay="0"/>
+                                  </p:stCondLst>
+                                  <p:childTnLst>
+                                    <p:set>
+                                      <p:cBhvr>
+                                        <p:cTn id="20" dur="1" fill="hold">
+                                          <p:stCondLst>
+                                            <p:cond delay="0"/>
+                                          </p:stCondLst>
+                                        </p:cTn>
+                                        <p:tgtEl>
+                                          <p:spTgt spid="2">
+                                            <p:txEl>
+                                              <p:pRg st="5" end="5"/>
+                                            </p:txEl>
+                                          </p:spTgt>
+                                        </p:tgtEl>
+                                        <p:attrNameLst>
+                                          <p:attrName>style.visibility</p:attrName>
+                                        </p:attrNameLst>
+                                      </p:cBhvr>
+                                      <p:to>
+                                        <p:strVal val="visible"/>
+                                      </p:to>
+                                    </p:set>
+                                  </p:childTnLst>
+                                </p:cTn>
+                              </p:par>
+                              <p:par>
+                                <p:cTn id="21" presetID="1" presetClass="entr" presetSubtype="0" fill="hold" grpId="0" nodeType="withEffect">
+                                  <p:stCondLst>
+                                    <p:cond delay="0"/>
+                                  </p:stCondLst>
+                                  <p:childTnLst>
+                                    <p:set>
+                                      <p:cBhvr>
+                                        <p:cTn id="22" dur="1" fill="hold">
+                                          <p:stCondLst>
+                                            <p:cond delay="0"/>
+                                          </p:stCondLst>
+                                        </p:cTn>
+                                        <p:tgtEl>
+                                          <p:spTgt spid="2">
+                                            <p:txEl>
+                                              <p:pRg st="6" end="6"/>
+                                            </p:txEl>
+                                          </p:spTgt>
+                                        </p:tgtEl>
+                                        <p:attrNameLst>
+                                          <p:attrName>style.visibility</p:attrName>
+                                        </p:attrNameLst>
+                                      </p:cBhvr>
+                                      <p:to>
+                                        <p:strVal val="visible"/>
+                                      </p:to>
+                                    </p:set>
+                                  </p:childTnLst>
+                                </p:cTn>
+                              </p:par>
+                              <p:par>
+                                <p:cTn id="23" presetID="1" presetClass="entr" presetSubtype="0" fill="hold" grpId="0" nodeType="withEffect">
+                                  <p:stCondLst>
+                                    <p:cond delay="0"/>
+                                  </p:stCondLst>
+                                  <p:childTnLst>
+                                    <p:set>
+                                      <p:cBhvr>
+                                        <p:cTn id="24" dur="1" fill="hold">
+                                          <p:stCondLst>
+                                            <p:cond delay="0"/>
+                                          </p:stCondLst>
+                                        </p:cTn>
+                                        <p:tgtEl>
+                                          <p:spTgt spid="2">
+                                            <p:txEl>
+                                              <p:pRg st="7" end="7"/>
+                                            </p:txEl>
+                                          </p:spTgt>
+                                        </p:tgtEl>
+                                        <p:attrNameLst>
+                                          <p:attrName>style.visibility</p:attrName>
+                                        </p:attrNameLst>
+                                      </p:cBhvr>
+                                      <p:to>
+                                        <p:strVal val="visible"/>
+                                      </p:to>
+                                    </p:set>
+                                  </p:childTnLst>
+                                </p:cTn>
+                              </p:par>
+                            </p:childTnLst>
+                          </p:cTn>
+                        </p:par>
+                      </p:childTnLst>
+                    </p:cTn>
+                  </p:par>
+                </p:childTnLst>
+              </p:cTn>
+              <p:prevCondLst>
+                <p:cond evt="onPrev" delay="0">
+                  <p:tgtEl>
+                    <p:sldTgt/>
+                  </p:tgtEl>
+                </p:cond>
+              </p:prevCondLst>
+              <p:nextCondLst>
+                <p:cond evt="onNext" delay="0">
+                  <p:tgtEl>
+                    <p:sldTgt/>
+                  </p:tgtEl>
+                </p:cond>
+              </p:nextCondLst>
+            </p:seq>
+          </p:childTnLst>
+        </p:cTn>
+      </p:par>
+    </p:tnLst>
+    <p:bldLst>
+      <p:bldP spid="2" grpId="0" uiExpand="1" build="p"/>
+    </p:bldLst>
+  </p:timing>
+</p:sld>
+</file>
+
+<file path=ppt/slides/slide11.xml><?xml version="1.0" encoding="utf-8"?>
+<p:sld xmlns:a="http://schemas.openxmlformats.org/drawingml/2006/main" xmlns:r="http://schemas.openxmlformats.org/officeDocument/2006/relationships" xmlns:p="http://schemas.openxmlformats.org/presentationml/2006/main">
+  <p:cSld>
+    <p:spTree>
+      <p:nvGrpSpPr>
+        <p:cNvPr id="1" name="">
+          <a:extLst>
+            <a:ext uri="{FF2B5EF4-FFF2-40B4-BE49-F238E27FC236}">
+              <a16:creationId xmlns:a16="http://schemas.microsoft.com/office/drawing/2014/main" id="{335CFB44-DF99-1C36-F6F0-2C7530F0ADB5}"/>
+            </a:ext>
+          </a:extLst>
+        </p:cNvPr>
+        <p:cNvGrpSpPr/>
+        <p:nvPr/>
+      </p:nvGrpSpPr>
+      <p:grpSpPr>
+        <a:xfrm>
+          <a:off x="0" y="0"/>
+          <a:ext cx="0" cy="0"/>
+          <a:chOff x="0" y="0"/>
+          <a:chExt cx="0" cy="0"/>
+        </a:xfrm>
+      </p:grpSpPr>
+      <p:sp>
+        <p:nvSpPr>
+          <p:cNvPr id="2" name="Text Placeholder 1">
+            <a:extLst>
+              <a:ext uri="{FF2B5EF4-FFF2-40B4-BE49-F238E27FC236}">
+                <a16:creationId xmlns:a16="http://schemas.microsoft.com/office/drawing/2014/main" id="{3A9B24D5-AC17-2921-5C4E-357A1E6641C2}"/>
+              </a:ext>
+            </a:extLst>
+          </p:cNvPr>
+          <p:cNvSpPr>
+            <a:spLocks noGrp="1"/>
+          </p:cNvSpPr>
+          <p:nvPr>
+            <p:ph type="body" sz="quarter" idx="13"/>
+          </p:nvPr>
+        </p:nvSpPr>
+        <p:spPr>
+          <a:xfrm>
+            <a:off x="255996" y="1271219"/>
+            <a:ext cx="10624338" cy="4142989"/>
+          </a:xfrm>
+        </p:spPr>
+        <p:txBody>
+          <a:bodyPr/>
+          <a:lstStyle/>
+          <a:p>
+            <a:pPr marL="0" indent="0">
+              <a:buNone/>
+            </a:pPr>
+            <a:r>
+              <a:rPr lang="en-US" dirty="0"/>
+              <a:t>Nutrition Dataset (Food Data)</a:t>
+            </a:r>
+            <a:endParaRPr lang="en-US" b="0" dirty="0"/>
+          </a:p>
+          <a:p>
+            <a:r>
+              <a:rPr lang="en-US" dirty="0"/>
+              <a:t>Preprocessing:</a:t>
+            </a:r>
+            <a:endParaRPr lang="en-US" b="0" dirty="0"/>
+          </a:p>
+          <a:p>
+            <a:pPr lvl="1"/>
+            <a:r>
+              <a:rPr lang="en-US" dirty="0"/>
+              <a:t>Cleaned and imputed missing calorie/sugar values.</a:t>
+            </a:r>
+          </a:p>
+          <a:p>
+            <a:pPr lvl="1"/>
+            <a:r>
+              <a:rPr lang="en-US" dirty="0"/>
+              <a:t>Converted text (Dish Name) into numerical vectors using </a:t>
+            </a:r>
+            <a:r>
+              <a:rPr lang="en-US" b="1" dirty="0"/>
+              <a:t>TF-IDF</a:t>
+            </a:r>
+            <a:r>
+              <a:rPr lang="en-US" dirty="0"/>
+              <a:t>.</a:t>
+            </a:r>
+          </a:p>
+          <a:p>
+            <a:r>
+              <a:rPr lang="en-US" dirty="0"/>
+              <a:t>EDA Insights:</a:t>
+            </a:r>
+            <a:endParaRPr lang="en-US" b="0" dirty="0"/>
+          </a:p>
+          <a:p>
+            <a:pPr lvl="1"/>
+            <a:r>
+              <a:rPr lang="en-US" dirty="0"/>
+              <a:t>Analyzed the relationship between text features and nutritional values to confirm model feasibility.</a:t>
+            </a:r>
+          </a:p>
+          <a:p>
+            <a:pPr marL="0" indent="0">
+              <a:lnSpc>
+                <a:spcPct val="150000"/>
+              </a:lnSpc>
+              <a:buNone/>
+            </a:pPr>
+            <a:endParaRPr lang="en-US" sz="2400" b="0" dirty="0">
+              <a:solidFill>
+                <a:srgbClr val="5583D1"/>
+              </a:solidFill>
+            </a:endParaRPr>
+          </a:p>
+        </p:txBody>
+      </p:sp>
+      <p:sp>
+        <p:nvSpPr>
+          <p:cNvPr id="3" name="TextBox 2">
+            <a:extLst>
+              <a:ext uri="{FF2B5EF4-FFF2-40B4-BE49-F238E27FC236}">
+                <a16:creationId xmlns:a16="http://schemas.microsoft.com/office/drawing/2014/main" id="{F9C2E016-3FE9-A99F-5CF5-3BA33E2B9867}"/>
+              </a:ext>
+            </a:extLst>
+          </p:cNvPr>
+          <p:cNvSpPr txBox="1"/>
+          <p:nvPr/>
+        </p:nvSpPr>
+        <p:spPr>
+          <a:xfrm>
+            <a:off x="255996" y="502545"/>
+            <a:ext cx="10624338" cy="646331"/>
+          </a:xfrm>
+          <a:prstGeom prst="rect">
+            <a:avLst/>
+          </a:prstGeom>
+          <a:noFill/>
+        </p:spPr>
+        <p:txBody>
+          <a:bodyPr wrap="square" rtlCol="0">
+            <a:spAutoFit/>
+          </a:bodyPr>
+          <a:lstStyle/>
+          <a:p>
+            <a:pPr lvl="0">
+              <a:defRPr/>
+            </a:pPr>
+            <a:r>
+              <a:rPr lang="en-US" sz="3600" b="1" dirty="0">
+                <a:solidFill>
+                  <a:srgbClr val="5B9BD5">
+                    <a:lumMod val="50000"/>
+                  </a:srgbClr>
+                </a:solidFill>
+              </a:rPr>
+              <a:t>Data preprocessing &amp; EDA</a:t>
+            </a:r>
+            <a:r>
+              <a:rPr kumimoji="0" lang="en-US" sz="3600" b="1" i="0" u="none" strike="noStrike" kern="1200" cap="none" spc="0" normalizeH="0" baseline="0" noProof="0" dirty="0">
+                <a:ln>
+                  <a:noFill/>
+                </a:ln>
+                <a:solidFill>
+                  <a:srgbClr val="5B9BD5">
+                    <a:lumMod val="50000"/>
+                  </a:srgbClr>
+                </a:solidFill>
+                <a:effectLst/>
+                <a:uLnTx/>
+                <a:uFillTx/>
+                <a:latin typeface="Calibri" panose="020F0502020204030204"/>
+                <a:ea typeface="+mn-ea"/>
+                <a:cs typeface="+mn-cs"/>
+              </a:rPr>
+              <a:t>…. Calibri body -36</a:t>
+            </a:r>
+          </a:p>
+        </p:txBody>
+      </p:sp>
+      <p:cxnSp>
+        <p:nvCxnSpPr>
+          <p:cNvPr id="5" name="Straight Connector 4">
+            <a:extLst>
+              <a:ext uri="{FF2B5EF4-FFF2-40B4-BE49-F238E27FC236}">
+                <a16:creationId xmlns:a16="http://schemas.microsoft.com/office/drawing/2014/main" id="{A0450539-0690-2BB8-B57F-82A2235DB4FC}"/>
+              </a:ext>
+            </a:extLst>
+          </p:cNvPr>
+          <p:cNvCxnSpPr>
+            <a:cxnSpLocks/>
+          </p:cNvCxnSpPr>
+          <p:nvPr/>
+        </p:nvCxnSpPr>
+        <p:spPr>
+          <a:xfrm>
+            <a:off x="221274" y="1191756"/>
+            <a:ext cx="7305799" cy="0"/>
+          </a:xfrm>
+          <a:prstGeom prst="line">
+            <a:avLst/>
+          </a:prstGeom>
+          <a:ln w="28575">
+            <a:solidFill>
+              <a:schemeClr val="accent6"/>
+            </a:solidFill>
+          </a:ln>
+        </p:spPr>
+        <p:style>
+          <a:lnRef idx="1">
+            <a:schemeClr val="accent1"/>
+          </a:lnRef>
+          <a:fillRef idx="0">
+            <a:schemeClr val="accent1"/>
+          </a:fillRef>
+          <a:effectRef idx="0">
+            <a:schemeClr val="accent1"/>
+          </a:effectRef>
+          <a:fontRef idx="minor">
+            <a:schemeClr val="tx1"/>
+          </a:fontRef>
+        </p:style>
+      </p:cxnSp>
+      <p:sp>
+        <p:nvSpPr>
+          <p:cNvPr id="4" name="TextBox 3">
+            <a:extLst>
+              <a:ext uri="{FF2B5EF4-FFF2-40B4-BE49-F238E27FC236}">
+                <a16:creationId xmlns:a16="http://schemas.microsoft.com/office/drawing/2014/main" id="{1D8AA7B9-430E-654F-3B0C-40CEC93A0403}"/>
+              </a:ext>
+            </a:extLst>
+          </p:cNvPr>
+          <p:cNvSpPr txBox="1"/>
+          <p:nvPr/>
+        </p:nvSpPr>
+        <p:spPr>
+          <a:xfrm>
+            <a:off x="6093893" y="57036"/>
+            <a:ext cx="6098107" cy="646331"/>
+          </a:xfrm>
+          <a:prstGeom prst="rect">
+            <a:avLst/>
+          </a:prstGeom>
+          <a:noFill/>
+        </p:spPr>
+        <p:txBody>
+          <a:bodyPr wrap="square" rtlCol="0">
+            <a:spAutoFit/>
+          </a:bodyPr>
+          <a:lstStyle/>
+          <a:p>
+            <a:pPr algn="r"/>
+            <a:r>
+              <a:rPr lang="en-US" sz="1800" b="1" i="1" dirty="0">
+                <a:solidFill>
+                  <a:srgbClr val="FFFFFF"/>
+                </a:solidFill>
+              </a:rPr>
+              <a:t>Project Title -  Calibri body 18</a:t>
+            </a:r>
+          </a:p>
+          <a:p>
+            <a:pPr algn="r"/>
+            <a:endParaRPr lang="en-US" dirty="0"/>
+          </a:p>
+        </p:txBody>
+      </p:sp>
+    </p:spTree>
+    <p:extLst>
+      <p:ext uri="{BB962C8B-B14F-4D97-AF65-F5344CB8AC3E}">
+        <p14:creationId xmlns:p14="http://schemas.microsoft.com/office/powerpoint/2010/main" val="298696472"/>
+      </p:ext>
+    </p:extLst>
+  </p:cSld>
+  <p:clrMapOvr>
+    <a:masterClrMapping/>
+  </p:clrMapOvr>
+  <mc:AlternateContent xmlns:mc="http://schemas.openxmlformats.org/markup-compatibility/2006" xmlns:p14="http://schemas.microsoft.com/office/powerpoint/2010/main">
+    <mc:Choice Requires="p14">
+      <p:transition spd="med" p14:dur="700">
+        <p:fade/>
+      </p:transition>
+    </mc:Choice>
+    <mc:Fallback xmlns="">
+      <p:transition spd="med">
+        <p:fade/>
+      </p:transition>
+    </mc:Fallback>
+  </mc:AlternateContent>
+  <p:timing>
+    <p:tnLst>
+      <p:par>
+        <p:cTn id="1" dur="indefinite" restart="never" nodeType="tmRoot">
+          <p:childTnLst>
+            <p:seq concurrent="1" nextAc="seek">
+              <p:cTn id="2" dur="indefinite" nodeType="mainSeq">
+                <p:childTnLst>
+                  <p:par>
+                    <p:cTn id="3" fill="hold">
+                      <p:stCondLst>
+                        <p:cond delay="indefinite"/>
+                      </p:stCondLst>
+                      <p:childTnLst>
+                        <p:par>
+                          <p:cTn id="4" fill="hold">
+                            <p:stCondLst>
+                              <p:cond delay="0"/>
+                            </p:stCondLst>
+                            <p:childTnLst>
+                              <p:par>
+                                <p:cTn id="5" presetID="1" presetClass="entr" presetSubtype="0" fill="hold" grpId="0" nodeType="clickEffect">
+                                  <p:stCondLst>
+                                    <p:cond delay="0"/>
+                                  </p:stCondLst>
+                                  <p:childTnLst>
+                                    <p:set>
+                                      <p:cBhvr>
+                                        <p:cTn id="6" dur="1" fill="hold">
+                                          <p:stCondLst>
+                                            <p:cond delay="0"/>
+                                          </p:stCondLst>
+                                        </p:cTn>
+                                        <p:tgtEl>
+                                          <p:spTgt spid="2">
+                                            <p:txEl>
+                                              <p:pRg st="0" end="0"/>
+                                            </p:txEl>
+                                          </p:spTgt>
+                                        </p:tgtEl>
+                                        <p:attrNameLst>
+                                          <p:attrName>style.visibility</p:attrName>
+                                        </p:attrNameLst>
+                                      </p:cBhvr>
+                                      <p:to>
+                                        <p:strVal val="visible"/>
+                                      </p:to>
+                                    </p:set>
+                                  </p:childTnLst>
+                                </p:cTn>
+                              </p:par>
+                            </p:childTnLst>
+                          </p:cTn>
+                        </p:par>
+                      </p:childTnLst>
+                    </p:cTn>
+                  </p:par>
+                  <p:par>
+                    <p:cTn id="7" fill="hold">
+                      <p:stCondLst>
+                        <p:cond delay="indefinite"/>
+                      </p:stCondLst>
+                      <p:childTnLst>
+                        <p:par>
+                          <p:cTn id="8" fill="hold">
+                            <p:stCondLst>
+                              <p:cond delay="0"/>
+                            </p:stCondLst>
+                            <p:childTnLst>
+                              <p:par>
+                                <p:cTn id="9" presetID="1" presetClass="entr" presetSubtype="0" fill="hold" grpId="0" nodeType="clickEffect">
+                                  <p:stCondLst>
+                                    <p:cond delay="0"/>
+                                  </p:stCondLst>
+                                  <p:childTnLst>
+                                    <p:set>
+                                      <p:cBhvr>
+                                        <p:cTn id="10" dur="1" fill="hold">
+                                          <p:stCondLst>
+                                            <p:cond delay="0"/>
+                                          </p:stCondLst>
+                                        </p:cTn>
+                                        <p:tgtEl>
+                                          <p:spTgt spid="2">
+                                            <p:txEl>
+                                              <p:pRg st="1" end="1"/>
+                                            </p:txEl>
+                                          </p:spTgt>
+                                        </p:tgtEl>
+                                        <p:attrNameLst>
+                                          <p:attrName>style.visibility</p:attrName>
+                                        </p:attrNameLst>
+                                      </p:cBhvr>
+                                      <p:to>
+                                        <p:strVal val="visible"/>
+                                      </p:to>
+                                    </p:set>
+                                  </p:childTnLst>
+                                </p:cTn>
+                              </p:par>
+                              <p:par>
+                                <p:cTn id="11" presetID="1" presetClass="entr" presetSubtype="0" fill="hold" grpId="0" nodeType="withEffect">
+                                  <p:stCondLst>
+                                    <p:cond delay="0"/>
+                                  </p:stCondLst>
+                                  <p:childTnLst>
+                                    <p:set>
+                                      <p:cBhvr>
+                                        <p:cTn id="12" dur="1" fill="hold">
+                                          <p:stCondLst>
+                                            <p:cond delay="0"/>
+                                          </p:stCondLst>
+                                        </p:cTn>
+                                        <p:tgtEl>
+                                          <p:spTgt spid="2">
+                                            <p:txEl>
+                                              <p:pRg st="2" end="2"/>
+                                            </p:txEl>
+                                          </p:spTgt>
+                                        </p:tgtEl>
+                                        <p:attrNameLst>
+                                          <p:attrName>style.visibility</p:attrName>
+                                        </p:attrNameLst>
+                                      </p:cBhvr>
+                                      <p:to>
+                                        <p:strVal val="visible"/>
+                                      </p:to>
+                                    </p:set>
+                                  </p:childTnLst>
+                                </p:cTn>
+                              </p:par>
+                              <p:par>
+                                <p:cTn id="13" presetID="1" presetClass="entr" presetSubtype="0" fill="hold" grpId="0" nodeType="withEffect">
+                                  <p:stCondLst>
+                                    <p:cond delay="0"/>
+                                  </p:stCondLst>
+                                  <p:childTnLst>
+                                    <p:set>
+                                      <p:cBhvr>
+                                        <p:cTn id="14" dur="1" fill="hold">
+                                          <p:stCondLst>
+                                            <p:cond delay="0"/>
+                                          </p:stCondLst>
+                                        </p:cTn>
+                                        <p:tgtEl>
+                                          <p:spTgt spid="2">
+                                            <p:txEl>
+                                              <p:pRg st="3" end="3"/>
+                                            </p:txEl>
+                                          </p:spTgt>
+                                        </p:tgtEl>
+                                        <p:attrNameLst>
+                                          <p:attrName>style.visibility</p:attrName>
+                                        </p:attrNameLst>
+                                      </p:cBhvr>
+                                      <p:to>
+                                        <p:strVal val="visible"/>
+                                      </p:to>
+                                    </p:set>
+                                  </p:childTnLst>
+                                </p:cTn>
+                              </p:par>
+                            </p:childTnLst>
+                          </p:cTn>
+                        </p:par>
+                      </p:childTnLst>
+                    </p:cTn>
+                  </p:par>
+                  <p:par>
+                    <p:cTn id="15" fill="hold">
+                      <p:stCondLst>
+                        <p:cond delay="indefinite"/>
+                      </p:stCondLst>
+                      <p:childTnLst>
+                        <p:par>
+                          <p:cTn id="16" fill="hold">
+                            <p:stCondLst>
+                              <p:cond delay="0"/>
+                            </p:stCondLst>
+                            <p:childTnLst>
+                              <p:par>
+                                <p:cTn id="17" presetID="1" presetClass="entr" presetSubtype="0" fill="hold" grpId="0" nodeType="clickEffect">
+                                  <p:stCondLst>
+                                    <p:cond delay="0"/>
+                                  </p:stCondLst>
+                                  <p:childTnLst>
+                                    <p:set>
+                                      <p:cBhvr>
+                                        <p:cTn id="18" dur="1" fill="hold">
+                                          <p:stCondLst>
+                                            <p:cond delay="0"/>
+                                          </p:stCondLst>
+                                        </p:cTn>
+                                        <p:tgtEl>
+                                          <p:spTgt spid="2">
+                                            <p:txEl>
+                                              <p:pRg st="4" end="4"/>
+                                            </p:txEl>
+                                          </p:spTgt>
+                                        </p:tgtEl>
+                                        <p:attrNameLst>
+                                          <p:attrName>style.visibility</p:attrName>
+                                        </p:attrNameLst>
+                                      </p:cBhvr>
+                                      <p:to>
+                                        <p:strVal val="visible"/>
+                                      </p:to>
+                                    </p:set>
+                                  </p:childTnLst>
+                                </p:cTn>
+                              </p:par>
+                              <p:par>
+                                <p:cTn id="19" presetID="1" presetClass="entr" presetSubtype="0" fill="hold" grpId="0" nodeType="withEffect">
+                                  <p:stCondLst>
+                                    <p:cond delay="0"/>
+                                  </p:stCondLst>
+                                  <p:childTnLst>
+                                    <p:set>
+                                      <p:cBhvr>
+                                        <p:cTn id="20" dur="1" fill="hold">
+                                          <p:stCondLst>
+                                            <p:cond delay="0"/>
+                                          </p:stCondLst>
+                                        </p:cTn>
+                                        <p:tgtEl>
+                                          <p:spTgt spid="2">
+                                            <p:txEl>
+                                              <p:pRg st="5" end="5"/>
+                                            </p:txEl>
+                                          </p:spTgt>
+                                        </p:tgtEl>
+                                        <p:attrNameLst>
+                                          <p:attrName>style.visibility</p:attrName>
+                                        </p:attrNameLst>
+                                      </p:cBhvr>
+                                      <p:to>
+                                        <p:strVal val="visible"/>
+                                      </p:to>
+                                    </p:set>
+                                  </p:childTnLst>
+                                </p:cTn>
+                              </p:par>
+                            </p:childTnLst>
+                          </p:cTn>
+                        </p:par>
+                      </p:childTnLst>
+                    </p:cTn>
+                  </p:par>
+                </p:childTnLst>
+              </p:cTn>
+              <p:prevCondLst>
+                <p:cond evt="onPrev" delay="0">
+                  <p:tgtEl>
+                    <p:sldTgt/>
+                  </p:tgtEl>
+                </p:cond>
+              </p:prevCondLst>
+              <p:nextCondLst>
+                <p:cond evt="onNext" delay="0">
+                  <p:tgtEl>
+                    <p:sldTgt/>
+                  </p:tgtEl>
+                </p:cond>
+              </p:nextCondLst>
+            </p:seq>
+          </p:childTnLst>
+        </p:cTn>
+      </p:par>
+    </p:tnLst>
+    <p:bldLst>
+      <p:bldP spid="2" grpId="0" uiExpand="1" build="p"/>
+    </p:bldLst>
+  </p:timing>
+</p:sld>
+</file>
+
+<file path=ppt/slides/slide12.xml><?xml version="1.0" encoding="utf-8"?>
+<p:sld xmlns:a="http://schemas.openxmlformats.org/drawingml/2006/main" xmlns:r="http://schemas.openxmlformats.org/officeDocument/2006/relationships" xmlns:p="http://schemas.openxmlformats.org/presentationml/2006/main">
+  <p:cSld>
+    <p:spTree>
+      <p:nvGrpSpPr>
+        <p:cNvPr id="1" name="">
+          <a:extLst>
+            <a:ext uri="{FF2B5EF4-FFF2-40B4-BE49-F238E27FC236}">
+              <a16:creationId xmlns:a16="http://schemas.microsoft.com/office/drawing/2014/main" id="{C8E7B675-E694-7663-D55C-2461C40B8B82}"/>
+            </a:ext>
+          </a:extLst>
+        </p:cNvPr>
+        <p:cNvGrpSpPr/>
+        <p:nvPr/>
+      </p:nvGrpSpPr>
+      <p:grpSpPr>
+        <a:xfrm>
+          <a:off x="0" y="0"/>
+          <a:ext cx="0" cy="0"/>
+          <a:chOff x="0" y="0"/>
+          <a:chExt cx="0" cy="0"/>
+        </a:xfrm>
+      </p:grpSpPr>
+      <p:sp>
+        <p:nvSpPr>
+          <p:cNvPr id="2" name="Text Placeholder 1">
+            <a:extLst>
+              <a:ext uri="{FF2B5EF4-FFF2-40B4-BE49-F238E27FC236}">
+                <a16:creationId xmlns:a16="http://schemas.microsoft.com/office/drawing/2014/main" id="{6E433592-8155-CD6F-B5E3-78AB52F31DE6}"/>
+              </a:ext>
+            </a:extLst>
+          </p:cNvPr>
+          <p:cNvSpPr>
+            <a:spLocks noGrp="1"/>
+          </p:cNvSpPr>
+          <p:nvPr>
+            <p:ph type="body" sz="quarter" idx="13"/>
+          </p:nvPr>
+        </p:nvSpPr>
+        <p:spPr>
+          <a:xfrm>
+            <a:off x="255996" y="1271219"/>
+            <a:ext cx="10624338" cy="4142989"/>
+          </a:xfrm>
+        </p:spPr>
+        <p:txBody>
+          <a:bodyPr/>
+          <a:lstStyle/>
+          <a:p>
+            <a:pPr marL="0" indent="0">
+              <a:buNone/>
+            </a:pPr>
+            <a:r>
+              <a:rPr lang="en-US" dirty="0"/>
+              <a:t>Approach</a:t>
+            </a:r>
+          </a:p>
+          <a:p>
+            <a:r>
+              <a:rPr lang="en-US" dirty="0"/>
+              <a:t>Dual-Model System:</a:t>
+            </a:r>
+            <a:r>
+              <a:rPr lang="en-US" b="0" dirty="0"/>
+              <a:t> Two separate machine learning pipelines for diabetes and nutrition.</a:t>
+            </a:r>
+          </a:p>
+          <a:p>
+            <a:r>
+              <a:rPr lang="en-US" dirty="0"/>
+              <a:t>Classification:</a:t>
+            </a:r>
+            <a:r>
+              <a:rPr lang="en-US" b="0" dirty="0"/>
+              <a:t> Predicts diabetes risk level (Low, Moderate, High).</a:t>
+            </a:r>
+          </a:p>
+          <a:p>
+            <a:r>
+              <a:rPr lang="en-US" dirty="0"/>
+              <a:t>Regression:</a:t>
+            </a:r>
+            <a:r>
+              <a:rPr lang="en-US" b="0" dirty="0"/>
+              <a:t> Estimates calories and sugar from text-based meal descriptions.</a:t>
+            </a:r>
+          </a:p>
+          <a:p>
+            <a:r>
+              <a:rPr lang="en-US" dirty="0"/>
+              <a:t>Integration:</a:t>
+            </a:r>
+            <a:r>
+              <a:rPr lang="en-US" b="0" dirty="0"/>
+              <a:t> Deploys models in a Streamlit app for real-time user feedback.</a:t>
+            </a:r>
+          </a:p>
+          <a:p>
+            <a:pPr marL="0" indent="0">
+              <a:lnSpc>
+                <a:spcPct val="150000"/>
+              </a:lnSpc>
+              <a:buNone/>
+            </a:pPr>
+            <a:endParaRPr lang="en-US" sz="2400" b="0" dirty="0">
+              <a:solidFill>
+                <a:srgbClr val="5583D1"/>
+              </a:solidFill>
+            </a:endParaRPr>
+          </a:p>
+        </p:txBody>
+      </p:sp>
+      <p:sp>
+        <p:nvSpPr>
+          <p:cNvPr id="3" name="TextBox 2">
+            <a:extLst>
+              <a:ext uri="{FF2B5EF4-FFF2-40B4-BE49-F238E27FC236}">
+                <a16:creationId xmlns:a16="http://schemas.microsoft.com/office/drawing/2014/main" id="{3D243BDD-B44E-04F0-FA93-336DD2FFA770}"/>
+              </a:ext>
+            </a:extLst>
+          </p:cNvPr>
+          <p:cNvSpPr txBox="1"/>
+          <p:nvPr/>
+        </p:nvSpPr>
+        <p:spPr>
+          <a:xfrm>
+            <a:off x="255996" y="502545"/>
+            <a:ext cx="10624338" cy="646331"/>
+          </a:xfrm>
+          <a:prstGeom prst="rect">
+            <a:avLst/>
+          </a:prstGeom>
+          <a:noFill/>
+        </p:spPr>
+        <p:txBody>
+          <a:bodyPr wrap="square" rtlCol="0">
+            <a:spAutoFit/>
+          </a:bodyPr>
+          <a:lstStyle/>
+          <a:p>
+            <a:pPr lvl="0">
+              <a:defRPr/>
+            </a:pPr>
+            <a:r>
+              <a:rPr lang="en-US" sz="3600" b="1" dirty="0">
+                <a:solidFill>
+                  <a:srgbClr val="5B9BD5">
+                    <a:lumMod val="50000"/>
+                  </a:srgbClr>
+                </a:solidFill>
+              </a:rPr>
+              <a:t>Approach/Algorithms/Tools</a:t>
+            </a:r>
+            <a:r>
+              <a:rPr kumimoji="0" lang="en-US" sz="3600" b="1" i="0" u="none" strike="noStrike" kern="1200" cap="none" spc="0" normalizeH="0" baseline="0" noProof="0" dirty="0">
+                <a:ln>
+                  <a:noFill/>
+                </a:ln>
+                <a:solidFill>
+                  <a:srgbClr val="5B9BD5">
+                    <a:lumMod val="50000"/>
+                  </a:srgbClr>
+                </a:solidFill>
+                <a:effectLst/>
+                <a:uLnTx/>
+                <a:uFillTx/>
+                <a:latin typeface="Calibri" panose="020F0502020204030204"/>
+                <a:ea typeface="+mn-ea"/>
+                <a:cs typeface="+mn-cs"/>
+              </a:rPr>
+              <a:t>…. Calibri body -36</a:t>
+            </a:r>
+          </a:p>
+        </p:txBody>
+      </p:sp>
+      <p:cxnSp>
+        <p:nvCxnSpPr>
+          <p:cNvPr id="5" name="Straight Connector 4">
+            <a:extLst>
+              <a:ext uri="{FF2B5EF4-FFF2-40B4-BE49-F238E27FC236}">
+                <a16:creationId xmlns:a16="http://schemas.microsoft.com/office/drawing/2014/main" id="{14963133-FFA1-7CF4-9FAD-E6A120EF4238}"/>
+              </a:ext>
+            </a:extLst>
+          </p:cNvPr>
+          <p:cNvCxnSpPr>
+            <a:cxnSpLocks/>
+          </p:cNvCxnSpPr>
+          <p:nvPr/>
+        </p:nvCxnSpPr>
+        <p:spPr>
+          <a:xfrm>
+            <a:off x="221274" y="1191756"/>
+            <a:ext cx="7305799" cy="0"/>
+          </a:xfrm>
+          <a:prstGeom prst="line">
+            <a:avLst/>
+          </a:prstGeom>
+          <a:ln w="28575">
+            <a:solidFill>
+              <a:schemeClr val="accent6"/>
+            </a:solidFill>
+          </a:ln>
+        </p:spPr>
+        <p:style>
+          <a:lnRef idx="1">
+            <a:schemeClr val="accent1"/>
+          </a:lnRef>
+          <a:fillRef idx="0">
+            <a:schemeClr val="accent1"/>
+          </a:fillRef>
+          <a:effectRef idx="0">
+            <a:schemeClr val="accent1"/>
+          </a:effectRef>
+          <a:fontRef idx="minor">
+            <a:schemeClr val="tx1"/>
+          </a:fontRef>
+        </p:style>
+      </p:cxnSp>
+      <p:sp>
+        <p:nvSpPr>
+          <p:cNvPr id="4" name="TextBox 3">
+            <a:extLst>
+              <a:ext uri="{FF2B5EF4-FFF2-40B4-BE49-F238E27FC236}">
+                <a16:creationId xmlns:a16="http://schemas.microsoft.com/office/drawing/2014/main" id="{FEA3EC9D-D5AF-E54C-A3D0-5E42F32DC03B}"/>
+              </a:ext>
+            </a:extLst>
+          </p:cNvPr>
+          <p:cNvSpPr txBox="1"/>
+          <p:nvPr/>
+        </p:nvSpPr>
+        <p:spPr>
+          <a:xfrm>
+            <a:off x="6093893" y="57036"/>
+            <a:ext cx="6098107" cy="646331"/>
+          </a:xfrm>
+          <a:prstGeom prst="rect">
+            <a:avLst/>
+          </a:prstGeom>
+          <a:noFill/>
+        </p:spPr>
+        <p:txBody>
+          <a:bodyPr wrap="square" rtlCol="0">
+            <a:spAutoFit/>
+          </a:bodyPr>
+          <a:lstStyle/>
+          <a:p>
+            <a:pPr algn="r"/>
+            <a:r>
+              <a:rPr lang="en-US" sz="1800" b="1" i="1" dirty="0">
+                <a:solidFill>
+                  <a:srgbClr val="FFFFFF"/>
+                </a:solidFill>
+              </a:rPr>
+              <a:t>Project Title -  Calibri body 18</a:t>
+            </a:r>
+          </a:p>
+          <a:p>
+            <a:pPr algn="r"/>
+            <a:endParaRPr lang="en-US" dirty="0"/>
+          </a:p>
+        </p:txBody>
+      </p:sp>
+    </p:spTree>
+    <p:extLst>
+      <p:ext uri="{BB962C8B-B14F-4D97-AF65-F5344CB8AC3E}">
+        <p14:creationId xmlns:p14="http://schemas.microsoft.com/office/powerpoint/2010/main" val="107944653"/>
+      </p:ext>
+    </p:extLst>
+  </p:cSld>
+  <p:clrMapOvr>
+    <a:masterClrMapping/>
+  </p:clrMapOvr>
+  <mc:AlternateContent xmlns:mc="http://schemas.openxmlformats.org/markup-compatibility/2006" xmlns:p14="http://schemas.microsoft.com/office/powerpoint/2010/main">
+    <mc:Choice Requires="p14">
+      <p:transition spd="med" p14:dur="700">
+        <p:fade/>
+      </p:transition>
+    </mc:Choice>
+    <mc:Fallback xmlns="">
+      <p:transition spd="med">
+        <p:fade/>
+      </p:transition>
+    </mc:Fallback>
+  </mc:AlternateContent>
+  <p:timing>
+    <p:tnLst>
+      <p:par>
+        <p:cTn id="1" dur="indefinite" restart="never" nodeType="tmRoot">
+          <p:childTnLst>
+            <p:seq concurrent="1" nextAc="seek">
+              <p:cTn id="2" dur="indefinite" nodeType="mainSeq">
+                <p:childTnLst>
+                  <p:par>
+                    <p:cTn id="3" fill="hold">
+                      <p:stCondLst>
+                        <p:cond delay="indefinite"/>
+                      </p:stCondLst>
+                      <p:childTnLst>
+                        <p:par>
+                          <p:cTn id="4" fill="hold">
+                            <p:stCondLst>
+                              <p:cond delay="0"/>
+                            </p:stCondLst>
+                            <p:childTnLst>
+                              <p:par>
+                                <p:cTn id="5" presetID="1" presetClass="entr" presetSubtype="0" fill="hold" grpId="0" nodeType="clickEffect">
+                                  <p:stCondLst>
+                                    <p:cond delay="0"/>
+                                  </p:stCondLst>
+                                  <p:childTnLst>
+                                    <p:set>
+                                      <p:cBhvr>
+                                        <p:cTn id="6" dur="1" fill="hold">
+                                          <p:stCondLst>
+                                            <p:cond delay="0"/>
+                                          </p:stCondLst>
+                                        </p:cTn>
+                                        <p:tgtEl>
+                                          <p:spTgt spid="2">
+                                            <p:txEl>
+                                              <p:pRg st="0" end="0"/>
+                                            </p:txEl>
+                                          </p:spTgt>
+                                        </p:tgtEl>
+                                        <p:attrNameLst>
+                                          <p:attrName>style.visibility</p:attrName>
+                                        </p:attrNameLst>
+                                      </p:cBhvr>
+                                      <p:to>
+                                        <p:strVal val="visible"/>
+                                      </p:to>
+                                    </p:set>
+                                  </p:childTnLst>
+                                </p:cTn>
+                              </p:par>
+                            </p:childTnLst>
+                          </p:cTn>
+                        </p:par>
+                      </p:childTnLst>
+                    </p:cTn>
+                  </p:par>
+                  <p:par>
+                    <p:cTn id="7" fill="hold">
+                      <p:stCondLst>
+                        <p:cond delay="indefinite"/>
+                      </p:stCondLst>
+                      <p:childTnLst>
+                        <p:par>
+                          <p:cTn id="8" fill="hold">
+                            <p:stCondLst>
+                              <p:cond delay="0"/>
+                            </p:stCondLst>
+                            <p:childTnLst>
+                              <p:par>
+                                <p:cTn id="9" presetID="1" presetClass="entr" presetSubtype="0" fill="hold" grpId="0" nodeType="clickEffect">
+                                  <p:stCondLst>
+                                    <p:cond delay="0"/>
+                                  </p:stCondLst>
+                                  <p:childTnLst>
+                                    <p:set>
+                                      <p:cBhvr>
+                                        <p:cTn id="10" dur="1" fill="hold">
+                                          <p:stCondLst>
+                                            <p:cond delay="0"/>
+                                          </p:stCondLst>
+                                        </p:cTn>
+                                        <p:tgtEl>
+                                          <p:spTgt spid="2">
+                                            <p:txEl>
+                                              <p:pRg st="1" end="1"/>
+                                            </p:txEl>
+                                          </p:spTgt>
+                                        </p:tgtEl>
+                                        <p:attrNameLst>
+                                          <p:attrName>style.visibility</p:attrName>
+                                        </p:attrNameLst>
+                                      </p:cBhvr>
+                                      <p:to>
+                                        <p:strVal val="visible"/>
+                                      </p:to>
+                                    </p:set>
+                                  </p:childTnLst>
+                                </p:cTn>
+                              </p:par>
+                            </p:childTnLst>
+                          </p:cTn>
+                        </p:par>
+                      </p:childTnLst>
+                    </p:cTn>
+                  </p:par>
+                  <p:par>
+                    <p:cTn id="11" fill="hold">
+                      <p:stCondLst>
+                        <p:cond delay="indefinite"/>
+                      </p:stCondLst>
+                      <p:childTnLst>
+                        <p:par>
+                          <p:cTn id="12" fill="hold">
+                            <p:stCondLst>
+                              <p:cond delay="0"/>
+                            </p:stCondLst>
+                            <p:childTnLst>
+                              <p:par>
+                                <p:cTn id="13" presetID="1" presetClass="entr" presetSubtype="0" fill="hold" grpId="0" nodeType="clickEffect">
+                                  <p:stCondLst>
+                                    <p:cond delay="0"/>
+                                  </p:stCondLst>
+                                  <p:childTnLst>
+                                    <p:set>
+                                      <p:cBhvr>
+                                        <p:cTn id="14" dur="1" fill="hold">
+                                          <p:stCondLst>
+                                            <p:cond delay="0"/>
+                                          </p:stCondLst>
+                                        </p:cTn>
+                                        <p:tgtEl>
+                                          <p:spTgt spid="2">
+                                            <p:txEl>
+                                              <p:pRg st="2" end="2"/>
+                                            </p:txEl>
+                                          </p:spTgt>
+                                        </p:tgtEl>
+                                        <p:attrNameLst>
+                                          <p:attrName>style.visibility</p:attrName>
+                                        </p:attrNameLst>
+                                      </p:cBhvr>
+                                      <p:to>
+                                        <p:strVal val="visible"/>
+                                      </p:to>
+                                    </p:set>
+                                  </p:childTnLst>
+                                </p:cTn>
+                              </p:par>
+                            </p:childTnLst>
+                          </p:cTn>
+                        </p:par>
+                      </p:childTnLst>
+                    </p:cTn>
+                  </p:par>
+                  <p:par>
+                    <p:cTn id="15" fill="hold">
+                      <p:stCondLst>
+                        <p:cond delay="indefinite"/>
+                      </p:stCondLst>
+                      <p:childTnLst>
+                        <p:par>
+                          <p:cTn id="16" fill="hold">
+                            <p:stCondLst>
+                              <p:cond delay="0"/>
+                            </p:stCondLst>
+                            <p:childTnLst>
+                              <p:par>
+                                <p:cTn id="17" presetID="1" presetClass="entr" presetSubtype="0" fill="hold" grpId="0" nodeType="clickEffect">
+                                  <p:stCondLst>
+                                    <p:cond delay="0"/>
+                                  </p:stCondLst>
+                                  <p:childTnLst>
+                                    <p:set>
+                                      <p:cBhvr>
+                                        <p:cTn id="18" dur="1" fill="hold">
+                                          <p:stCondLst>
+                                            <p:cond delay="0"/>
+                                          </p:stCondLst>
+                                        </p:cTn>
+                                        <p:tgtEl>
+                                          <p:spTgt spid="2">
+                                            <p:txEl>
+                                              <p:pRg st="3" end="3"/>
+                                            </p:txEl>
+                                          </p:spTgt>
+                                        </p:tgtEl>
+                                        <p:attrNameLst>
+                                          <p:attrName>style.visibility</p:attrName>
+                                        </p:attrNameLst>
+                                      </p:cBhvr>
+                                      <p:to>
+                                        <p:strVal val="visible"/>
+                                      </p:to>
+                                    </p:set>
+                                  </p:childTnLst>
+                                </p:cTn>
+                              </p:par>
+                            </p:childTnLst>
+                          </p:cTn>
+                        </p:par>
+                      </p:childTnLst>
+                    </p:cTn>
+                  </p:par>
+                  <p:par>
+                    <p:cTn id="19" fill="hold">
+                      <p:stCondLst>
+                        <p:cond delay="indefinite"/>
+                      </p:stCondLst>
+                      <p:childTnLst>
+                        <p:par>
+                          <p:cTn id="20" fill="hold">
+                            <p:stCondLst>
+                              <p:cond delay="0"/>
+                            </p:stCondLst>
+                            <p:childTnLst>
+                              <p:par>
+                                <p:cTn id="21" presetID="1" presetClass="entr" presetSubtype="0" fill="hold" grpId="0" nodeType="clickEffect">
+                                  <p:stCondLst>
+                                    <p:cond delay="0"/>
+                                  </p:stCondLst>
+                                  <p:childTnLst>
+                                    <p:set>
+                                      <p:cBhvr>
+                                        <p:cTn id="22" dur="1" fill="hold">
+                                          <p:stCondLst>
+                                            <p:cond delay="0"/>
+                                          </p:stCondLst>
+                                        </p:cTn>
+                                        <p:tgtEl>
+                                          <p:spTgt spid="2">
+                                            <p:txEl>
+                                              <p:pRg st="4" end="4"/>
+                                            </p:txEl>
+                                          </p:spTgt>
+                                        </p:tgtEl>
+                                        <p:attrNameLst>
+                                          <p:attrName>style.visibility</p:attrName>
+                                        </p:attrNameLst>
+                                      </p:cBhvr>
+                                      <p:to>
+                                        <p:strVal val="visible"/>
+                                      </p:to>
+                                    </p:set>
+                                  </p:childTnLst>
+                                </p:cTn>
+                              </p:par>
+                            </p:childTnLst>
+                          </p:cTn>
+                        </p:par>
+                      </p:childTnLst>
+                    </p:cTn>
+                  </p:par>
+                </p:childTnLst>
+              </p:cTn>
+              <p:prevCondLst>
+                <p:cond evt="onPrev" delay="0">
+                  <p:tgtEl>
+                    <p:sldTgt/>
+                  </p:tgtEl>
+                </p:cond>
+              </p:prevCondLst>
+              <p:nextCondLst>
+                <p:cond evt="onNext" delay="0">
+                  <p:tgtEl>
+                    <p:sldTgt/>
+                  </p:tgtEl>
+                </p:cond>
+              </p:nextCondLst>
+            </p:seq>
+          </p:childTnLst>
+        </p:cTn>
+      </p:par>
+    </p:tnLst>
+    <p:bldLst>
+      <p:bldP spid="2" grpId="0" uiExpand="1" build="p"/>
+    </p:bldLst>
+  </p:timing>
+</p:sld>
+</file>
+
+<file path=ppt/slides/slide13.xml><?xml version="1.0" encoding="utf-8"?>
+<p:sld xmlns:a="http://schemas.openxmlformats.org/drawingml/2006/main" xmlns:r="http://schemas.openxmlformats.org/officeDocument/2006/relationships" xmlns:p="http://schemas.openxmlformats.org/presentationml/2006/main">
+  <p:cSld>
+    <p:spTree>
+      <p:nvGrpSpPr>
+        <p:cNvPr id="1" name="">
+          <a:extLst>
+            <a:ext uri="{FF2B5EF4-FFF2-40B4-BE49-F238E27FC236}">
+              <a16:creationId xmlns:a16="http://schemas.microsoft.com/office/drawing/2014/main" id="{85E39BBA-C03C-CDE0-B47C-77266DC591B2}"/>
+            </a:ext>
+          </a:extLst>
+        </p:cNvPr>
+        <p:cNvGrpSpPr/>
+        <p:nvPr/>
+      </p:nvGrpSpPr>
+      <p:grpSpPr>
+        <a:xfrm>
+          <a:off x="0" y="0"/>
+          <a:ext cx="0" cy="0"/>
+          <a:chOff x="0" y="0"/>
+          <a:chExt cx="0" cy="0"/>
+        </a:xfrm>
+      </p:grpSpPr>
+      <p:sp>
+        <p:nvSpPr>
+          <p:cNvPr id="2" name="Text Placeholder 1">
+            <a:extLst>
+              <a:ext uri="{FF2B5EF4-FFF2-40B4-BE49-F238E27FC236}">
+                <a16:creationId xmlns:a16="http://schemas.microsoft.com/office/drawing/2014/main" id="{E0C06454-0991-F312-B05A-FFF48FA9339E}"/>
+              </a:ext>
+            </a:extLst>
+          </p:cNvPr>
+          <p:cNvSpPr>
+            <a:spLocks noGrp="1"/>
+          </p:cNvSpPr>
+          <p:nvPr>
+            <p:ph type="body" sz="quarter" idx="13"/>
+          </p:nvPr>
+        </p:nvSpPr>
+        <p:spPr>
+          <a:xfrm>
+            <a:off x="255996" y="1271219"/>
+            <a:ext cx="10624338" cy="4142989"/>
+          </a:xfrm>
+        </p:spPr>
+        <p:txBody>
+          <a:bodyPr/>
+          <a:lstStyle/>
+          <a:p>
+            <a:pPr marL="0" indent="0">
+              <a:buNone/>
+            </a:pPr>
+            <a:r>
+              <a:rPr lang="en-US" dirty="0"/>
+              <a:t>Algorithms</a:t>
+            </a:r>
+          </a:p>
+          <a:p>
+            <a:r>
+              <a:rPr lang="en-US" dirty="0"/>
+              <a:t>Diabetes Risk Prediction:</a:t>
+            </a:r>
+            <a:endParaRPr lang="en-US" b="0" dirty="0"/>
+          </a:p>
+          <a:p>
+            <a:pPr lvl="1"/>
+            <a:r>
+              <a:rPr lang="en-US" b="1" dirty="0"/>
+              <a:t>Random Forest Classifier:</a:t>
+            </a:r>
+            <a:r>
+              <a:rPr lang="en-US" dirty="0"/>
+              <a:t> For high accuracy in risk classification.</a:t>
+            </a:r>
+          </a:p>
+          <a:p>
+            <a:pPr lvl="1"/>
+            <a:r>
+              <a:rPr lang="en-US" b="1" dirty="0" err="1"/>
+              <a:t>GridSearchCV</a:t>
+            </a:r>
+            <a:r>
+              <a:rPr lang="en-US" b="1" dirty="0"/>
+              <a:t>:</a:t>
+            </a:r>
+            <a:r>
+              <a:rPr lang="en-US" dirty="0"/>
+              <a:t> To tune and optimize the model.</a:t>
+            </a:r>
+          </a:p>
+          <a:p>
+            <a:r>
+              <a:rPr lang="en-US" dirty="0"/>
+              <a:t>Nutrition Analysis:</a:t>
+            </a:r>
+            <a:endParaRPr lang="en-US" b="0" dirty="0"/>
+          </a:p>
+          <a:p>
+            <a:pPr lvl="1"/>
+            <a:r>
+              <a:rPr lang="en-US" b="1" dirty="0"/>
+              <a:t>TF-IDF Vectorizer:</a:t>
+            </a:r>
+            <a:r>
+              <a:rPr lang="en-US" dirty="0"/>
+              <a:t> Converts meal text into numerical features.</a:t>
+            </a:r>
+          </a:p>
+          <a:p>
+            <a:pPr lvl="1"/>
+            <a:r>
+              <a:rPr lang="en-US" b="1" dirty="0"/>
+              <a:t>Linear Regression:</a:t>
+            </a:r>
+            <a:r>
+              <a:rPr lang="en-US" dirty="0"/>
+              <a:t> Predicts calorie and sugar values</a:t>
+            </a:r>
+          </a:p>
+          <a:p>
+            <a:pPr marL="0" indent="0">
+              <a:lnSpc>
+                <a:spcPct val="150000"/>
+              </a:lnSpc>
+              <a:buNone/>
+            </a:pPr>
+            <a:endParaRPr lang="en-US" sz="2400" b="0" dirty="0">
+              <a:solidFill>
+                <a:srgbClr val="5583D1"/>
+              </a:solidFill>
+            </a:endParaRPr>
+          </a:p>
+        </p:txBody>
+      </p:sp>
+      <p:sp>
+        <p:nvSpPr>
+          <p:cNvPr id="3" name="TextBox 2">
+            <a:extLst>
+              <a:ext uri="{FF2B5EF4-FFF2-40B4-BE49-F238E27FC236}">
+                <a16:creationId xmlns:a16="http://schemas.microsoft.com/office/drawing/2014/main" id="{AFB86151-A0B4-B34D-DB09-75B1AF0B4565}"/>
+              </a:ext>
+            </a:extLst>
+          </p:cNvPr>
+          <p:cNvSpPr txBox="1"/>
+          <p:nvPr/>
+        </p:nvSpPr>
+        <p:spPr>
+          <a:xfrm>
+            <a:off x="255996" y="502545"/>
+            <a:ext cx="10624338" cy="646331"/>
+          </a:xfrm>
+          <a:prstGeom prst="rect">
+            <a:avLst/>
+          </a:prstGeom>
+          <a:noFill/>
+        </p:spPr>
+        <p:txBody>
+          <a:bodyPr wrap="square" rtlCol="0">
+            <a:spAutoFit/>
+          </a:bodyPr>
+          <a:lstStyle/>
+          <a:p>
+            <a:pPr lvl="0">
+              <a:defRPr/>
+            </a:pPr>
+            <a:r>
+              <a:rPr lang="en-US" sz="3600" b="1" dirty="0">
+                <a:solidFill>
+                  <a:srgbClr val="5B9BD5">
+                    <a:lumMod val="50000"/>
+                  </a:srgbClr>
+                </a:solidFill>
+              </a:rPr>
+              <a:t>Approach/Algorithms/Tools</a:t>
+            </a:r>
+            <a:r>
+              <a:rPr kumimoji="0" lang="en-US" sz="3600" b="1" i="0" u="none" strike="noStrike" kern="1200" cap="none" spc="0" normalizeH="0" baseline="0" noProof="0" dirty="0">
+                <a:ln>
+                  <a:noFill/>
+                </a:ln>
+                <a:solidFill>
+                  <a:srgbClr val="5B9BD5">
+                    <a:lumMod val="50000"/>
+                  </a:srgbClr>
+                </a:solidFill>
+                <a:effectLst/>
+                <a:uLnTx/>
+                <a:uFillTx/>
+                <a:latin typeface="Calibri" panose="020F0502020204030204"/>
+                <a:ea typeface="+mn-ea"/>
+                <a:cs typeface="+mn-cs"/>
+              </a:rPr>
+              <a:t>…. Calibri body -36</a:t>
+            </a:r>
+          </a:p>
+        </p:txBody>
+      </p:sp>
+      <p:cxnSp>
+        <p:nvCxnSpPr>
+          <p:cNvPr id="5" name="Straight Connector 4">
+            <a:extLst>
+              <a:ext uri="{FF2B5EF4-FFF2-40B4-BE49-F238E27FC236}">
+                <a16:creationId xmlns:a16="http://schemas.microsoft.com/office/drawing/2014/main" id="{2ADD109D-DA6F-EFBE-FA87-EAB438B5055C}"/>
+              </a:ext>
+            </a:extLst>
+          </p:cNvPr>
+          <p:cNvCxnSpPr>
+            <a:cxnSpLocks/>
+          </p:cNvCxnSpPr>
+          <p:nvPr/>
+        </p:nvCxnSpPr>
+        <p:spPr>
+          <a:xfrm>
+            <a:off x="221274" y="1191756"/>
+            <a:ext cx="7305799" cy="0"/>
+          </a:xfrm>
+          <a:prstGeom prst="line">
+            <a:avLst/>
+          </a:prstGeom>
+          <a:ln w="28575">
+            <a:solidFill>
+              <a:schemeClr val="accent6"/>
+            </a:solidFill>
+          </a:ln>
+        </p:spPr>
+        <p:style>
+          <a:lnRef idx="1">
+            <a:schemeClr val="accent1"/>
+          </a:lnRef>
+          <a:fillRef idx="0">
+            <a:schemeClr val="accent1"/>
+          </a:fillRef>
+          <a:effectRef idx="0">
+            <a:schemeClr val="accent1"/>
+          </a:effectRef>
+          <a:fontRef idx="minor">
+            <a:schemeClr val="tx1"/>
+          </a:fontRef>
+        </p:style>
+      </p:cxnSp>
+      <p:sp>
+        <p:nvSpPr>
+          <p:cNvPr id="4" name="TextBox 3">
+            <a:extLst>
+              <a:ext uri="{FF2B5EF4-FFF2-40B4-BE49-F238E27FC236}">
+                <a16:creationId xmlns:a16="http://schemas.microsoft.com/office/drawing/2014/main" id="{36989BB6-113D-0666-56BE-CDEF2394E56E}"/>
+              </a:ext>
+            </a:extLst>
+          </p:cNvPr>
+          <p:cNvSpPr txBox="1"/>
+          <p:nvPr/>
+        </p:nvSpPr>
+        <p:spPr>
+          <a:xfrm>
+            <a:off x="6093893" y="57036"/>
+            <a:ext cx="6098107" cy="646331"/>
+          </a:xfrm>
+          <a:prstGeom prst="rect">
+            <a:avLst/>
+          </a:prstGeom>
+          <a:noFill/>
+        </p:spPr>
+        <p:txBody>
+          <a:bodyPr wrap="square" rtlCol="0">
+            <a:spAutoFit/>
+          </a:bodyPr>
+          <a:lstStyle/>
+          <a:p>
+            <a:pPr algn="r"/>
+            <a:r>
+              <a:rPr lang="en-US" sz="1800" b="1" i="1" dirty="0">
+                <a:solidFill>
+                  <a:srgbClr val="FFFFFF"/>
+                </a:solidFill>
+              </a:rPr>
+              <a:t>Project Title -  Calibri body 18</a:t>
+            </a:r>
+          </a:p>
+          <a:p>
+            <a:pPr algn="r"/>
+            <a:endParaRPr lang="en-US" dirty="0"/>
+          </a:p>
+        </p:txBody>
+      </p:sp>
+    </p:spTree>
+    <p:extLst>
+      <p:ext uri="{BB962C8B-B14F-4D97-AF65-F5344CB8AC3E}">
+        <p14:creationId xmlns:p14="http://schemas.microsoft.com/office/powerpoint/2010/main" val="1391582794"/>
+      </p:ext>
+    </p:extLst>
+  </p:cSld>
+  <p:clrMapOvr>
+    <a:masterClrMapping/>
+  </p:clrMapOvr>
+  <mc:AlternateContent xmlns:mc="http://schemas.openxmlformats.org/markup-compatibility/2006" xmlns:p14="http://schemas.microsoft.com/office/powerpoint/2010/main">
+    <mc:Choice Requires="p14">
+      <p:transition spd="med" p14:dur="700">
+        <p:fade/>
+      </p:transition>
+    </mc:Choice>
+    <mc:Fallback xmlns="">
+      <p:transition spd="med">
+        <p:fade/>
+      </p:transition>
+    </mc:Fallback>
+  </mc:AlternateContent>
+  <p:timing>
+    <p:tnLst>
+      <p:par>
+        <p:cTn id="1" dur="indefinite" restart="never" nodeType="tmRoot">
+          <p:childTnLst>
+            <p:seq concurrent="1" nextAc="seek">
+              <p:cTn id="2" dur="indefinite" nodeType="mainSeq">
+                <p:childTnLst>
+                  <p:par>
+                    <p:cTn id="3" fill="hold">
+                      <p:stCondLst>
+                        <p:cond delay="indefinite"/>
+                      </p:stCondLst>
+                      <p:childTnLst>
+                        <p:par>
+                          <p:cTn id="4" fill="hold">
+                            <p:stCondLst>
+                              <p:cond delay="0"/>
+                            </p:stCondLst>
+                            <p:childTnLst>
+                              <p:par>
+                                <p:cTn id="5" presetID="1" presetClass="entr" presetSubtype="0" fill="hold" grpId="0" nodeType="clickEffect">
+                                  <p:stCondLst>
+                                    <p:cond delay="0"/>
+                                  </p:stCondLst>
+                                  <p:childTnLst>
+                                    <p:set>
+                                      <p:cBhvr>
+                                        <p:cTn id="6" dur="1" fill="hold">
+                                          <p:stCondLst>
+                                            <p:cond delay="0"/>
+                                          </p:stCondLst>
+                                        </p:cTn>
+                                        <p:tgtEl>
+                                          <p:spTgt spid="2">
+                                            <p:txEl>
+                                              <p:pRg st="0" end="0"/>
+                                            </p:txEl>
+                                          </p:spTgt>
+                                        </p:tgtEl>
+                                        <p:attrNameLst>
+                                          <p:attrName>style.visibility</p:attrName>
+                                        </p:attrNameLst>
+                                      </p:cBhvr>
+                                      <p:to>
+                                        <p:strVal val="visible"/>
+                                      </p:to>
+                                    </p:set>
+                                  </p:childTnLst>
+                                </p:cTn>
+                              </p:par>
+                            </p:childTnLst>
+                          </p:cTn>
+                        </p:par>
+                      </p:childTnLst>
+                    </p:cTn>
+                  </p:par>
+                  <p:par>
+                    <p:cTn id="7" fill="hold">
+                      <p:stCondLst>
+                        <p:cond delay="indefinite"/>
+                      </p:stCondLst>
+                      <p:childTnLst>
+                        <p:par>
+                          <p:cTn id="8" fill="hold">
+                            <p:stCondLst>
+                              <p:cond delay="0"/>
+                            </p:stCondLst>
+                            <p:childTnLst>
+                              <p:par>
+                                <p:cTn id="9" presetID="1" presetClass="entr" presetSubtype="0" fill="hold" grpId="0" nodeType="clickEffect">
+                                  <p:stCondLst>
+                                    <p:cond delay="0"/>
+                                  </p:stCondLst>
+                                  <p:childTnLst>
+                                    <p:set>
+                                      <p:cBhvr>
+                                        <p:cTn id="10" dur="1" fill="hold">
+                                          <p:stCondLst>
+                                            <p:cond delay="0"/>
+                                          </p:stCondLst>
+                                        </p:cTn>
+                                        <p:tgtEl>
+                                          <p:spTgt spid="2">
+                                            <p:txEl>
+                                              <p:pRg st="1" end="1"/>
+                                            </p:txEl>
+                                          </p:spTgt>
+                                        </p:tgtEl>
+                                        <p:attrNameLst>
+                                          <p:attrName>style.visibility</p:attrName>
+                                        </p:attrNameLst>
+                                      </p:cBhvr>
+                                      <p:to>
+                                        <p:strVal val="visible"/>
+                                      </p:to>
+                                    </p:set>
+                                  </p:childTnLst>
+                                </p:cTn>
+                              </p:par>
+                              <p:par>
+                                <p:cTn id="11" presetID="1" presetClass="entr" presetSubtype="0" fill="hold" grpId="0" nodeType="withEffect">
+                                  <p:stCondLst>
+                                    <p:cond delay="0"/>
+                                  </p:stCondLst>
+                                  <p:childTnLst>
+                                    <p:set>
+                                      <p:cBhvr>
+                                        <p:cTn id="12" dur="1" fill="hold">
+                                          <p:stCondLst>
+                                            <p:cond delay="0"/>
+                                          </p:stCondLst>
+                                        </p:cTn>
+                                        <p:tgtEl>
+                                          <p:spTgt spid="2">
+                                            <p:txEl>
+                                              <p:pRg st="2" end="2"/>
+                                            </p:txEl>
+                                          </p:spTgt>
+                                        </p:tgtEl>
+                                        <p:attrNameLst>
+                                          <p:attrName>style.visibility</p:attrName>
+                                        </p:attrNameLst>
+                                      </p:cBhvr>
+                                      <p:to>
+                                        <p:strVal val="visible"/>
+                                      </p:to>
+                                    </p:set>
+                                  </p:childTnLst>
+                                </p:cTn>
+                              </p:par>
+                              <p:par>
+                                <p:cTn id="13" presetID="1" presetClass="entr" presetSubtype="0" fill="hold" grpId="0" nodeType="withEffect">
+                                  <p:stCondLst>
+                                    <p:cond delay="0"/>
+                                  </p:stCondLst>
+                                  <p:childTnLst>
+                                    <p:set>
+                                      <p:cBhvr>
+                                        <p:cTn id="14" dur="1" fill="hold">
+                                          <p:stCondLst>
+                                            <p:cond delay="0"/>
+                                          </p:stCondLst>
+                                        </p:cTn>
+                                        <p:tgtEl>
+                                          <p:spTgt spid="2">
+                                            <p:txEl>
+                                              <p:pRg st="3" end="3"/>
+                                            </p:txEl>
+                                          </p:spTgt>
+                                        </p:tgtEl>
+                                        <p:attrNameLst>
+                                          <p:attrName>style.visibility</p:attrName>
+                                        </p:attrNameLst>
+                                      </p:cBhvr>
+                                      <p:to>
+                                        <p:strVal val="visible"/>
+                                      </p:to>
+                                    </p:set>
+                                  </p:childTnLst>
+                                </p:cTn>
+                              </p:par>
+                            </p:childTnLst>
+                          </p:cTn>
+                        </p:par>
+                      </p:childTnLst>
+                    </p:cTn>
+                  </p:par>
+                  <p:par>
+                    <p:cTn id="15" fill="hold">
+                      <p:stCondLst>
+                        <p:cond delay="indefinite"/>
+                      </p:stCondLst>
+                      <p:childTnLst>
+                        <p:par>
+                          <p:cTn id="16" fill="hold">
+                            <p:stCondLst>
+                              <p:cond delay="0"/>
+                            </p:stCondLst>
+                            <p:childTnLst>
+                              <p:par>
+                                <p:cTn id="17" presetID="1" presetClass="entr" presetSubtype="0" fill="hold" grpId="0" nodeType="clickEffect">
+                                  <p:stCondLst>
+                                    <p:cond delay="0"/>
+                                  </p:stCondLst>
+                                  <p:childTnLst>
+                                    <p:set>
+                                      <p:cBhvr>
+                                        <p:cTn id="18" dur="1" fill="hold">
+                                          <p:stCondLst>
+                                            <p:cond delay="0"/>
+                                          </p:stCondLst>
+                                        </p:cTn>
+                                        <p:tgtEl>
+                                          <p:spTgt spid="2">
+                                            <p:txEl>
+                                              <p:pRg st="4" end="4"/>
+                                            </p:txEl>
+                                          </p:spTgt>
+                                        </p:tgtEl>
+                                        <p:attrNameLst>
+                                          <p:attrName>style.visibility</p:attrName>
+                                        </p:attrNameLst>
+                                      </p:cBhvr>
+                                      <p:to>
+                                        <p:strVal val="visible"/>
+                                      </p:to>
+                                    </p:set>
+                                  </p:childTnLst>
+                                </p:cTn>
+                              </p:par>
+                              <p:par>
+                                <p:cTn id="19" presetID="1" presetClass="entr" presetSubtype="0" fill="hold" grpId="0" nodeType="withEffect">
+                                  <p:stCondLst>
+                                    <p:cond delay="0"/>
+                                  </p:stCondLst>
+                                  <p:childTnLst>
+                                    <p:set>
+                                      <p:cBhvr>
+                                        <p:cTn id="20" dur="1" fill="hold">
+                                          <p:stCondLst>
+                                            <p:cond delay="0"/>
+                                          </p:stCondLst>
+                                        </p:cTn>
+                                        <p:tgtEl>
+                                          <p:spTgt spid="2">
+                                            <p:txEl>
+                                              <p:pRg st="5" end="5"/>
+                                            </p:txEl>
+                                          </p:spTgt>
+                                        </p:tgtEl>
+                                        <p:attrNameLst>
+                                          <p:attrName>style.visibility</p:attrName>
+                                        </p:attrNameLst>
+                                      </p:cBhvr>
+                                      <p:to>
+                                        <p:strVal val="visible"/>
+                                      </p:to>
+                                    </p:set>
+                                  </p:childTnLst>
+                                </p:cTn>
+                              </p:par>
+                              <p:par>
+                                <p:cTn id="21" presetID="1" presetClass="entr" presetSubtype="0" fill="hold" grpId="0" nodeType="withEffect">
+                                  <p:stCondLst>
+                                    <p:cond delay="0"/>
+                                  </p:stCondLst>
+                                  <p:childTnLst>
+                                    <p:set>
+                                      <p:cBhvr>
+                                        <p:cTn id="22" dur="1" fill="hold">
+                                          <p:stCondLst>
+                                            <p:cond delay="0"/>
+                                          </p:stCondLst>
+                                        </p:cTn>
+                                        <p:tgtEl>
+                                          <p:spTgt spid="2">
+                                            <p:txEl>
+                                              <p:pRg st="6" end="6"/>
+                                            </p:txEl>
+                                          </p:spTgt>
+                                        </p:tgtEl>
+                                        <p:attrNameLst>
+                                          <p:attrName>style.visibility</p:attrName>
+                                        </p:attrNameLst>
+                                      </p:cBhvr>
+                                      <p:to>
+                                        <p:strVal val="visible"/>
+                                      </p:to>
+                                    </p:set>
+                                  </p:childTnLst>
+                                </p:cTn>
+                              </p:par>
+                            </p:childTnLst>
+                          </p:cTn>
+                        </p:par>
+                      </p:childTnLst>
+                    </p:cTn>
+                  </p:par>
+                </p:childTnLst>
+              </p:cTn>
+              <p:prevCondLst>
+                <p:cond evt="onPrev" delay="0">
+                  <p:tgtEl>
+                    <p:sldTgt/>
+                  </p:tgtEl>
+                </p:cond>
+              </p:prevCondLst>
+              <p:nextCondLst>
+                <p:cond evt="onNext" delay="0">
+                  <p:tgtEl>
+                    <p:sldTgt/>
+                  </p:tgtEl>
+                </p:cond>
+              </p:nextCondLst>
+            </p:seq>
+          </p:childTnLst>
+        </p:cTn>
+      </p:par>
+    </p:tnLst>
+    <p:bldLst>
+      <p:bldP spid="2" grpId="0" uiExpand="1" build="p"/>
+    </p:bldLst>
+  </p:timing>
+</p:sld>
+</file>
+
+<file path=ppt/slides/slide14.xml><?xml version="1.0" encoding="utf-8"?>
+<p:sld xmlns:a="http://schemas.openxmlformats.org/drawingml/2006/main" xmlns:r="http://schemas.openxmlformats.org/officeDocument/2006/relationships" xmlns:p="http://schemas.openxmlformats.org/presentationml/2006/main">
+  <p:cSld>
+    <p:spTree>
+      <p:nvGrpSpPr>
+        <p:cNvPr id="1" name="">
+          <a:extLst>
+            <a:ext uri="{FF2B5EF4-FFF2-40B4-BE49-F238E27FC236}">
+              <a16:creationId xmlns:a16="http://schemas.microsoft.com/office/drawing/2014/main" id="{C945E34B-C2F8-BE09-60A4-C908D263414B}"/>
+            </a:ext>
+          </a:extLst>
+        </p:cNvPr>
+        <p:cNvGrpSpPr/>
+        <p:nvPr/>
+      </p:nvGrpSpPr>
+      <p:grpSpPr>
+        <a:xfrm>
+          <a:off x="0" y="0"/>
+          <a:ext cx="0" cy="0"/>
+          <a:chOff x="0" y="0"/>
+          <a:chExt cx="0" cy="0"/>
+        </a:xfrm>
+      </p:grpSpPr>
+      <p:sp>
+        <p:nvSpPr>
+          <p:cNvPr id="2" name="Text Placeholder 1">
+            <a:extLst>
+              <a:ext uri="{FF2B5EF4-FFF2-40B4-BE49-F238E27FC236}">
+                <a16:creationId xmlns:a16="http://schemas.microsoft.com/office/drawing/2014/main" id="{7DF15003-21C8-9DF5-6DB7-9833093493FE}"/>
+              </a:ext>
+            </a:extLst>
+          </p:cNvPr>
+          <p:cNvSpPr>
+            <a:spLocks noGrp="1"/>
+          </p:cNvSpPr>
+          <p:nvPr>
+            <p:ph type="body" sz="quarter" idx="13"/>
+          </p:nvPr>
+        </p:nvSpPr>
+        <p:spPr>
+          <a:xfrm>
+            <a:off x="255996" y="1271219"/>
+            <a:ext cx="10624338" cy="4142989"/>
+          </a:xfrm>
+        </p:spPr>
+        <p:txBody>
+          <a:bodyPr/>
+          <a:lstStyle/>
+          <a:p>
+            <a:r>
+              <a:rPr lang="en-US" dirty="0"/>
+              <a:t>Tools &amp; Libraries</a:t>
+            </a:r>
+          </a:p>
+          <a:p>
+            <a:r>
+              <a:rPr lang="en-US" dirty="0"/>
+              <a:t>Frontend &amp; UI:</a:t>
+            </a:r>
+            <a:r>
+              <a:rPr lang="en-US" b="0" dirty="0"/>
+              <a:t> Streamlit</a:t>
+            </a:r>
+          </a:p>
+          <a:p>
+            <a:r>
+              <a:rPr lang="en-US" dirty="0"/>
+              <a:t>Data Manipulation:</a:t>
+            </a:r>
+            <a:r>
+              <a:rPr lang="en-US" b="0" dirty="0"/>
+              <a:t> Pandas, NumPy</a:t>
+            </a:r>
+          </a:p>
+          <a:p>
+            <a:r>
+              <a:rPr lang="en-US" dirty="0"/>
+              <a:t>Machine Learning:</a:t>
+            </a:r>
+            <a:r>
+              <a:rPr lang="en-US" b="0" dirty="0"/>
+              <a:t> Scikit-learn</a:t>
+            </a:r>
+          </a:p>
+          <a:p>
+            <a:r>
+              <a:rPr lang="en-US" dirty="0"/>
+              <a:t>Data Visualization:</a:t>
+            </a:r>
+            <a:r>
+              <a:rPr lang="en-US" b="0" dirty="0"/>
+              <a:t> Matplotlib, Seaborn, Plotly</a:t>
+            </a:r>
+          </a:p>
+          <a:p>
+            <a:r>
+              <a:rPr lang="en-US" dirty="0"/>
+              <a:t>Model Persistence:</a:t>
+            </a:r>
+            <a:r>
+              <a:rPr lang="en-US" b="0" dirty="0"/>
+              <a:t> Joblib</a:t>
+            </a:r>
+          </a:p>
+          <a:p>
+            <a:pPr marL="0" indent="0">
+              <a:lnSpc>
+                <a:spcPct val="150000"/>
+              </a:lnSpc>
+              <a:buNone/>
+            </a:pPr>
+            <a:endParaRPr lang="en-US" sz="2400" b="0" dirty="0">
+              <a:solidFill>
+                <a:srgbClr val="5583D1"/>
+              </a:solidFill>
+            </a:endParaRPr>
+          </a:p>
+        </p:txBody>
+      </p:sp>
+      <p:sp>
+        <p:nvSpPr>
+          <p:cNvPr id="3" name="TextBox 2">
+            <a:extLst>
+              <a:ext uri="{FF2B5EF4-FFF2-40B4-BE49-F238E27FC236}">
+                <a16:creationId xmlns:a16="http://schemas.microsoft.com/office/drawing/2014/main" id="{E4CA9E67-8981-5832-124B-B1E623F7DAB7}"/>
+              </a:ext>
+            </a:extLst>
+          </p:cNvPr>
+          <p:cNvSpPr txBox="1"/>
+          <p:nvPr/>
+        </p:nvSpPr>
+        <p:spPr>
+          <a:xfrm>
+            <a:off x="255996" y="502545"/>
+            <a:ext cx="10624338" cy="646331"/>
+          </a:xfrm>
+          <a:prstGeom prst="rect">
+            <a:avLst/>
+          </a:prstGeom>
+          <a:noFill/>
+        </p:spPr>
+        <p:txBody>
+          <a:bodyPr wrap="square" rtlCol="0">
+            <a:spAutoFit/>
+          </a:bodyPr>
+          <a:lstStyle/>
+          <a:p>
+            <a:pPr lvl="0">
+              <a:defRPr/>
+            </a:pPr>
+            <a:r>
+              <a:rPr lang="en-US" sz="3600" b="1" dirty="0">
+                <a:solidFill>
+                  <a:srgbClr val="5B9BD5">
+                    <a:lumMod val="50000"/>
+                  </a:srgbClr>
+                </a:solidFill>
+              </a:rPr>
+              <a:t>Approach/Algorithms/Tools</a:t>
+            </a:r>
+            <a:r>
+              <a:rPr kumimoji="0" lang="en-US" sz="3600" b="1" i="0" u="none" strike="noStrike" kern="1200" cap="none" spc="0" normalizeH="0" baseline="0" noProof="0" dirty="0">
+                <a:ln>
+                  <a:noFill/>
+                </a:ln>
+                <a:solidFill>
+                  <a:srgbClr val="5B9BD5">
+                    <a:lumMod val="50000"/>
+                  </a:srgbClr>
+                </a:solidFill>
+                <a:effectLst/>
+                <a:uLnTx/>
+                <a:uFillTx/>
+                <a:latin typeface="Calibri" panose="020F0502020204030204"/>
+                <a:ea typeface="+mn-ea"/>
+                <a:cs typeface="+mn-cs"/>
+              </a:rPr>
+              <a:t>…. Calibri body -36</a:t>
+            </a:r>
+          </a:p>
+        </p:txBody>
+      </p:sp>
+      <p:cxnSp>
+        <p:nvCxnSpPr>
+          <p:cNvPr id="5" name="Straight Connector 4">
+            <a:extLst>
+              <a:ext uri="{FF2B5EF4-FFF2-40B4-BE49-F238E27FC236}">
+                <a16:creationId xmlns:a16="http://schemas.microsoft.com/office/drawing/2014/main" id="{467BA6D9-F957-D3B6-0147-E349E5381026}"/>
+              </a:ext>
+            </a:extLst>
+          </p:cNvPr>
+          <p:cNvCxnSpPr>
+            <a:cxnSpLocks/>
+          </p:cNvCxnSpPr>
+          <p:nvPr/>
+        </p:nvCxnSpPr>
+        <p:spPr>
+          <a:xfrm>
+            <a:off x="221274" y="1191756"/>
+            <a:ext cx="7305799" cy="0"/>
+          </a:xfrm>
+          <a:prstGeom prst="line">
+            <a:avLst/>
+          </a:prstGeom>
+          <a:ln w="28575">
+            <a:solidFill>
+              <a:schemeClr val="accent6"/>
+            </a:solidFill>
+          </a:ln>
+        </p:spPr>
+        <p:style>
+          <a:lnRef idx="1">
+            <a:schemeClr val="accent1"/>
+          </a:lnRef>
+          <a:fillRef idx="0">
+            <a:schemeClr val="accent1"/>
+          </a:fillRef>
+          <a:effectRef idx="0">
+            <a:schemeClr val="accent1"/>
+          </a:effectRef>
+          <a:fontRef idx="minor">
+            <a:schemeClr val="tx1"/>
+          </a:fontRef>
+        </p:style>
+      </p:cxnSp>
+      <p:sp>
+        <p:nvSpPr>
+          <p:cNvPr id="4" name="TextBox 3">
+            <a:extLst>
+              <a:ext uri="{FF2B5EF4-FFF2-40B4-BE49-F238E27FC236}">
+                <a16:creationId xmlns:a16="http://schemas.microsoft.com/office/drawing/2014/main" id="{81C1546F-B9EB-30C4-08CB-6DB0703BB898}"/>
+              </a:ext>
+            </a:extLst>
+          </p:cNvPr>
+          <p:cNvSpPr txBox="1"/>
+          <p:nvPr/>
+        </p:nvSpPr>
+        <p:spPr>
+          <a:xfrm>
+            <a:off x="6093893" y="57036"/>
+            <a:ext cx="6098107" cy="646331"/>
+          </a:xfrm>
+          <a:prstGeom prst="rect">
+            <a:avLst/>
+          </a:prstGeom>
+          <a:noFill/>
+        </p:spPr>
+        <p:txBody>
+          <a:bodyPr wrap="square" rtlCol="0">
+            <a:spAutoFit/>
+          </a:bodyPr>
+          <a:lstStyle/>
+          <a:p>
+            <a:pPr algn="r"/>
+            <a:r>
+              <a:rPr lang="en-US" sz="1800" b="1" i="1" dirty="0">
+                <a:solidFill>
+                  <a:srgbClr val="FFFFFF"/>
+                </a:solidFill>
+              </a:rPr>
+              <a:t>Project Title -  Calibri body 18</a:t>
+            </a:r>
+          </a:p>
+          <a:p>
+            <a:pPr algn="r"/>
+            <a:endParaRPr lang="en-US" dirty="0"/>
+          </a:p>
+        </p:txBody>
+      </p:sp>
+    </p:spTree>
+    <p:extLst>
+      <p:ext uri="{BB962C8B-B14F-4D97-AF65-F5344CB8AC3E}">
+        <p14:creationId xmlns:p14="http://schemas.microsoft.com/office/powerpoint/2010/main" val="115230898"/>
+      </p:ext>
+    </p:extLst>
+  </p:cSld>
+  <p:clrMapOvr>
+    <a:masterClrMapping/>
+  </p:clrMapOvr>
+  <mc:AlternateContent xmlns:mc="http://schemas.openxmlformats.org/markup-compatibility/2006" xmlns:p14="http://schemas.microsoft.com/office/powerpoint/2010/main">
+    <mc:Choice Requires="p14">
+      <p:transition spd="med" p14:dur="700">
+        <p:fade/>
+      </p:transition>
+    </mc:Choice>
+    <mc:Fallback xmlns="">
+      <p:transition spd="med">
+        <p:fade/>
+      </p:transition>
+    </mc:Fallback>
+  </mc:AlternateContent>
+  <p:timing>
+    <p:tnLst>
+      <p:par>
+        <p:cTn id="1" dur="indefinite" restart="never" nodeType="tmRoot">
+          <p:childTnLst>
+            <p:seq concurrent="1" nextAc="seek">
+              <p:cTn id="2" dur="indefinite" nodeType="mainSeq">
+                <p:childTnLst>
+                  <p:par>
+                    <p:cTn id="3" fill="hold">
+                      <p:stCondLst>
+                        <p:cond delay="indefinite"/>
+                      </p:stCondLst>
+                      <p:childTnLst>
+                        <p:par>
+                          <p:cTn id="4" fill="hold">
+                            <p:stCondLst>
+                              <p:cond delay="0"/>
+                            </p:stCondLst>
+                            <p:childTnLst>
+                              <p:par>
+                                <p:cTn id="5" presetID="1" presetClass="entr" presetSubtype="0" fill="hold" grpId="0" nodeType="clickEffect">
+                                  <p:stCondLst>
+                                    <p:cond delay="0"/>
+                                  </p:stCondLst>
+                                  <p:childTnLst>
+                                    <p:set>
+                                      <p:cBhvr>
+                                        <p:cTn id="6" dur="1" fill="hold">
+                                          <p:stCondLst>
+                                            <p:cond delay="0"/>
+                                          </p:stCondLst>
+                                        </p:cTn>
+                                        <p:tgtEl>
+                                          <p:spTgt spid="2">
+                                            <p:txEl>
+                                              <p:pRg st="0" end="0"/>
+                                            </p:txEl>
+                                          </p:spTgt>
+                                        </p:tgtEl>
+                                        <p:attrNameLst>
+                                          <p:attrName>style.visibility</p:attrName>
+                                        </p:attrNameLst>
+                                      </p:cBhvr>
+                                      <p:to>
+                                        <p:strVal val="visible"/>
+                                      </p:to>
+                                    </p:set>
+                                  </p:childTnLst>
+                                </p:cTn>
+                              </p:par>
+                            </p:childTnLst>
+                          </p:cTn>
+                        </p:par>
+                      </p:childTnLst>
+                    </p:cTn>
+                  </p:par>
+                  <p:par>
+                    <p:cTn id="7" fill="hold">
+                      <p:stCondLst>
+                        <p:cond delay="indefinite"/>
+                      </p:stCondLst>
+                      <p:childTnLst>
+                        <p:par>
+                          <p:cTn id="8" fill="hold">
+                            <p:stCondLst>
+                              <p:cond delay="0"/>
+                            </p:stCondLst>
+                            <p:childTnLst>
+                              <p:par>
+                                <p:cTn id="9" presetID="1" presetClass="entr" presetSubtype="0" fill="hold" grpId="0" nodeType="clickEffect">
+                                  <p:stCondLst>
+                                    <p:cond delay="0"/>
+                                  </p:stCondLst>
+                                  <p:childTnLst>
+                                    <p:set>
+                                      <p:cBhvr>
+                                        <p:cTn id="10" dur="1" fill="hold">
+                                          <p:stCondLst>
+                                            <p:cond delay="0"/>
+                                          </p:stCondLst>
+                                        </p:cTn>
+                                        <p:tgtEl>
+                                          <p:spTgt spid="2">
+                                            <p:txEl>
+                                              <p:pRg st="1" end="1"/>
+                                            </p:txEl>
+                                          </p:spTgt>
+                                        </p:tgtEl>
+                                        <p:attrNameLst>
+                                          <p:attrName>style.visibility</p:attrName>
+                                        </p:attrNameLst>
+                                      </p:cBhvr>
+                                      <p:to>
+                                        <p:strVal val="visible"/>
+                                      </p:to>
+                                    </p:set>
+                                  </p:childTnLst>
+                                </p:cTn>
+                              </p:par>
+                            </p:childTnLst>
+                          </p:cTn>
+                        </p:par>
+                      </p:childTnLst>
+                    </p:cTn>
+                  </p:par>
+                  <p:par>
+                    <p:cTn id="11" fill="hold">
+                      <p:stCondLst>
+                        <p:cond delay="indefinite"/>
+                      </p:stCondLst>
+                      <p:childTnLst>
+                        <p:par>
+                          <p:cTn id="12" fill="hold">
+                            <p:stCondLst>
+                              <p:cond delay="0"/>
+                            </p:stCondLst>
+                            <p:childTnLst>
+                              <p:par>
+                                <p:cTn id="13" presetID="1" presetClass="entr" presetSubtype="0" fill="hold" grpId="0" nodeType="clickEffect">
+                                  <p:stCondLst>
+                                    <p:cond delay="0"/>
+                                  </p:stCondLst>
+                                  <p:childTnLst>
+                                    <p:set>
+                                      <p:cBhvr>
+                                        <p:cTn id="14" dur="1" fill="hold">
+                                          <p:stCondLst>
+                                            <p:cond delay="0"/>
+                                          </p:stCondLst>
+                                        </p:cTn>
+                                        <p:tgtEl>
+                                          <p:spTgt spid="2">
+                                            <p:txEl>
+                                              <p:pRg st="2" end="2"/>
+                                            </p:txEl>
+                                          </p:spTgt>
+                                        </p:tgtEl>
+                                        <p:attrNameLst>
+                                          <p:attrName>style.visibility</p:attrName>
+                                        </p:attrNameLst>
+                                      </p:cBhvr>
+                                      <p:to>
+                                        <p:strVal val="visible"/>
+                                      </p:to>
+                                    </p:set>
+                                  </p:childTnLst>
+                                </p:cTn>
+                              </p:par>
+                            </p:childTnLst>
+                          </p:cTn>
+                        </p:par>
+                      </p:childTnLst>
+                    </p:cTn>
+                  </p:par>
+                  <p:par>
+                    <p:cTn id="15" fill="hold">
+                      <p:stCondLst>
+                        <p:cond delay="indefinite"/>
+                      </p:stCondLst>
+                      <p:childTnLst>
+                        <p:par>
+                          <p:cTn id="16" fill="hold">
+                            <p:stCondLst>
+                              <p:cond delay="0"/>
+                            </p:stCondLst>
+                            <p:childTnLst>
+                              <p:par>
+                                <p:cTn id="17" presetID="1" presetClass="entr" presetSubtype="0" fill="hold" grpId="0" nodeType="clickEffect">
+                                  <p:stCondLst>
+                                    <p:cond delay="0"/>
+                                  </p:stCondLst>
+                                  <p:childTnLst>
+                                    <p:set>
+                                      <p:cBhvr>
+                                        <p:cTn id="18" dur="1" fill="hold">
+                                          <p:stCondLst>
+                                            <p:cond delay="0"/>
+                                          </p:stCondLst>
+                                        </p:cTn>
+                                        <p:tgtEl>
+                                          <p:spTgt spid="2">
+                                            <p:txEl>
+                                              <p:pRg st="3" end="3"/>
+                                            </p:txEl>
+                                          </p:spTgt>
+                                        </p:tgtEl>
+                                        <p:attrNameLst>
+                                          <p:attrName>style.visibility</p:attrName>
+                                        </p:attrNameLst>
+                                      </p:cBhvr>
+                                      <p:to>
+                                        <p:strVal val="visible"/>
+                                      </p:to>
+                                    </p:set>
+                                  </p:childTnLst>
+                                </p:cTn>
+                              </p:par>
+                            </p:childTnLst>
+                          </p:cTn>
+                        </p:par>
+                      </p:childTnLst>
+                    </p:cTn>
+                  </p:par>
+                  <p:par>
+                    <p:cTn id="19" fill="hold">
+                      <p:stCondLst>
+                        <p:cond delay="indefinite"/>
+                      </p:stCondLst>
+                      <p:childTnLst>
+                        <p:par>
+                          <p:cTn id="20" fill="hold">
+                            <p:stCondLst>
+                              <p:cond delay="0"/>
+                            </p:stCondLst>
+                            <p:childTnLst>
+                              <p:par>
+                                <p:cTn id="21" presetID="1" presetClass="entr" presetSubtype="0" fill="hold" grpId="0" nodeType="clickEffect">
+                                  <p:stCondLst>
+                                    <p:cond delay="0"/>
+                                  </p:stCondLst>
+                                  <p:childTnLst>
+                                    <p:set>
+                                      <p:cBhvr>
+                                        <p:cTn id="22" dur="1" fill="hold">
+                                          <p:stCondLst>
+                                            <p:cond delay="0"/>
+                                          </p:stCondLst>
+                                        </p:cTn>
+                                        <p:tgtEl>
+                                          <p:spTgt spid="2">
+                                            <p:txEl>
+                                              <p:pRg st="4" end="4"/>
+                                            </p:txEl>
+                                          </p:spTgt>
+                                        </p:tgtEl>
+                                        <p:attrNameLst>
+                                          <p:attrName>style.visibility</p:attrName>
+                                        </p:attrNameLst>
+                                      </p:cBhvr>
+                                      <p:to>
+                                        <p:strVal val="visible"/>
+                                      </p:to>
+                                    </p:set>
+                                  </p:childTnLst>
+                                </p:cTn>
+                              </p:par>
+                            </p:childTnLst>
+                          </p:cTn>
+                        </p:par>
+                      </p:childTnLst>
+                    </p:cTn>
+                  </p:par>
+                  <p:par>
+                    <p:cTn id="23" fill="hold">
+                      <p:stCondLst>
+                        <p:cond delay="indefinite"/>
+                      </p:stCondLst>
+                      <p:childTnLst>
+                        <p:par>
+                          <p:cTn id="24" fill="hold">
+                            <p:stCondLst>
+                              <p:cond delay="0"/>
+                            </p:stCondLst>
+                            <p:childTnLst>
+                              <p:par>
+                                <p:cTn id="25" presetID="1" presetClass="entr" presetSubtype="0" fill="hold" grpId="0" nodeType="clickEffect">
+                                  <p:stCondLst>
+                                    <p:cond delay="0"/>
+                                  </p:stCondLst>
+                                  <p:childTnLst>
+                                    <p:set>
+                                      <p:cBhvr>
+                                        <p:cTn id="26" dur="1" fill="hold">
+                                          <p:stCondLst>
+                                            <p:cond delay="0"/>
+                                          </p:stCondLst>
+                                        </p:cTn>
+                                        <p:tgtEl>
+                                          <p:spTgt spid="2">
+                                            <p:txEl>
+                                              <p:pRg st="5" end="5"/>
+                                            </p:txEl>
+                                          </p:spTgt>
+                                        </p:tgtEl>
+                                        <p:attrNameLst>
+                                          <p:attrName>style.visibility</p:attrName>
+                                        </p:attrNameLst>
+                                      </p:cBhvr>
+                                      <p:to>
+                                        <p:strVal val="visible"/>
+                                      </p:to>
+                                    </p:set>
+                                  </p:childTnLst>
+                                </p:cTn>
+                              </p:par>
+                            </p:childTnLst>
+                          </p:cTn>
+                        </p:par>
+                      </p:childTnLst>
+                    </p:cTn>
+                  </p:par>
+                </p:childTnLst>
+              </p:cTn>
+              <p:prevCondLst>
+                <p:cond evt="onPrev" delay="0">
+                  <p:tgtEl>
+                    <p:sldTgt/>
+                  </p:tgtEl>
+                </p:cond>
+              </p:prevCondLst>
+              <p:nextCondLst>
+                <p:cond evt="onNext" delay="0">
+                  <p:tgtEl>
+                    <p:sldTgt/>
+                  </p:tgtEl>
+                </p:cond>
+              </p:nextCondLst>
+            </p:seq>
+          </p:childTnLst>
+        </p:cTn>
+      </p:par>
+    </p:tnLst>
+    <p:bldLst>
+      <p:bldP spid="2" grpId="0" uiExpand="1" build="p"/>
+    </p:bldLst>
+  </p:timing>
+</p:sld>
+</file>
+
+<file path=ppt/slides/slide15.xml><?xml version="1.0" encoding="utf-8"?>
+<p:sld xmlns:a="http://schemas.openxmlformats.org/drawingml/2006/main" xmlns:r="http://schemas.openxmlformats.org/officeDocument/2006/relationships" xmlns:p="http://schemas.openxmlformats.org/presentationml/2006/main">
+  <p:cSld>
+    <p:spTree>
+      <p:nvGrpSpPr>
+        <p:cNvPr id="1" name="">
+          <a:extLst>
+            <a:ext uri="{FF2B5EF4-FFF2-40B4-BE49-F238E27FC236}">
+              <a16:creationId xmlns:a16="http://schemas.microsoft.com/office/drawing/2014/main" id="{C419A058-E477-163A-1B3E-61A05B0F38B9}"/>
+            </a:ext>
+          </a:extLst>
+        </p:cNvPr>
+        <p:cNvGrpSpPr/>
+        <p:nvPr/>
+      </p:nvGrpSpPr>
+      <p:grpSpPr>
+        <a:xfrm>
+          <a:off x="0" y="0"/>
+          <a:ext cx="0" cy="0"/>
+          <a:chOff x="0" y="0"/>
+          <a:chExt cx="0" cy="0"/>
+        </a:xfrm>
+      </p:grpSpPr>
+      <p:sp>
+        <p:nvSpPr>
+          <p:cNvPr id="2" name="Text Placeholder 1">
+            <a:extLst>
+              <a:ext uri="{FF2B5EF4-FFF2-40B4-BE49-F238E27FC236}">
+                <a16:creationId xmlns:a16="http://schemas.microsoft.com/office/drawing/2014/main" id="{6A69BAD7-4402-029D-94EE-84728E7A1B97}"/>
+              </a:ext>
+            </a:extLst>
+          </p:cNvPr>
+          <p:cNvSpPr>
+            <a:spLocks noGrp="1"/>
+          </p:cNvSpPr>
+          <p:nvPr>
+            <p:ph type="body" sz="quarter" idx="13"/>
+          </p:nvPr>
+        </p:nvSpPr>
+        <p:spPr>
+          <a:xfrm>
+            <a:off x="255996" y="1271219"/>
+            <a:ext cx="10624338" cy="4142989"/>
+          </a:xfrm>
+        </p:spPr>
+        <p:txBody>
+          <a:bodyPr/>
+          <a:lstStyle/>
+          <a:p>
+            <a:pPr marL="0" indent="0">
+              <a:buNone/>
+            </a:pPr>
+            <a:r>
+              <a:rPr lang="en-US" dirty="0">
+                <a:latin typeface="+mj-lt"/>
+              </a:rPr>
+              <a:t>Data &amp; Analysis </a:t>
+            </a:r>
+            <a:endParaRPr lang="en-US" b="0" dirty="0">
+              <a:latin typeface="+mj-lt"/>
+            </a:endParaRPr>
+          </a:p>
+          <a:p>
+            <a:r>
+              <a:rPr lang="en-US" b="0" dirty="0">
+                <a:latin typeface="+mj-lt"/>
+              </a:rPr>
+              <a:t>Sourced, cleaned, and analyzed both the diabetes and nutrition datasets.</a:t>
+            </a:r>
+          </a:p>
+          <a:p>
+            <a:r>
+              <a:rPr lang="en-US" b="0" dirty="0">
+                <a:latin typeface="+mj-lt"/>
+              </a:rPr>
+              <a:t>Identified key features and correlations to inform model development.</a:t>
+            </a:r>
+          </a:p>
+          <a:p>
+            <a:pPr marL="0" indent="0">
+              <a:buNone/>
+            </a:pPr>
+            <a:r>
+              <a:rPr lang="en-US" dirty="0"/>
+              <a:t>Model Development</a:t>
+            </a:r>
+            <a:endParaRPr lang="en-US" b="0" dirty="0"/>
+          </a:p>
+          <a:p>
+            <a:r>
+              <a:rPr lang="en-US" b="0" dirty="0"/>
+              <a:t>Built and saved the tuned </a:t>
+            </a:r>
+            <a:r>
+              <a:rPr lang="en-US" dirty="0"/>
+              <a:t>Random Forest</a:t>
+            </a:r>
+            <a:r>
+              <a:rPr lang="en-US" b="0" dirty="0"/>
+              <a:t> model for diabetes risk.</a:t>
+            </a:r>
+          </a:p>
+          <a:p>
+            <a:r>
+              <a:rPr lang="en-US" b="0" dirty="0"/>
+              <a:t>Developed and saved </a:t>
+            </a:r>
+            <a:r>
+              <a:rPr lang="en-US" dirty="0"/>
+              <a:t>Linear Regression</a:t>
+            </a:r>
+            <a:r>
+              <a:rPr lang="en-US" b="0" dirty="0"/>
+              <a:t> and </a:t>
+            </a:r>
+            <a:r>
+              <a:rPr lang="en-US" dirty="0"/>
+              <a:t>TF-IDF</a:t>
+            </a:r>
+            <a:r>
+              <a:rPr lang="en-US" b="0" dirty="0"/>
+              <a:t> models for nutrition analysis.</a:t>
+            </a:r>
+          </a:p>
+          <a:p>
+            <a:pPr marL="0" indent="0">
+              <a:lnSpc>
+                <a:spcPct val="150000"/>
+              </a:lnSpc>
+              <a:buNone/>
+            </a:pPr>
+            <a:endParaRPr lang="en-US" sz="2400" b="0" dirty="0">
+              <a:solidFill>
+                <a:srgbClr val="5583D1"/>
+              </a:solidFill>
+            </a:endParaRPr>
+          </a:p>
+        </p:txBody>
+      </p:sp>
+      <p:sp>
+        <p:nvSpPr>
+          <p:cNvPr id="3" name="TextBox 2">
+            <a:extLst>
+              <a:ext uri="{FF2B5EF4-FFF2-40B4-BE49-F238E27FC236}">
+                <a16:creationId xmlns:a16="http://schemas.microsoft.com/office/drawing/2014/main" id="{E8F67352-6E77-1E87-24B7-ED7906E0679C}"/>
+              </a:ext>
+            </a:extLst>
+          </p:cNvPr>
+          <p:cNvSpPr txBox="1"/>
+          <p:nvPr/>
+        </p:nvSpPr>
+        <p:spPr>
+          <a:xfrm>
+            <a:off x="255996" y="502545"/>
+            <a:ext cx="10624338" cy="646331"/>
+          </a:xfrm>
+          <a:prstGeom prst="rect">
+            <a:avLst/>
+          </a:prstGeom>
+          <a:noFill/>
+        </p:spPr>
+        <p:txBody>
+          <a:bodyPr wrap="square" rtlCol="0">
+            <a:spAutoFit/>
+          </a:bodyPr>
+          <a:lstStyle/>
+          <a:p>
+            <a:pPr lvl="0">
+              <a:defRPr/>
+            </a:pPr>
+            <a:r>
+              <a:rPr lang="fr-FR" sz="3600" b="1" dirty="0">
+                <a:solidFill>
+                  <a:srgbClr val="5B9BD5">
+                    <a:lumMod val="50000"/>
+                  </a:srgbClr>
+                </a:solidFill>
+              </a:rPr>
+              <a:t>Project plan/</a:t>
+            </a:r>
+            <a:r>
+              <a:rPr lang="fr-FR" sz="3600" b="1" dirty="0" err="1">
+                <a:solidFill>
+                  <a:srgbClr val="5B9BD5">
+                    <a:lumMod val="50000"/>
+                  </a:srgbClr>
+                </a:solidFill>
+              </a:rPr>
+              <a:t>milestones</a:t>
+            </a:r>
+            <a:r>
+              <a:rPr lang="fr-FR" sz="3600" b="1" dirty="0">
+                <a:solidFill>
+                  <a:srgbClr val="5B9BD5">
+                    <a:lumMod val="50000"/>
+                  </a:srgbClr>
+                </a:solidFill>
+              </a:rPr>
+              <a:t> </a:t>
+            </a:r>
+            <a:r>
+              <a:rPr lang="fr-FR" sz="3600" b="1" dirty="0" err="1">
+                <a:solidFill>
+                  <a:srgbClr val="5B9BD5">
+                    <a:lumMod val="50000"/>
+                  </a:srgbClr>
+                </a:solidFill>
+              </a:rPr>
+              <a:t>progress</a:t>
+            </a:r>
+            <a:r>
+              <a:rPr lang="fr-FR" sz="3600" b="1" dirty="0">
+                <a:solidFill>
+                  <a:srgbClr val="5B9BD5">
+                    <a:lumMod val="50000"/>
+                  </a:srgbClr>
+                </a:solidFill>
+              </a:rPr>
+              <a:t> </a:t>
+            </a:r>
+            <a:r>
+              <a:rPr kumimoji="0" lang="en-US" sz="3600" b="1" i="0" u="none" strike="noStrike" kern="1200" cap="none" spc="0" normalizeH="0" baseline="0" noProof="0" dirty="0">
+                <a:ln>
+                  <a:noFill/>
+                </a:ln>
+                <a:solidFill>
+                  <a:srgbClr val="5B9BD5">
+                    <a:lumMod val="50000"/>
+                  </a:srgbClr>
+                </a:solidFill>
+                <a:effectLst/>
+                <a:uLnTx/>
+                <a:uFillTx/>
+                <a:latin typeface="Calibri" panose="020F0502020204030204"/>
+                <a:ea typeface="+mn-ea"/>
+                <a:cs typeface="+mn-cs"/>
+              </a:rPr>
+              <a:t>Calibri body -36</a:t>
+            </a:r>
+          </a:p>
+        </p:txBody>
+      </p:sp>
+      <p:cxnSp>
+        <p:nvCxnSpPr>
+          <p:cNvPr id="5" name="Straight Connector 4">
+            <a:extLst>
+              <a:ext uri="{FF2B5EF4-FFF2-40B4-BE49-F238E27FC236}">
+                <a16:creationId xmlns:a16="http://schemas.microsoft.com/office/drawing/2014/main" id="{564F4198-C244-16A7-B796-A2E4B5EA6A81}"/>
+              </a:ext>
+            </a:extLst>
+          </p:cNvPr>
+          <p:cNvCxnSpPr>
+            <a:cxnSpLocks/>
+          </p:cNvCxnSpPr>
+          <p:nvPr/>
+        </p:nvCxnSpPr>
+        <p:spPr>
+          <a:xfrm>
+            <a:off x="221274" y="1191756"/>
+            <a:ext cx="7305799" cy="0"/>
+          </a:xfrm>
+          <a:prstGeom prst="line">
+            <a:avLst/>
+          </a:prstGeom>
+          <a:ln w="28575">
+            <a:solidFill>
+              <a:schemeClr val="accent6"/>
+            </a:solidFill>
+          </a:ln>
+        </p:spPr>
+        <p:style>
+          <a:lnRef idx="1">
+            <a:schemeClr val="accent1"/>
+          </a:lnRef>
+          <a:fillRef idx="0">
+            <a:schemeClr val="accent1"/>
+          </a:fillRef>
+          <a:effectRef idx="0">
+            <a:schemeClr val="accent1"/>
+          </a:effectRef>
+          <a:fontRef idx="minor">
+            <a:schemeClr val="tx1"/>
+          </a:fontRef>
+        </p:style>
+      </p:cxnSp>
+      <p:sp>
+        <p:nvSpPr>
+          <p:cNvPr id="4" name="TextBox 3">
+            <a:extLst>
+              <a:ext uri="{FF2B5EF4-FFF2-40B4-BE49-F238E27FC236}">
+                <a16:creationId xmlns:a16="http://schemas.microsoft.com/office/drawing/2014/main" id="{8C26B487-77E4-5D5B-7416-E64E3C867A98}"/>
+              </a:ext>
+            </a:extLst>
+          </p:cNvPr>
+          <p:cNvSpPr txBox="1"/>
+          <p:nvPr/>
+        </p:nvSpPr>
+        <p:spPr>
+          <a:xfrm>
+            <a:off x="6093893" y="57036"/>
+            <a:ext cx="6098107" cy="646331"/>
+          </a:xfrm>
+          <a:prstGeom prst="rect">
+            <a:avLst/>
+          </a:prstGeom>
+          <a:noFill/>
+        </p:spPr>
+        <p:txBody>
+          <a:bodyPr wrap="square" rtlCol="0">
+            <a:spAutoFit/>
+          </a:bodyPr>
+          <a:lstStyle/>
+          <a:p>
+            <a:pPr algn="r"/>
+            <a:r>
+              <a:rPr lang="en-US" sz="1800" b="1" i="1" dirty="0">
+                <a:solidFill>
+                  <a:srgbClr val="FFFFFF"/>
+                </a:solidFill>
+              </a:rPr>
+              <a:t>Project Title -  Calibri body 18</a:t>
+            </a:r>
+          </a:p>
+          <a:p>
+            <a:pPr algn="r"/>
+            <a:endParaRPr lang="en-US" dirty="0"/>
+          </a:p>
+        </p:txBody>
+      </p:sp>
+    </p:spTree>
+    <p:extLst>
+      <p:ext uri="{BB962C8B-B14F-4D97-AF65-F5344CB8AC3E}">
+        <p14:creationId xmlns:p14="http://schemas.microsoft.com/office/powerpoint/2010/main" val="2501109131"/>
+      </p:ext>
+    </p:extLst>
+  </p:cSld>
+  <p:clrMapOvr>
+    <a:masterClrMapping/>
+  </p:clrMapOvr>
+  <mc:AlternateContent xmlns:mc="http://schemas.openxmlformats.org/markup-compatibility/2006" xmlns:p14="http://schemas.microsoft.com/office/powerpoint/2010/main">
+    <mc:Choice Requires="p14">
+      <p:transition spd="med" p14:dur="700">
+        <p:fade/>
+      </p:transition>
+    </mc:Choice>
+    <mc:Fallback xmlns="">
+      <p:transition spd="med">
+        <p:fade/>
+      </p:transition>
+    </mc:Fallback>
+  </mc:AlternateContent>
+  <p:timing>
+    <p:tnLst>
+      <p:par>
+        <p:cTn id="1" dur="indefinite" restart="never" nodeType="tmRoot">
+          <p:childTnLst>
+            <p:seq concurrent="1" nextAc="seek">
+              <p:cTn id="2" dur="indefinite" nodeType="mainSeq">
+                <p:childTnLst>
+                  <p:par>
+                    <p:cTn id="3" fill="hold">
+                      <p:stCondLst>
+                        <p:cond delay="indefinite"/>
+                      </p:stCondLst>
+                      <p:childTnLst>
+                        <p:par>
+                          <p:cTn id="4" fill="hold">
+                            <p:stCondLst>
+                              <p:cond delay="0"/>
+                            </p:stCondLst>
+                            <p:childTnLst>
+                              <p:par>
+                                <p:cTn id="5" presetID="1" presetClass="entr" presetSubtype="0" fill="hold" grpId="0" nodeType="clickEffect">
+                                  <p:stCondLst>
+                                    <p:cond delay="0"/>
+                                  </p:stCondLst>
+                                  <p:childTnLst>
+                                    <p:set>
+                                      <p:cBhvr>
+                                        <p:cTn id="6" dur="1" fill="hold">
+                                          <p:stCondLst>
+                                            <p:cond delay="0"/>
+                                          </p:stCondLst>
+                                        </p:cTn>
+                                        <p:tgtEl>
+                                          <p:spTgt spid="2">
+                                            <p:txEl>
+                                              <p:pRg st="0" end="0"/>
+                                            </p:txEl>
+                                          </p:spTgt>
+                                        </p:tgtEl>
+                                        <p:attrNameLst>
+                                          <p:attrName>style.visibility</p:attrName>
+                                        </p:attrNameLst>
+                                      </p:cBhvr>
+                                      <p:to>
+                                        <p:strVal val="visible"/>
+                                      </p:to>
+                                    </p:set>
+                                  </p:childTnLst>
+                                </p:cTn>
+                              </p:par>
+                            </p:childTnLst>
+                          </p:cTn>
+                        </p:par>
+                      </p:childTnLst>
+                    </p:cTn>
+                  </p:par>
+                  <p:par>
+                    <p:cTn id="7" fill="hold">
+                      <p:stCondLst>
+                        <p:cond delay="indefinite"/>
+                      </p:stCondLst>
+                      <p:childTnLst>
+                        <p:par>
+                          <p:cTn id="8" fill="hold">
+                            <p:stCondLst>
+                              <p:cond delay="0"/>
+                            </p:stCondLst>
+                            <p:childTnLst>
+                              <p:par>
+                                <p:cTn id="9" presetID="1" presetClass="entr" presetSubtype="0" fill="hold" grpId="0" nodeType="clickEffect">
+                                  <p:stCondLst>
+                                    <p:cond delay="0"/>
+                                  </p:stCondLst>
+                                  <p:childTnLst>
+                                    <p:set>
+                                      <p:cBhvr>
+                                        <p:cTn id="10" dur="1" fill="hold">
+                                          <p:stCondLst>
+                                            <p:cond delay="0"/>
+                                          </p:stCondLst>
+                                        </p:cTn>
+                                        <p:tgtEl>
+                                          <p:spTgt spid="2">
+                                            <p:txEl>
+                                              <p:pRg st="1" end="1"/>
+                                            </p:txEl>
+                                          </p:spTgt>
+                                        </p:tgtEl>
+                                        <p:attrNameLst>
+                                          <p:attrName>style.visibility</p:attrName>
+                                        </p:attrNameLst>
+                                      </p:cBhvr>
+                                      <p:to>
+                                        <p:strVal val="visible"/>
+                                      </p:to>
+                                    </p:set>
+                                  </p:childTnLst>
+                                </p:cTn>
+                              </p:par>
+                            </p:childTnLst>
+                          </p:cTn>
+                        </p:par>
+                      </p:childTnLst>
+                    </p:cTn>
+                  </p:par>
+                  <p:par>
+                    <p:cTn id="11" fill="hold">
+                      <p:stCondLst>
+                        <p:cond delay="indefinite"/>
+                      </p:stCondLst>
+                      <p:childTnLst>
+                        <p:par>
+                          <p:cTn id="12" fill="hold">
+                            <p:stCondLst>
+                              <p:cond delay="0"/>
+                            </p:stCondLst>
+                            <p:childTnLst>
+                              <p:par>
+                                <p:cTn id="13" presetID="1" presetClass="entr" presetSubtype="0" fill="hold" grpId="0" nodeType="clickEffect">
+                                  <p:stCondLst>
+                                    <p:cond delay="0"/>
+                                  </p:stCondLst>
+                                  <p:childTnLst>
+                                    <p:set>
+                                      <p:cBhvr>
+                                        <p:cTn id="14" dur="1" fill="hold">
+                                          <p:stCondLst>
+                                            <p:cond delay="0"/>
+                                          </p:stCondLst>
+                                        </p:cTn>
+                                        <p:tgtEl>
+                                          <p:spTgt spid="2">
+                                            <p:txEl>
+                                              <p:pRg st="2" end="2"/>
+                                            </p:txEl>
+                                          </p:spTgt>
+                                        </p:tgtEl>
+                                        <p:attrNameLst>
+                                          <p:attrName>style.visibility</p:attrName>
+                                        </p:attrNameLst>
+                                      </p:cBhvr>
+                                      <p:to>
+                                        <p:strVal val="visible"/>
+                                      </p:to>
+                                    </p:set>
+                                  </p:childTnLst>
+                                </p:cTn>
+                              </p:par>
+                            </p:childTnLst>
+                          </p:cTn>
+                        </p:par>
+                      </p:childTnLst>
+                    </p:cTn>
+                  </p:par>
+                  <p:par>
+                    <p:cTn id="15" fill="hold">
+                      <p:stCondLst>
+                        <p:cond delay="indefinite"/>
+                      </p:stCondLst>
+                      <p:childTnLst>
+                        <p:par>
+                          <p:cTn id="16" fill="hold">
+                            <p:stCondLst>
+                              <p:cond delay="0"/>
+                            </p:stCondLst>
+                            <p:childTnLst>
+                              <p:par>
+                                <p:cTn id="17" presetID="1" presetClass="entr" presetSubtype="0" fill="hold" grpId="0" nodeType="clickEffect">
+                                  <p:stCondLst>
+                                    <p:cond delay="0"/>
+                                  </p:stCondLst>
+                                  <p:childTnLst>
+                                    <p:set>
+                                      <p:cBhvr>
+                                        <p:cTn id="18" dur="1" fill="hold">
+                                          <p:stCondLst>
+                                            <p:cond delay="0"/>
+                                          </p:stCondLst>
+                                        </p:cTn>
+                                        <p:tgtEl>
+                                          <p:spTgt spid="2">
+                                            <p:txEl>
+                                              <p:pRg st="3" end="3"/>
+                                            </p:txEl>
+                                          </p:spTgt>
+                                        </p:tgtEl>
+                                        <p:attrNameLst>
+                                          <p:attrName>style.visibility</p:attrName>
+                                        </p:attrNameLst>
+                                      </p:cBhvr>
+                                      <p:to>
+                                        <p:strVal val="visible"/>
+                                      </p:to>
+                                    </p:set>
+                                  </p:childTnLst>
+                                </p:cTn>
+                              </p:par>
+                            </p:childTnLst>
+                          </p:cTn>
+                        </p:par>
+                      </p:childTnLst>
+                    </p:cTn>
+                  </p:par>
+                  <p:par>
+                    <p:cTn id="19" fill="hold">
+                      <p:stCondLst>
+                        <p:cond delay="indefinite"/>
+                      </p:stCondLst>
+                      <p:childTnLst>
+                        <p:par>
+                          <p:cTn id="20" fill="hold">
+                            <p:stCondLst>
+                              <p:cond delay="0"/>
+                            </p:stCondLst>
+                            <p:childTnLst>
+                              <p:par>
+                                <p:cTn id="21" presetID="1" presetClass="entr" presetSubtype="0" fill="hold" grpId="0" nodeType="clickEffect">
+                                  <p:stCondLst>
+                                    <p:cond delay="0"/>
+                                  </p:stCondLst>
+                                  <p:childTnLst>
+                                    <p:set>
+                                      <p:cBhvr>
+                                        <p:cTn id="22" dur="1" fill="hold">
+                                          <p:stCondLst>
+                                            <p:cond delay="0"/>
+                                          </p:stCondLst>
+                                        </p:cTn>
+                                        <p:tgtEl>
+                                          <p:spTgt spid="2">
+                                            <p:txEl>
+                                              <p:pRg st="4" end="4"/>
+                                            </p:txEl>
+                                          </p:spTgt>
+                                        </p:tgtEl>
+                                        <p:attrNameLst>
+                                          <p:attrName>style.visibility</p:attrName>
+                                        </p:attrNameLst>
+                                      </p:cBhvr>
+                                      <p:to>
+                                        <p:strVal val="visible"/>
+                                      </p:to>
+                                    </p:set>
+                                  </p:childTnLst>
+                                </p:cTn>
+                              </p:par>
+                            </p:childTnLst>
+                          </p:cTn>
+                        </p:par>
+                      </p:childTnLst>
+                    </p:cTn>
+                  </p:par>
+                  <p:par>
+                    <p:cTn id="23" fill="hold">
+                      <p:stCondLst>
+                        <p:cond delay="indefinite"/>
+                      </p:stCondLst>
+                      <p:childTnLst>
+                        <p:par>
+                          <p:cTn id="24" fill="hold">
+                            <p:stCondLst>
+                              <p:cond delay="0"/>
+                            </p:stCondLst>
+                            <p:childTnLst>
+                              <p:par>
+                                <p:cTn id="25" presetID="1" presetClass="entr" presetSubtype="0" fill="hold" grpId="0" nodeType="clickEffect">
+                                  <p:stCondLst>
+                                    <p:cond delay="0"/>
+                                  </p:stCondLst>
+                                  <p:childTnLst>
+                                    <p:set>
+                                      <p:cBhvr>
+                                        <p:cTn id="26" dur="1" fill="hold">
+                                          <p:stCondLst>
+                                            <p:cond delay="0"/>
+                                          </p:stCondLst>
+                                        </p:cTn>
+                                        <p:tgtEl>
+                                          <p:spTgt spid="2">
+                                            <p:txEl>
+                                              <p:pRg st="5" end="5"/>
+                                            </p:txEl>
+                                          </p:spTgt>
+                                        </p:tgtEl>
+                                        <p:attrNameLst>
+                                          <p:attrName>style.visibility</p:attrName>
+                                        </p:attrNameLst>
+                                      </p:cBhvr>
+                                      <p:to>
+                                        <p:strVal val="visible"/>
+                                      </p:to>
+                                    </p:set>
+                                  </p:childTnLst>
+                                </p:cTn>
+                              </p:par>
+                            </p:childTnLst>
+                          </p:cTn>
+                        </p:par>
+                      </p:childTnLst>
+                    </p:cTn>
+                  </p:par>
+                </p:childTnLst>
+              </p:cTn>
+              <p:prevCondLst>
+                <p:cond evt="onPrev" delay="0">
+                  <p:tgtEl>
+                    <p:sldTgt/>
+                  </p:tgtEl>
+                </p:cond>
+              </p:prevCondLst>
+              <p:nextCondLst>
+                <p:cond evt="onNext" delay="0">
+                  <p:tgtEl>
+                    <p:sldTgt/>
+                  </p:tgtEl>
+                </p:cond>
+              </p:nextCondLst>
+            </p:seq>
+          </p:childTnLst>
+        </p:cTn>
+      </p:par>
+    </p:tnLst>
+    <p:bldLst>
+      <p:bldP spid="2" grpId="0" uiExpand="1" build="p"/>
+    </p:bldLst>
+  </p:timing>
+</p:sld>
+</file>
+
+<file path=ppt/slides/slide16.xml><?xml version="1.0" encoding="utf-8"?>
+<p:sld xmlns:a="http://schemas.openxmlformats.org/drawingml/2006/main" xmlns:r="http://schemas.openxmlformats.org/officeDocument/2006/relationships" xmlns:p="http://schemas.openxmlformats.org/presentationml/2006/main">
+  <p:cSld>
+    <p:spTree>
+      <p:nvGrpSpPr>
+        <p:cNvPr id="1" name="">
+          <a:extLst>
+            <a:ext uri="{FF2B5EF4-FFF2-40B4-BE49-F238E27FC236}">
+              <a16:creationId xmlns:a16="http://schemas.microsoft.com/office/drawing/2014/main" id="{79101260-2A49-70DD-5DDE-D4D5BF917D2A}"/>
+            </a:ext>
+          </a:extLst>
+        </p:cNvPr>
+        <p:cNvGrpSpPr/>
+        <p:nvPr/>
+      </p:nvGrpSpPr>
+      <p:grpSpPr>
+        <a:xfrm>
+          <a:off x="0" y="0"/>
+          <a:ext cx="0" cy="0"/>
+          <a:chOff x="0" y="0"/>
+          <a:chExt cx="0" cy="0"/>
+        </a:xfrm>
+      </p:grpSpPr>
+      <p:sp>
+        <p:nvSpPr>
+          <p:cNvPr id="2" name="Text Placeholder 1">
+            <a:extLst>
+              <a:ext uri="{FF2B5EF4-FFF2-40B4-BE49-F238E27FC236}">
+                <a16:creationId xmlns:a16="http://schemas.microsoft.com/office/drawing/2014/main" id="{96E76C67-7BFA-9E51-4692-B39F5A3E1022}"/>
+              </a:ext>
+            </a:extLst>
+          </p:cNvPr>
+          <p:cNvSpPr>
+            <a:spLocks noGrp="1"/>
+          </p:cNvSpPr>
+          <p:nvPr>
+            <p:ph type="body" sz="quarter" idx="13"/>
+          </p:nvPr>
+        </p:nvSpPr>
+        <p:spPr>
+          <a:xfrm>
+            <a:off x="255996" y="1271219"/>
+            <a:ext cx="10624338" cy="4142989"/>
+          </a:xfrm>
+        </p:spPr>
+        <p:txBody>
+          <a:bodyPr/>
+          <a:lstStyle/>
+          <a:p>
+            <a:pPr marL="0" indent="0">
+              <a:buNone/>
+            </a:pPr>
+            <a:r>
+              <a:rPr lang="en-US" dirty="0"/>
+              <a:t>Application Integration (Completed)</a:t>
+            </a:r>
+            <a:endParaRPr lang="en-US" b="0" dirty="0"/>
+          </a:p>
+          <a:p>
+            <a:r>
+              <a:rPr lang="en-US" b="0" dirty="0"/>
+              <a:t>Developed the user interface using </a:t>
+            </a:r>
+            <a:r>
+              <a:rPr lang="en-US" dirty="0"/>
+              <a:t>Streamlit</a:t>
+            </a:r>
+            <a:r>
+              <a:rPr lang="en-US" b="0" dirty="0"/>
+              <a:t>.</a:t>
+            </a:r>
+          </a:p>
+          <a:p>
+            <a:r>
+              <a:rPr lang="en-US" b="0" dirty="0"/>
+              <a:t>Integrated both ML models into the application .</a:t>
+            </a:r>
+          </a:p>
+          <a:p>
+            <a:r>
+              <a:rPr lang="en-US" b="0" dirty="0"/>
+              <a:t>Implemented the suggestion engine and report download feature</a:t>
+            </a:r>
+          </a:p>
+          <a:p>
+            <a:pPr marL="0" indent="0">
+              <a:lnSpc>
+                <a:spcPct val="150000"/>
+              </a:lnSpc>
+              <a:buNone/>
+            </a:pPr>
+            <a:endParaRPr lang="en-US" sz="2400" b="0" dirty="0">
+              <a:solidFill>
+                <a:srgbClr val="5583D1"/>
+              </a:solidFill>
+            </a:endParaRPr>
+          </a:p>
+        </p:txBody>
+      </p:sp>
+      <p:sp>
+        <p:nvSpPr>
+          <p:cNvPr id="3" name="TextBox 2">
+            <a:extLst>
+              <a:ext uri="{FF2B5EF4-FFF2-40B4-BE49-F238E27FC236}">
+                <a16:creationId xmlns:a16="http://schemas.microsoft.com/office/drawing/2014/main" id="{E1B0525D-ACD6-6369-E952-5E9E5D8805AD}"/>
+              </a:ext>
+            </a:extLst>
+          </p:cNvPr>
+          <p:cNvSpPr txBox="1"/>
+          <p:nvPr/>
+        </p:nvSpPr>
+        <p:spPr>
+          <a:xfrm>
+            <a:off x="255996" y="502545"/>
+            <a:ext cx="10624338" cy="646331"/>
+          </a:xfrm>
+          <a:prstGeom prst="rect">
+            <a:avLst/>
+          </a:prstGeom>
+          <a:noFill/>
+        </p:spPr>
+        <p:txBody>
+          <a:bodyPr wrap="square" rtlCol="0">
+            <a:spAutoFit/>
+          </a:bodyPr>
+          <a:lstStyle/>
+          <a:p>
+            <a:pPr lvl="0">
+              <a:defRPr/>
+            </a:pPr>
+            <a:r>
+              <a:rPr lang="fr-FR" sz="3600" b="1" dirty="0">
+                <a:solidFill>
+                  <a:srgbClr val="5B9BD5">
+                    <a:lumMod val="50000"/>
+                  </a:srgbClr>
+                </a:solidFill>
+              </a:rPr>
+              <a:t>Project plan/</a:t>
+            </a:r>
+            <a:r>
+              <a:rPr lang="fr-FR" sz="3600" b="1" dirty="0" err="1">
+                <a:solidFill>
+                  <a:srgbClr val="5B9BD5">
+                    <a:lumMod val="50000"/>
+                  </a:srgbClr>
+                </a:solidFill>
+              </a:rPr>
+              <a:t>milestones</a:t>
+            </a:r>
+            <a:r>
+              <a:rPr lang="fr-FR" sz="3600" b="1" dirty="0">
+                <a:solidFill>
+                  <a:srgbClr val="5B9BD5">
+                    <a:lumMod val="50000"/>
+                  </a:srgbClr>
+                </a:solidFill>
+              </a:rPr>
+              <a:t> </a:t>
+            </a:r>
+            <a:r>
+              <a:rPr lang="fr-FR" sz="3600" b="1" dirty="0" err="1">
+                <a:solidFill>
+                  <a:srgbClr val="5B9BD5">
+                    <a:lumMod val="50000"/>
+                  </a:srgbClr>
+                </a:solidFill>
+              </a:rPr>
+              <a:t>progress</a:t>
+            </a:r>
+            <a:r>
+              <a:rPr lang="fr-FR" sz="3600" b="1" dirty="0">
+                <a:solidFill>
+                  <a:srgbClr val="5B9BD5">
+                    <a:lumMod val="50000"/>
+                  </a:srgbClr>
+                </a:solidFill>
+              </a:rPr>
+              <a:t> </a:t>
+            </a:r>
+            <a:r>
+              <a:rPr kumimoji="0" lang="en-US" sz="3600" b="1" i="0" u="none" strike="noStrike" kern="1200" cap="none" spc="0" normalizeH="0" baseline="0" noProof="0" dirty="0">
+                <a:ln>
+                  <a:noFill/>
+                </a:ln>
+                <a:solidFill>
+                  <a:srgbClr val="5B9BD5">
+                    <a:lumMod val="50000"/>
+                  </a:srgbClr>
+                </a:solidFill>
+                <a:effectLst/>
+                <a:uLnTx/>
+                <a:uFillTx/>
+                <a:latin typeface="Calibri" panose="020F0502020204030204"/>
+                <a:ea typeface="+mn-ea"/>
+                <a:cs typeface="+mn-cs"/>
+              </a:rPr>
+              <a:t>Calibri body -36</a:t>
+            </a:r>
+          </a:p>
+        </p:txBody>
+      </p:sp>
+      <p:cxnSp>
+        <p:nvCxnSpPr>
+          <p:cNvPr id="5" name="Straight Connector 4">
+            <a:extLst>
+              <a:ext uri="{FF2B5EF4-FFF2-40B4-BE49-F238E27FC236}">
+                <a16:creationId xmlns:a16="http://schemas.microsoft.com/office/drawing/2014/main" id="{97FC087A-DE2C-F5FF-AC04-40DB8E549405}"/>
+              </a:ext>
+            </a:extLst>
+          </p:cNvPr>
+          <p:cNvCxnSpPr>
+            <a:cxnSpLocks/>
+          </p:cNvCxnSpPr>
+          <p:nvPr/>
+        </p:nvCxnSpPr>
+        <p:spPr>
+          <a:xfrm>
+            <a:off x="221274" y="1191756"/>
+            <a:ext cx="7305799" cy="0"/>
+          </a:xfrm>
+          <a:prstGeom prst="line">
+            <a:avLst/>
+          </a:prstGeom>
+          <a:ln w="28575">
+            <a:solidFill>
+              <a:schemeClr val="accent6"/>
+            </a:solidFill>
+          </a:ln>
+        </p:spPr>
+        <p:style>
+          <a:lnRef idx="1">
+            <a:schemeClr val="accent1"/>
+          </a:lnRef>
+          <a:fillRef idx="0">
+            <a:schemeClr val="accent1"/>
+          </a:fillRef>
+          <a:effectRef idx="0">
+            <a:schemeClr val="accent1"/>
+          </a:effectRef>
+          <a:fontRef idx="minor">
+            <a:schemeClr val="tx1"/>
+          </a:fontRef>
+        </p:style>
+      </p:cxnSp>
+      <p:sp>
+        <p:nvSpPr>
+          <p:cNvPr id="4" name="TextBox 3">
+            <a:extLst>
+              <a:ext uri="{FF2B5EF4-FFF2-40B4-BE49-F238E27FC236}">
+                <a16:creationId xmlns:a16="http://schemas.microsoft.com/office/drawing/2014/main" id="{2BAD370C-7084-FC55-0E56-A35905C7E380}"/>
+              </a:ext>
+            </a:extLst>
+          </p:cNvPr>
+          <p:cNvSpPr txBox="1"/>
+          <p:nvPr/>
+        </p:nvSpPr>
+        <p:spPr>
+          <a:xfrm>
+            <a:off x="6093893" y="57036"/>
+            <a:ext cx="6098107" cy="646331"/>
+          </a:xfrm>
+          <a:prstGeom prst="rect">
+            <a:avLst/>
+          </a:prstGeom>
+          <a:noFill/>
+        </p:spPr>
+        <p:txBody>
+          <a:bodyPr wrap="square" rtlCol="0">
+            <a:spAutoFit/>
+          </a:bodyPr>
+          <a:lstStyle/>
+          <a:p>
+            <a:pPr algn="r"/>
+            <a:r>
+              <a:rPr lang="en-US" sz="1800" b="1" i="1" dirty="0">
+                <a:solidFill>
+                  <a:srgbClr val="FFFFFF"/>
+                </a:solidFill>
+              </a:rPr>
+              <a:t>Project Title -  Calibri body 18</a:t>
+            </a:r>
+          </a:p>
+          <a:p>
+            <a:pPr algn="r"/>
+            <a:endParaRPr lang="en-US" dirty="0"/>
+          </a:p>
+        </p:txBody>
+      </p:sp>
+    </p:spTree>
+    <p:extLst>
+      <p:ext uri="{BB962C8B-B14F-4D97-AF65-F5344CB8AC3E}">
+        <p14:creationId xmlns:p14="http://schemas.microsoft.com/office/powerpoint/2010/main" val="2396052697"/>
+      </p:ext>
+    </p:extLst>
+  </p:cSld>
+  <p:clrMapOvr>
+    <a:masterClrMapping/>
+  </p:clrMapOvr>
+  <mc:AlternateContent xmlns:mc="http://schemas.openxmlformats.org/markup-compatibility/2006" xmlns:p14="http://schemas.microsoft.com/office/powerpoint/2010/main">
+    <mc:Choice Requires="p14">
+      <p:transition spd="med" p14:dur="700">
+        <p:fade/>
+      </p:transition>
+    </mc:Choice>
+    <mc:Fallback xmlns="">
+      <p:transition spd="med">
+        <p:fade/>
+      </p:transition>
+    </mc:Fallback>
+  </mc:AlternateContent>
+  <p:timing>
+    <p:tnLst>
+      <p:par>
+        <p:cTn id="1" dur="indefinite" restart="never" nodeType="tmRoot">
+          <p:childTnLst>
+            <p:seq concurrent="1" nextAc="seek">
+              <p:cTn id="2" dur="indefinite" nodeType="mainSeq">
+                <p:childTnLst>
+                  <p:par>
+                    <p:cTn id="3" fill="hold">
+                      <p:stCondLst>
+                        <p:cond delay="indefinite"/>
+                      </p:stCondLst>
+                      <p:childTnLst>
+                        <p:par>
+                          <p:cTn id="4" fill="hold">
+                            <p:stCondLst>
+                              <p:cond delay="0"/>
+                            </p:stCondLst>
+                            <p:childTnLst>
+                              <p:par>
+                                <p:cTn id="5" presetID="1" presetClass="entr" presetSubtype="0" fill="hold" grpId="0" nodeType="clickEffect">
+                                  <p:stCondLst>
+                                    <p:cond delay="0"/>
+                                  </p:stCondLst>
+                                  <p:childTnLst>
+                                    <p:set>
+                                      <p:cBhvr>
+                                        <p:cTn id="6" dur="1" fill="hold">
+                                          <p:stCondLst>
+                                            <p:cond delay="0"/>
+                                          </p:stCondLst>
+                                        </p:cTn>
+                                        <p:tgtEl>
+                                          <p:spTgt spid="2">
+                                            <p:txEl>
+                                              <p:pRg st="0" end="0"/>
+                                            </p:txEl>
+                                          </p:spTgt>
+                                        </p:tgtEl>
+                                        <p:attrNameLst>
+                                          <p:attrName>style.visibility</p:attrName>
+                                        </p:attrNameLst>
+                                      </p:cBhvr>
+                                      <p:to>
+                                        <p:strVal val="visible"/>
+                                      </p:to>
+                                    </p:set>
+                                  </p:childTnLst>
+                                </p:cTn>
+                              </p:par>
+                            </p:childTnLst>
+                          </p:cTn>
+                        </p:par>
+                      </p:childTnLst>
+                    </p:cTn>
+                  </p:par>
+                  <p:par>
+                    <p:cTn id="7" fill="hold">
+                      <p:stCondLst>
+                        <p:cond delay="indefinite"/>
+                      </p:stCondLst>
+                      <p:childTnLst>
+                        <p:par>
+                          <p:cTn id="8" fill="hold">
+                            <p:stCondLst>
+                              <p:cond delay="0"/>
+                            </p:stCondLst>
+                            <p:childTnLst>
+                              <p:par>
+                                <p:cTn id="9" presetID="1" presetClass="entr" presetSubtype="0" fill="hold" grpId="0" nodeType="clickEffect">
+                                  <p:stCondLst>
+                                    <p:cond delay="0"/>
+                                  </p:stCondLst>
+                                  <p:childTnLst>
+                                    <p:set>
+                                      <p:cBhvr>
+                                        <p:cTn id="10" dur="1" fill="hold">
+                                          <p:stCondLst>
+                                            <p:cond delay="0"/>
+                                          </p:stCondLst>
+                                        </p:cTn>
+                                        <p:tgtEl>
+                                          <p:spTgt spid="2">
+                                            <p:txEl>
+                                              <p:pRg st="1" end="1"/>
+                                            </p:txEl>
+                                          </p:spTgt>
+                                        </p:tgtEl>
+                                        <p:attrNameLst>
+                                          <p:attrName>style.visibility</p:attrName>
+                                        </p:attrNameLst>
+                                      </p:cBhvr>
+                                      <p:to>
+                                        <p:strVal val="visible"/>
+                                      </p:to>
+                                    </p:set>
+                                  </p:childTnLst>
+                                </p:cTn>
+                              </p:par>
+                            </p:childTnLst>
+                          </p:cTn>
+                        </p:par>
+                      </p:childTnLst>
+                    </p:cTn>
+                  </p:par>
+                  <p:par>
+                    <p:cTn id="11" fill="hold">
+                      <p:stCondLst>
+                        <p:cond delay="indefinite"/>
+                      </p:stCondLst>
+                      <p:childTnLst>
+                        <p:par>
+                          <p:cTn id="12" fill="hold">
+                            <p:stCondLst>
+                              <p:cond delay="0"/>
+                            </p:stCondLst>
+                            <p:childTnLst>
+                              <p:par>
+                                <p:cTn id="13" presetID="1" presetClass="entr" presetSubtype="0" fill="hold" grpId="0" nodeType="clickEffect">
+                                  <p:stCondLst>
+                                    <p:cond delay="0"/>
+                                  </p:stCondLst>
+                                  <p:childTnLst>
+                                    <p:set>
+                                      <p:cBhvr>
+                                        <p:cTn id="14" dur="1" fill="hold">
+                                          <p:stCondLst>
+                                            <p:cond delay="0"/>
+                                          </p:stCondLst>
+                                        </p:cTn>
+                                        <p:tgtEl>
+                                          <p:spTgt spid="2">
+                                            <p:txEl>
+                                              <p:pRg st="2" end="2"/>
+                                            </p:txEl>
+                                          </p:spTgt>
+                                        </p:tgtEl>
+                                        <p:attrNameLst>
+                                          <p:attrName>style.visibility</p:attrName>
+                                        </p:attrNameLst>
+                                      </p:cBhvr>
+                                      <p:to>
+                                        <p:strVal val="visible"/>
+                                      </p:to>
+                                    </p:set>
+                                  </p:childTnLst>
+                                </p:cTn>
+                              </p:par>
+                            </p:childTnLst>
+                          </p:cTn>
+                        </p:par>
+                      </p:childTnLst>
+                    </p:cTn>
+                  </p:par>
+                  <p:par>
+                    <p:cTn id="15" fill="hold">
+                      <p:stCondLst>
+                        <p:cond delay="indefinite"/>
+                      </p:stCondLst>
+                      <p:childTnLst>
+                        <p:par>
+                          <p:cTn id="16" fill="hold">
+                            <p:stCondLst>
+                              <p:cond delay="0"/>
+                            </p:stCondLst>
+                            <p:childTnLst>
+                              <p:par>
+                                <p:cTn id="17" presetID="1" presetClass="entr" presetSubtype="0" fill="hold" grpId="0" nodeType="clickEffect">
+                                  <p:stCondLst>
+                                    <p:cond delay="0"/>
+                                  </p:stCondLst>
+                                  <p:childTnLst>
+                                    <p:set>
+                                      <p:cBhvr>
+                                        <p:cTn id="18" dur="1" fill="hold">
+                                          <p:stCondLst>
+                                            <p:cond delay="0"/>
+                                          </p:stCondLst>
+                                        </p:cTn>
+                                        <p:tgtEl>
+                                          <p:spTgt spid="2">
+                                            <p:txEl>
+                                              <p:pRg st="3" end="3"/>
+                                            </p:txEl>
+                                          </p:spTgt>
+                                        </p:tgtEl>
+                                        <p:attrNameLst>
+                                          <p:attrName>style.visibility</p:attrName>
+                                        </p:attrNameLst>
+                                      </p:cBhvr>
+                                      <p:to>
+                                        <p:strVal val="visible"/>
+                                      </p:to>
+                                    </p:set>
+                                  </p:childTnLst>
+                                </p:cTn>
+                              </p:par>
+                            </p:childTnLst>
+                          </p:cTn>
+                        </p:par>
+                      </p:childTnLst>
+                    </p:cTn>
+                  </p:par>
+                </p:childTnLst>
+              </p:cTn>
+              <p:prevCondLst>
+                <p:cond evt="onPrev" delay="0">
+                  <p:tgtEl>
+                    <p:sldTgt/>
+                  </p:tgtEl>
+                </p:cond>
+              </p:prevCondLst>
+              <p:nextCondLst>
+                <p:cond evt="onNext" delay="0">
+                  <p:tgtEl>
+                    <p:sldTgt/>
+                  </p:tgtEl>
+                </p:cond>
+              </p:nextCondLst>
+            </p:seq>
+          </p:childTnLst>
+        </p:cTn>
+      </p:par>
+    </p:tnLst>
+    <p:bldLst>
+      <p:bldP spid="2" grpId="0" uiExpand="1" build="p"/>
+    </p:bldLst>
+  </p:timing>
+</p:sld>
+</file>
+
+<file path=ppt/slides/slide17.xml><?xml version="1.0" encoding="utf-8"?>
+<p:sld xmlns:a="http://schemas.openxmlformats.org/drawingml/2006/main" xmlns:r="http://schemas.openxmlformats.org/officeDocument/2006/relationships" xmlns:p="http://schemas.openxmlformats.org/presentationml/2006/main">
+  <p:cSld>
+    <p:spTree>
+      <p:nvGrpSpPr>
+        <p:cNvPr id="1" name="">
+          <a:extLst>
+            <a:ext uri="{FF2B5EF4-FFF2-40B4-BE49-F238E27FC236}">
+              <a16:creationId xmlns:a16="http://schemas.microsoft.com/office/drawing/2014/main" id="{C6E5BBC5-46B5-0DF4-A2AC-5289D295735B}"/>
+            </a:ext>
+          </a:extLst>
+        </p:cNvPr>
+        <p:cNvGrpSpPr/>
+        <p:nvPr/>
+      </p:nvGrpSpPr>
+      <p:grpSpPr>
+        <a:xfrm>
+          <a:off x="0" y="0"/>
+          <a:ext cx="0" cy="0"/>
+          <a:chOff x="0" y="0"/>
+          <a:chExt cx="0" cy="0"/>
+        </a:xfrm>
+      </p:grpSpPr>
+      <p:sp>
+        <p:nvSpPr>
+          <p:cNvPr id="2" name="Text Placeholder 1">
+            <a:extLst>
+              <a:ext uri="{FF2B5EF4-FFF2-40B4-BE49-F238E27FC236}">
+                <a16:creationId xmlns:a16="http://schemas.microsoft.com/office/drawing/2014/main" id="{97872131-A6C0-4ECF-9994-EA002B6EAD86}"/>
+              </a:ext>
+            </a:extLst>
+          </p:cNvPr>
+          <p:cNvSpPr>
+            <a:spLocks noGrp="1"/>
+          </p:cNvSpPr>
+          <p:nvPr>
+            <p:ph type="body" sz="quarter" idx="13"/>
+          </p:nvPr>
+        </p:nvSpPr>
+        <p:spPr>
+          <a:xfrm>
+            <a:off x="255996" y="1271219"/>
+            <a:ext cx="10624338" cy="4142989"/>
+          </a:xfrm>
+        </p:spPr>
+        <p:txBody>
+          <a:bodyPr/>
+          <a:lstStyle/>
+          <a:p>
+            <a:pPr marL="0" indent="0">
+              <a:lnSpc>
+                <a:spcPct val="150000"/>
+              </a:lnSpc>
+              <a:buNone/>
+            </a:pPr>
+            <a:r>
+              <a:rPr lang="en-US" sz="2400" b="0" dirty="0">
+                <a:solidFill>
+                  <a:srgbClr val="5583D1"/>
+                </a:solidFill>
+                <a:latin typeface="+mn-lt"/>
+              </a:rPr>
+              <a:t>Calibri body 28</a:t>
+            </a:r>
+            <a:endParaRPr lang="en-US" sz="2400" b="0" dirty="0">
+              <a:solidFill>
+                <a:srgbClr val="5583D1"/>
+              </a:solidFill>
+            </a:endParaRPr>
+          </a:p>
+        </p:txBody>
+      </p:sp>
+      <p:sp>
+        <p:nvSpPr>
+          <p:cNvPr id="3" name="TextBox 2">
+            <a:extLst>
+              <a:ext uri="{FF2B5EF4-FFF2-40B4-BE49-F238E27FC236}">
+                <a16:creationId xmlns:a16="http://schemas.microsoft.com/office/drawing/2014/main" id="{DBEA9949-295E-B2C7-8E3A-639B0AD48F51}"/>
+              </a:ext>
+            </a:extLst>
+          </p:cNvPr>
+          <p:cNvSpPr txBox="1"/>
+          <p:nvPr/>
+        </p:nvSpPr>
+        <p:spPr>
+          <a:xfrm>
+            <a:off x="255996" y="502545"/>
+            <a:ext cx="10624338" cy="646331"/>
+          </a:xfrm>
+          <a:prstGeom prst="rect">
+            <a:avLst/>
+          </a:prstGeom>
+          <a:noFill/>
+        </p:spPr>
+        <p:txBody>
+          <a:bodyPr wrap="square" rtlCol="0">
+            <a:spAutoFit/>
+          </a:bodyPr>
+          <a:lstStyle/>
+          <a:p>
+            <a:pPr lvl="0">
+              <a:defRPr/>
+            </a:pPr>
+            <a:r>
+              <a:rPr lang="fr-FR" sz="3600" b="1" dirty="0">
+                <a:solidFill>
+                  <a:srgbClr val="5B9BD5">
+                    <a:lumMod val="50000"/>
+                  </a:srgbClr>
+                </a:solidFill>
+              </a:rPr>
+              <a:t>Pipeline structure </a:t>
+            </a:r>
+            <a:r>
+              <a:rPr kumimoji="0" lang="en-US" sz="3600" b="1" i="0" u="none" strike="noStrike" kern="1200" cap="none" spc="0" normalizeH="0" baseline="0" noProof="0" dirty="0">
+                <a:ln>
+                  <a:noFill/>
+                </a:ln>
+                <a:solidFill>
+                  <a:srgbClr val="5B9BD5">
+                    <a:lumMod val="50000"/>
+                  </a:srgbClr>
+                </a:solidFill>
+                <a:effectLst/>
+                <a:uLnTx/>
+                <a:uFillTx/>
+                <a:latin typeface="Calibri" panose="020F0502020204030204"/>
+                <a:ea typeface="+mn-ea"/>
+                <a:cs typeface="+mn-cs"/>
+              </a:rPr>
+              <a:t>Calibri body -36</a:t>
+            </a:r>
+          </a:p>
+        </p:txBody>
+      </p:sp>
+      <p:cxnSp>
+        <p:nvCxnSpPr>
+          <p:cNvPr id="5" name="Straight Connector 4">
+            <a:extLst>
+              <a:ext uri="{FF2B5EF4-FFF2-40B4-BE49-F238E27FC236}">
+                <a16:creationId xmlns:a16="http://schemas.microsoft.com/office/drawing/2014/main" id="{1C3477A6-BED1-8211-5527-9030F1E86940}"/>
+              </a:ext>
+            </a:extLst>
+          </p:cNvPr>
+          <p:cNvCxnSpPr>
+            <a:cxnSpLocks/>
+          </p:cNvCxnSpPr>
+          <p:nvPr/>
+        </p:nvCxnSpPr>
+        <p:spPr>
+          <a:xfrm>
+            <a:off x="221274" y="1191756"/>
+            <a:ext cx="7305799" cy="0"/>
+          </a:xfrm>
+          <a:prstGeom prst="line">
+            <a:avLst/>
+          </a:prstGeom>
+          <a:ln w="28575">
+            <a:solidFill>
+              <a:schemeClr val="accent6"/>
+            </a:solidFill>
+          </a:ln>
+        </p:spPr>
+        <p:style>
+          <a:lnRef idx="1">
+            <a:schemeClr val="accent1"/>
+          </a:lnRef>
+          <a:fillRef idx="0">
+            <a:schemeClr val="accent1"/>
+          </a:fillRef>
+          <a:effectRef idx="0">
+            <a:schemeClr val="accent1"/>
+          </a:effectRef>
+          <a:fontRef idx="minor">
+            <a:schemeClr val="tx1"/>
+          </a:fontRef>
+        </p:style>
+      </p:cxnSp>
+      <p:sp>
+        <p:nvSpPr>
+          <p:cNvPr id="4" name="TextBox 3">
+            <a:extLst>
+              <a:ext uri="{FF2B5EF4-FFF2-40B4-BE49-F238E27FC236}">
+                <a16:creationId xmlns:a16="http://schemas.microsoft.com/office/drawing/2014/main" id="{AB5AC1E1-8B68-1019-1B7A-0CF7BDC8B3EC}"/>
+              </a:ext>
+            </a:extLst>
+          </p:cNvPr>
+          <p:cNvSpPr txBox="1"/>
+          <p:nvPr/>
+        </p:nvSpPr>
+        <p:spPr>
+          <a:xfrm>
+            <a:off x="6093893" y="57036"/>
+            <a:ext cx="6098107" cy="646331"/>
+          </a:xfrm>
+          <a:prstGeom prst="rect">
+            <a:avLst/>
+          </a:prstGeom>
+          <a:noFill/>
+        </p:spPr>
+        <p:txBody>
+          <a:bodyPr wrap="square" rtlCol="0">
+            <a:spAutoFit/>
+          </a:bodyPr>
+          <a:lstStyle/>
+          <a:p>
+            <a:pPr algn="r"/>
+            <a:r>
+              <a:rPr lang="en-US" sz="1800" b="1" i="1" dirty="0">
+                <a:solidFill>
+                  <a:srgbClr val="FFFFFF"/>
+                </a:solidFill>
+              </a:rPr>
+              <a:t>Project Title -  Calibri body 18</a:t>
+            </a:r>
+          </a:p>
+          <a:p>
+            <a:pPr algn="r"/>
+            <a:endParaRPr lang="en-US" dirty="0"/>
+          </a:p>
+        </p:txBody>
+      </p:sp>
+    </p:spTree>
+    <p:extLst>
+      <p:ext uri="{BB962C8B-B14F-4D97-AF65-F5344CB8AC3E}">
+        <p14:creationId xmlns:p14="http://schemas.microsoft.com/office/powerpoint/2010/main" val="2198371957"/>
       </p:ext>
     </p:extLst>
   </p:cSld>
@@ -4436,6 +8664,499 @@
 </p:sld>
 </file>
 
+<file path=ppt/slides/slide2.xml><?xml version="1.0" encoding="utf-8"?>
+<p:sld xmlns:a="http://schemas.openxmlformats.org/drawingml/2006/main" xmlns:r="http://schemas.openxmlformats.org/officeDocument/2006/relationships" xmlns:p="http://schemas.openxmlformats.org/presentationml/2006/main">
+  <p:cSld>
+    <p:spTree>
+      <p:nvGrpSpPr>
+        <p:cNvPr id="1" name="">
+          <a:extLst>
+            <a:ext uri="{FF2B5EF4-FFF2-40B4-BE49-F238E27FC236}">
+              <a16:creationId xmlns:a16="http://schemas.microsoft.com/office/drawing/2014/main" id="{13318EFD-13D1-118F-A8E4-F9E2D3695A6C}"/>
+            </a:ext>
+          </a:extLst>
+        </p:cNvPr>
+        <p:cNvGrpSpPr/>
+        <p:nvPr/>
+      </p:nvGrpSpPr>
+      <p:grpSpPr>
+        <a:xfrm>
+          <a:off x="0" y="0"/>
+          <a:ext cx="0" cy="0"/>
+          <a:chOff x="0" y="0"/>
+          <a:chExt cx="0" cy="0"/>
+        </a:xfrm>
+      </p:grpSpPr>
+      <p:sp>
+        <p:nvSpPr>
+          <p:cNvPr id="2" name="Text Placeholder 1">
+            <a:extLst>
+              <a:ext uri="{FF2B5EF4-FFF2-40B4-BE49-F238E27FC236}">
+                <a16:creationId xmlns:a16="http://schemas.microsoft.com/office/drawing/2014/main" id="{67726612-73E0-5A94-F635-3A742DD5BA94}"/>
+              </a:ext>
+            </a:extLst>
+          </p:cNvPr>
+          <p:cNvSpPr>
+            <a:spLocks noGrp="1"/>
+          </p:cNvSpPr>
+          <p:nvPr>
+            <p:ph type="body" sz="quarter" idx="13"/>
+          </p:nvPr>
+        </p:nvSpPr>
+        <p:spPr>
+          <a:xfrm>
+            <a:off x="255996" y="1271219"/>
+            <a:ext cx="10624338" cy="4142989"/>
+          </a:xfrm>
+        </p:spPr>
+        <p:txBody>
+          <a:bodyPr/>
+          <a:lstStyle/>
+          <a:p>
+            <a:pPr>
+              <a:lnSpc>
+                <a:spcPct val="150000"/>
+              </a:lnSpc>
+            </a:pPr>
+            <a:r>
+              <a:rPr lang="en-US" sz="2400" b="0" dirty="0">
+                <a:solidFill>
+                  <a:schemeClr val="tx1"/>
+                </a:solidFill>
+              </a:rPr>
+              <a:t>AI-based app for diabetes risk prediction and lifestyle guidance</a:t>
+            </a:r>
+          </a:p>
+          <a:p>
+            <a:pPr>
+              <a:lnSpc>
+                <a:spcPct val="150000"/>
+              </a:lnSpc>
+            </a:pPr>
+            <a:r>
+              <a:rPr lang="en-US" sz="2400" b="0" dirty="0">
+                <a:solidFill>
+                  <a:schemeClr val="tx1"/>
+                </a:solidFill>
+              </a:rPr>
+              <a:t>Inputs: clinical data + meal logs via text</a:t>
+            </a:r>
+          </a:p>
+          <a:p>
+            <a:pPr>
+              <a:lnSpc>
+                <a:spcPct val="150000"/>
+              </a:lnSpc>
+            </a:pPr>
+            <a:r>
+              <a:rPr lang="en-US" sz="2400" b="0" dirty="0">
+                <a:solidFill>
+                  <a:schemeClr val="tx1"/>
+                </a:solidFill>
+              </a:rPr>
+              <a:t>Uses Random Forest for risk classification and linear regression nutrition analysis</a:t>
+            </a:r>
+          </a:p>
+          <a:p>
+            <a:pPr marL="0" indent="0">
+              <a:lnSpc>
+                <a:spcPct val="150000"/>
+              </a:lnSpc>
+              <a:buNone/>
+            </a:pPr>
+            <a:endParaRPr lang="en-US" sz="2400" b="0" dirty="0">
+              <a:solidFill>
+                <a:schemeClr val="tx1"/>
+              </a:solidFill>
+            </a:endParaRPr>
+          </a:p>
+          <a:p>
+            <a:pPr marL="0" indent="0">
+              <a:lnSpc>
+                <a:spcPct val="150000"/>
+              </a:lnSpc>
+              <a:buNone/>
+            </a:pPr>
+            <a:endParaRPr lang="en-US" sz="2400" b="0" dirty="0">
+              <a:solidFill>
+                <a:schemeClr val="tx1"/>
+              </a:solidFill>
+            </a:endParaRPr>
+          </a:p>
+          <a:p>
+            <a:pPr marL="0" indent="0">
+              <a:lnSpc>
+                <a:spcPct val="150000"/>
+              </a:lnSpc>
+              <a:buNone/>
+            </a:pPr>
+            <a:endParaRPr lang="en-US" sz="2400" b="0" dirty="0">
+              <a:solidFill>
+                <a:srgbClr val="5583D1"/>
+              </a:solidFill>
+            </a:endParaRPr>
+          </a:p>
+        </p:txBody>
+      </p:sp>
+      <p:sp>
+        <p:nvSpPr>
+          <p:cNvPr id="3" name="TextBox 2">
+            <a:extLst>
+              <a:ext uri="{FF2B5EF4-FFF2-40B4-BE49-F238E27FC236}">
+                <a16:creationId xmlns:a16="http://schemas.microsoft.com/office/drawing/2014/main" id="{AB4E3812-AF2F-9DD8-6ECF-C3425146B38F}"/>
+              </a:ext>
+            </a:extLst>
+          </p:cNvPr>
+          <p:cNvSpPr txBox="1"/>
+          <p:nvPr/>
+        </p:nvSpPr>
+        <p:spPr>
+          <a:xfrm>
+            <a:off x="255996" y="502545"/>
+            <a:ext cx="10624338" cy="646331"/>
+          </a:xfrm>
+          <a:prstGeom prst="rect">
+            <a:avLst/>
+          </a:prstGeom>
+          <a:noFill/>
+        </p:spPr>
+        <p:txBody>
+          <a:bodyPr wrap="square" rtlCol="0">
+            <a:spAutoFit/>
+          </a:bodyPr>
+          <a:lstStyle/>
+          <a:p>
+            <a:pPr marL="0" marR="0" lvl="0" indent="0" algn="l" defTabSz="914400" rtl="0" eaLnBrk="1" fontAlgn="auto" latinLnBrk="0" hangingPunct="1">
+              <a:lnSpc>
+                <a:spcPct val="100000"/>
+              </a:lnSpc>
+              <a:spcBef>
+                <a:spcPts val="0"/>
+              </a:spcBef>
+              <a:spcAft>
+                <a:spcPts val="0"/>
+              </a:spcAft>
+              <a:buClrTx/>
+              <a:buSzTx/>
+              <a:buFontTx/>
+              <a:buNone/>
+              <a:tabLst/>
+              <a:defRPr/>
+            </a:pPr>
+            <a:r>
+              <a:rPr kumimoji="0" lang="en-US" sz="3600" b="1" i="0" u="none" strike="noStrike" kern="1200" cap="none" spc="0" normalizeH="0" baseline="0" noProof="0" dirty="0">
+                <a:ln>
+                  <a:noFill/>
+                </a:ln>
+                <a:solidFill>
+                  <a:srgbClr val="5B9BD5">
+                    <a:lumMod val="50000"/>
+                  </a:srgbClr>
+                </a:solidFill>
+                <a:effectLst/>
+                <a:uLnTx/>
+                <a:uFillTx/>
+                <a:latin typeface="Calibri" panose="020F0502020204030204"/>
+                <a:ea typeface="+mn-ea"/>
+                <a:cs typeface="+mn-cs"/>
+              </a:rPr>
+              <a:t>Introduction…. Calibri body -36</a:t>
+            </a:r>
+          </a:p>
+        </p:txBody>
+      </p:sp>
+      <p:cxnSp>
+        <p:nvCxnSpPr>
+          <p:cNvPr id="5" name="Straight Connector 4">
+            <a:extLst>
+              <a:ext uri="{FF2B5EF4-FFF2-40B4-BE49-F238E27FC236}">
+                <a16:creationId xmlns:a16="http://schemas.microsoft.com/office/drawing/2014/main" id="{A295426A-3395-FE92-30C7-C8A6AC62DE62}"/>
+              </a:ext>
+            </a:extLst>
+          </p:cNvPr>
+          <p:cNvCxnSpPr>
+            <a:cxnSpLocks/>
+          </p:cNvCxnSpPr>
+          <p:nvPr/>
+        </p:nvCxnSpPr>
+        <p:spPr>
+          <a:xfrm>
+            <a:off x="221274" y="1191756"/>
+            <a:ext cx="7305799" cy="0"/>
+          </a:xfrm>
+          <a:prstGeom prst="line">
+            <a:avLst/>
+          </a:prstGeom>
+          <a:ln w="28575">
+            <a:solidFill>
+              <a:schemeClr val="accent6"/>
+            </a:solidFill>
+          </a:ln>
+        </p:spPr>
+        <p:style>
+          <a:lnRef idx="1">
+            <a:schemeClr val="accent1"/>
+          </a:lnRef>
+          <a:fillRef idx="0">
+            <a:schemeClr val="accent1"/>
+          </a:fillRef>
+          <a:effectRef idx="0">
+            <a:schemeClr val="accent1"/>
+          </a:effectRef>
+          <a:fontRef idx="minor">
+            <a:schemeClr val="tx1"/>
+          </a:fontRef>
+        </p:style>
+      </p:cxnSp>
+      <p:sp>
+        <p:nvSpPr>
+          <p:cNvPr id="4" name="TextBox 3">
+            <a:extLst>
+              <a:ext uri="{FF2B5EF4-FFF2-40B4-BE49-F238E27FC236}">
+                <a16:creationId xmlns:a16="http://schemas.microsoft.com/office/drawing/2014/main" id="{2D91B1D4-191E-E882-BD37-9FBAED57B57F}"/>
+              </a:ext>
+            </a:extLst>
+          </p:cNvPr>
+          <p:cNvSpPr txBox="1"/>
+          <p:nvPr/>
+        </p:nvSpPr>
+        <p:spPr>
+          <a:xfrm>
+            <a:off x="6093893" y="57036"/>
+            <a:ext cx="6098107" cy="646331"/>
+          </a:xfrm>
+          <a:prstGeom prst="rect">
+            <a:avLst/>
+          </a:prstGeom>
+          <a:noFill/>
+        </p:spPr>
+        <p:txBody>
+          <a:bodyPr wrap="square" rtlCol="0">
+            <a:spAutoFit/>
+          </a:bodyPr>
+          <a:lstStyle/>
+          <a:p>
+            <a:pPr algn="r"/>
+            <a:r>
+              <a:rPr lang="en-US" sz="1800" b="1" i="1" dirty="0">
+                <a:solidFill>
+                  <a:srgbClr val="FFFFFF"/>
+                </a:solidFill>
+              </a:rPr>
+              <a:t>Project Title -  Calibri body 18</a:t>
+            </a:r>
+          </a:p>
+          <a:p>
+            <a:pPr algn="r"/>
+            <a:endParaRPr lang="en-US" dirty="0"/>
+          </a:p>
+        </p:txBody>
+      </p:sp>
+    </p:spTree>
+    <p:extLst>
+      <p:ext uri="{BB962C8B-B14F-4D97-AF65-F5344CB8AC3E}">
+        <p14:creationId xmlns:p14="http://schemas.microsoft.com/office/powerpoint/2010/main" val="2088180620"/>
+      </p:ext>
+    </p:extLst>
+  </p:cSld>
+  <p:clrMapOvr>
+    <a:masterClrMapping/>
+  </p:clrMapOvr>
+  <mc:AlternateContent xmlns:mc="http://schemas.openxmlformats.org/markup-compatibility/2006" xmlns:p14="http://schemas.microsoft.com/office/powerpoint/2010/main">
+    <mc:Choice Requires="p14">
+      <p:transition spd="med" p14:dur="700">
+        <p:fade/>
+      </p:transition>
+    </mc:Choice>
+    <mc:Fallback xmlns="">
+      <p:transition spd="med">
+        <p:fade/>
+      </p:transition>
+    </mc:Fallback>
+  </mc:AlternateContent>
+  <p:timing>
+    <p:tnLst>
+      <p:par>
+        <p:cTn id="1" dur="indefinite" restart="never" nodeType="tmRoot">
+          <p:childTnLst>
+            <p:seq concurrent="1" nextAc="seek">
+              <p:cTn id="2" dur="indefinite" nodeType="mainSeq">
+                <p:childTnLst>
+                  <p:par>
+                    <p:cTn id="3" fill="hold">
+                      <p:stCondLst>
+                        <p:cond delay="indefinite"/>
+                      </p:stCondLst>
+                      <p:childTnLst>
+                        <p:par>
+                          <p:cTn id="4" fill="hold">
+                            <p:stCondLst>
+                              <p:cond delay="0"/>
+                            </p:stCondLst>
+                            <p:childTnLst>
+                              <p:par>
+                                <p:cTn id="5" presetID="1" presetClass="entr" presetSubtype="0" fill="hold" grpId="0" nodeType="clickEffect">
+                                  <p:stCondLst>
+                                    <p:cond delay="0"/>
+                                  </p:stCondLst>
+                                  <p:childTnLst>
+                                    <p:set>
+                                      <p:cBhvr>
+                                        <p:cTn id="6" dur="1" fill="hold">
+                                          <p:stCondLst>
+                                            <p:cond delay="0"/>
+                                          </p:stCondLst>
+                                        </p:cTn>
+                                        <p:tgtEl>
+                                          <p:spTgt spid="2">
+                                            <p:txEl>
+                                              <p:pRg st="0" end="0"/>
+                                            </p:txEl>
+                                          </p:spTgt>
+                                        </p:tgtEl>
+                                        <p:attrNameLst>
+                                          <p:attrName>style.visibility</p:attrName>
+                                        </p:attrNameLst>
+                                      </p:cBhvr>
+                                      <p:to>
+                                        <p:strVal val="visible"/>
+                                      </p:to>
+                                    </p:set>
+                                  </p:childTnLst>
+                                </p:cTn>
+                              </p:par>
+                            </p:childTnLst>
+                          </p:cTn>
+                        </p:par>
+                      </p:childTnLst>
+                    </p:cTn>
+                  </p:par>
+                  <p:par>
+                    <p:cTn id="7" fill="hold">
+                      <p:stCondLst>
+                        <p:cond delay="indefinite"/>
+                      </p:stCondLst>
+                      <p:childTnLst>
+                        <p:par>
+                          <p:cTn id="8" fill="hold">
+                            <p:stCondLst>
+                              <p:cond delay="0"/>
+                            </p:stCondLst>
+                            <p:childTnLst>
+                              <p:par>
+                                <p:cTn id="9" presetID="1" presetClass="entr" presetSubtype="0" fill="hold" grpId="0" nodeType="clickEffect">
+                                  <p:stCondLst>
+                                    <p:cond delay="0"/>
+                                  </p:stCondLst>
+                                  <p:childTnLst>
+                                    <p:set>
+                                      <p:cBhvr>
+                                        <p:cTn id="10" dur="1" fill="hold">
+                                          <p:stCondLst>
+                                            <p:cond delay="0"/>
+                                          </p:stCondLst>
+                                        </p:cTn>
+                                        <p:tgtEl>
+                                          <p:spTgt spid="2">
+                                            <p:txEl>
+                                              <p:pRg st="1" end="1"/>
+                                            </p:txEl>
+                                          </p:spTgt>
+                                        </p:tgtEl>
+                                        <p:attrNameLst>
+                                          <p:attrName>style.visibility</p:attrName>
+                                        </p:attrNameLst>
+                                      </p:cBhvr>
+                                      <p:to>
+                                        <p:strVal val="visible"/>
+                                      </p:to>
+                                    </p:set>
+                                  </p:childTnLst>
+                                </p:cTn>
+                              </p:par>
+                            </p:childTnLst>
+                          </p:cTn>
+                        </p:par>
+                      </p:childTnLst>
+                    </p:cTn>
+                  </p:par>
+                  <p:par>
+                    <p:cTn id="11" fill="hold">
+                      <p:stCondLst>
+                        <p:cond delay="indefinite"/>
+                      </p:stCondLst>
+                      <p:childTnLst>
+                        <p:par>
+                          <p:cTn id="12" fill="hold">
+                            <p:stCondLst>
+                              <p:cond delay="0"/>
+                            </p:stCondLst>
+                            <p:childTnLst>
+                              <p:par>
+                                <p:cTn id="13" presetID="1" presetClass="entr" presetSubtype="0" fill="hold" grpId="0" nodeType="clickEffect">
+                                  <p:stCondLst>
+                                    <p:cond delay="0"/>
+                                  </p:stCondLst>
+                                  <p:childTnLst>
+                                    <p:set>
+                                      <p:cBhvr>
+                                        <p:cTn id="14" dur="1" fill="hold">
+                                          <p:stCondLst>
+                                            <p:cond delay="0"/>
+                                          </p:stCondLst>
+                                        </p:cTn>
+                                        <p:tgtEl>
+                                          <p:spTgt spid="2">
+                                            <p:txEl>
+                                              <p:pRg st="2" end="2"/>
+                                            </p:txEl>
+                                          </p:spTgt>
+                                        </p:tgtEl>
+                                        <p:attrNameLst>
+                                          <p:attrName>style.visibility</p:attrName>
+                                        </p:attrNameLst>
+                                      </p:cBhvr>
+                                      <p:to>
+                                        <p:strVal val="visible"/>
+                                      </p:to>
+                                    </p:set>
+                                  </p:childTnLst>
+                                </p:cTn>
+                              </p:par>
+                            </p:childTnLst>
+                          </p:cTn>
+                        </p:par>
+                      </p:childTnLst>
+                    </p:cTn>
+                  </p:par>
+                </p:childTnLst>
+              </p:cTn>
+              <p:prevCondLst>
+                <p:cond evt="onPrev" delay="0">
+                  <p:tgtEl>
+                    <p:sldTgt/>
+                  </p:tgtEl>
+                </p:cond>
+              </p:prevCondLst>
+              <p:nextCondLst>
+                <p:cond evt="onNext" delay="0">
+                  <p:tgtEl>
+                    <p:sldTgt/>
+                  </p:tgtEl>
+                </p:cond>
+              </p:nextCondLst>
+            </p:seq>
+          </p:childTnLst>
+        </p:cTn>
+      </p:par>
+    </p:tnLst>
+    <p:bldLst>
+      <p:bldP spid="2" grpId="0" uiExpand="1" build="p"/>
+    </p:bldLst>
+  </p:timing>
+</p:sld>
+</file>
+
 <file path=ppt/slides/slide3.xml><?xml version="1.0" encoding="utf-8"?>
 <p:sld xmlns:a="http://schemas.openxmlformats.org/drawingml/2006/main" xmlns:r="http://schemas.openxmlformats.org/officeDocument/2006/relationships" xmlns:p="http://schemas.openxmlformats.org/presentationml/2006/main">
   <p:cSld>
@@ -4485,21 +9206,87 @@
           <a:bodyPr/>
           <a:lstStyle/>
           <a:p>
+            <a:pPr>
+              <a:lnSpc>
+                <a:spcPct val="150000"/>
+              </a:lnSpc>
+            </a:pPr>
+            <a:r>
+              <a:rPr lang="en-US" sz="2400" b="0" dirty="0">
+                <a:solidFill>
+                  <a:schemeClr val="tx1"/>
+                </a:solidFill>
+              </a:rPr>
+              <a:t>Predict diabetes risk using clinical and dietary data.</a:t>
+            </a:r>
+          </a:p>
+          <a:p>
+            <a:pPr>
+              <a:lnSpc>
+                <a:spcPct val="150000"/>
+              </a:lnSpc>
+            </a:pPr>
+            <a:r>
+              <a:rPr lang="en-US" sz="2400" b="0" dirty="0">
+                <a:solidFill>
+                  <a:schemeClr val="tx1"/>
+                </a:solidFill>
+              </a:rPr>
+              <a:t>Analyze meals using NLP for calorie/sugar estimation.</a:t>
+            </a:r>
+          </a:p>
+          <a:p>
+            <a:pPr>
+              <a:lnSpc>
+                <a:spcPct val="150000"/>
+              </a:lnSpc>
+            </a:pPr>
+            <a:r>
+              <a:rPr lang="en-US" sz="2400" b="0" dirty="0">
+                <a:solidFill>
+                  <a:schemeClr val="tx1"/>
+                </a:solidFill>
+              </a:rPr>
+              <a:t>Classify users into risk levels using ML.</a:t>
+            </a:r>
+          </a:p>
+          <a:p>
+            <a:pPr>
+              <a:lnSpc>
+                <a:spcPct val="150000"/>
+              </a:lnSpc>
+            </a:pPr>
+            <a:r>
+              <a:rPr lang="en-US" sz="2400" b="0" dirty="0">
+                <a:solidFill>
+                  <a:schemeClr val="tx1"/>
+                </a:solidFill>
+              </a:rPr>
+              <a:t>Provide personalized lifestyle recommendations.</a:t>
+            </a:r>
+          </a:p>
+          <a:p>
+            <a:pPr>
+              <a:lnSpc>
+                <a:spcPct val="150000"/>
+              </a:lnSpc>
+            </a:pPr>
+            <a:r>
+              <a:rPr lang="en-US" sz="2400" b="0" dirty="0">
+                <a:solidFill>
+                  <a:schemeClr val="tx1"/>
+                </a:solidFill>
+              </a:rPr>
+              <a:t>Build a secure, user-friendly system.</a:t>
+            </a:r>
+          </a:p>
+          <a:p>
             <a:pPr marL="0" indent="0">
               <a:lnSpc>
                 <a:spcPct val="150000"/>
               </a:lnSpc>
               <a:buNone/>
             </a:pPr>
-            <a:r>
-              <a:rPr lang="en-US" sz="2400" b="0" dirty="0">
-                <a:solidFill>
-                  <a:srgbClr val="5583D1"/>
-                </a:solidFill>
-                <a:latin typeface="+mn-lt"/>
-              </a:rPr>
-              <a:t>Calibri body 28</a:t>
-            </a:r>
             <a:endParaRPr lang="en-US" sz="2400" b="0" dirty="0">
               <a:solidFill>
                 <a:srgbClr val="5583D1"/>
@@ -4721,6 +9508,202 @@
                                           <p:spTgt spid="2">
                                             <p:txEl>
                                               <p:pRg st="0" end="0"/>
+                                            </p:txEl>
+                                          </p:spTgt>
+                                        </p:tgtEl>
+                                        <p:attrNameLst>
+                                          <p:attrName>style.visibility</p:attrName>
+                                        </p:attrNameLst>
+                                      </p:cBhvr>
+                                      <p:to>
+                                        <p:strVal val="visible"/>
+                                      </p:to>
+                                    </p:set>
+                                  </p:childTnLst>
+                                </p:cTn>
+                              </p:par>
+                            </p:childTnLst>
+                          </p:cTn>
+                        </p:par>
+                      </p:childTnLst>
+                    </p:cTn>
+                  </p:par>
+                  <p:par>
+                    <p:cTn id="7" fill="hold">
+                      <p:stCondLst>
+                        <p:cond delay="indefinite"/>
+                      </p:stCondLst>
+                      <p:childTnLst>
+                        <p:par>
+                          <p:cTn id="8" fill="hold">
+                            <p:stCondLst>
+                              <p:cond delay="0"/>
+                            </p:stCondLst>
+                            <p:childTnLst>
+                              <p:par>
+                                <p:cTn id="9" presetID="1" presetClass="entr" presetSubtype="0" fill="hold" grpId="0" nodeType="clickEffect">
+                                  <p:stCondLst>
+                                    <p:cond delay="0"/>
+                                  </p:stCondLst>
+                                  <p:childTnLst>
+                                    <p:set>
+                                      <p:cBhvr>
+                                        <p:cTn id="10" dur="1" fill="hold">
+                                          <p:stCondLst>
+                                            <p:cond delay="0"/>
+                                          </p:stCondLst>
+                                        </p:cTn>
+                                        <p:tgtEl>
+                                          <p:spTgt spid="2">
+                                            <p:txEl>
+                                              <p:pRg st="1" end="1"/>
+                                            </p:txEl>
+                                          </p:spTgt>
+                                        </p:tgtEl>
+                                        <p:attrNameLst>
+                                          <p:attrName>style.visibility</p:attrName>
+                                        </p:attrNameLst>
+                                      </p:cBhvr>
+                                      <p:to>
+                                        <p:strVal val="visible"/>
+                                      </p:to>
+                                    </p:set>
+                                  </p:childTnLst>
+                                </p:cTn>
+                              </p:par>
+                            </p:childTnLst>
+                          </p:cTn>
+                        </p:par>
+                      </p:childTnLst>
+                    </p:cTn>
+                  </p:par>
+                  <p:par>
+                    <p:cTn id="11" fill="hold">
+                      <p:stCondLst>
+                        <p:cond delay="indefinite"/>
+                      </p:stCondLst>
+                      <p:childTnLst>
+                        <p:par>
+                          <p:cTn id="12" fill="hold">
+                            <p:stCondLst>
+                              <p:cond delay="0"/>
+                            </p:stCondLst>
+                            <p:childTnLst>
+                              <p:par>
+                                <p:cTn id="13" presetID="1" presetClass="entr" presetSubtype="0" fill="hold" grpId="0" nodeType="clickEffect">
+                                  <p:stCondLst>
+                                    <p:cond delay="0"/>
+                                  </p:stCondLst>
+                                  <p:childTnLst>
+                                    <p:set>
+                                      <p:cBhvr>
+                                        <p:cTn id="14" dur="1" fill="hold">
+                                          <p:stCondLst>
+                                            <p:cond delay="0"/>
+                                          </p:stCondLst>
+                                        </p:cTn>
+                                        <p:tgtEl>
+                                          <p:spTgt spid="2">
+                                            <p:txEl>
+                                              <p:pRg st="2" end="2"/>
+                                            </p:txEl>
+                                          </p:spTgt>
+                                        </p:tgtEl>
+                                        <p:attrNameLst>
+                                          <p:attrName>style.visibility</p:attrName>
+                                        </p:attrNameLst>
+                                      </p:cBhvr>
+                                      <p:to>
+                                        <p:strVal val="visible"/>
+                                      </p:to>
+                                    </p:set>
+                                  </p:childTnLst>
+                                </p:cTn>
+                              </p:par>
+                            </p:childTnLst>
+                          </p:cTn>
+                        </p:par>
+                      </p:childTnLst>
+                    </p:cTn>
+                  </p:par>
+                  <p:par>
+                    <p:cTn id="15" fill="hold">
+                      <p:stCondLst>
+                        <p:cond delay="indefinite"/>
+                      </p:stCondLst>
+                      <p:childTnLst>
+                        <p:par>
+                          <p:cTn id="16" fill="hold">
+                            <p:stCondLst>
+                              <p:cond delay="0"/>
+                            </p:stCondLst>
+                            <p:childTnLst>
+                              <p:par>
+                                <p:cTn id="17" presetID="1" presetClass="entr" presetSubtype="0" fill="hold" grpId="0" nodeType="clickEffect">
+                                  <p:stCondLst>
+                                    <p:cond delay="0"/>
+                                  </p:stCondLst>
+                                  <p:childTnLst>
+                                    <p:set>
+                                      <p:cBhvr>
+                                        <p:cTn id="18" dur="1" fill="hold">
+                                          <p:stCondLst>
+                                            <p:cond delay="0"/>
+                                          </p:stCondLst>
+                                        </p:cTn>
+                                        <p:tgtEl>
+                                          <p:spTgt spid="2">
+                                            <p:txEl>
+                                              <p:pRg st="3" end="3"/>
+                                            </p:txEl>
+                                          </p:spTgt>
+                                        </p:tgtEl>
+                                        <p:attrNameLst>
+                                          <p:attrName>style.visibility</p:attrName>
+                                        </p:attrNameLst>
+                                      </p:cBhvr>
+                                      <p:to>
+                                        <p:strVal val="visible"/>
+                                      </p:to>
+                                    </p:set>
+                                  </p:childTnLst>
+                                </p:cTn>
+                              </p:par>
+                            </p:childTnLst>
+                          </p:cTn>
+                        </p:par>
+                      </p:childTnLst>
+                    </p:cTn>
+                  </p:par>
+                  <p:par>
+                    <p:cTn id="19" fill="hold">
+                      <p:stCondLst>
+                        <p:cond delay="indefinite"/>
+                      </p:stCondLst>
+                      <p:childTnLst>
+                        <p:par>
+                          <p:cTn id="20" fill="hold">
+                            <p:stCondLst>
+                              <p:cond delay="0"/>
+                            </p:stCondLst>
+                            <p:childTnLst>
+                              <p:par>
+                                <p:cTn id="21" presetID="1" presetClass="entr" presetSubtype="0" fill="hold" grpId="0" nodeType="clickEffect">
+                                  <p:stCondLst>
+                                    <p:cond delay="0"/>
+                                  </p:stCondLst>
+                                  <p:childTnLst>
+                                    <p:set>
+                                      <p:cBhvr>
+                                        <p:cTn id="22" dur="1" fill="hold">
+                                          <p:stCondLst>
+                                            <p:cond delay="0"/>
+                                          </p:stCondLst>
+                                        </p:cTn>
+                                        <p:tgtEl>
+                                          <p:spTgt spid="2">
+                                            <p:txEl>
+                                              <p:pRg st="4" end="4"/>
                                             </p:txEl>
                                           </p:spTgt>
                                         </p:tgtEl>
@@ -4807,73 +9790,108 @@
           <a:bodyPr/>
           <a:lstStyle/>
           <a:p>
+            <a:r>
+              <a:rPr lang="en-US" dirty="0">
+                <a:solidFill>
+                  <a:schemeClr val="tx1"/>
+                </a:solidFill>
+              </a:rPr>
+              <a:t>User Authentication Module</a:t>
+            </a:r>
+            <a:endParaRPr lang="en-US" b="0" dirty="0">
+              <a:solidFill>
+                <a:schemeClr val="tx1"/>
+              </a:solidFill>
+            </a:endParaRPr>
+          </a:p>
+          <a:p>
+            <a:pPr lvl="1"/>
+            <a:r>
+              <a:rPr lang="en-US" sz="2800" dirty="0"/>
+              <a:t>Azure AD integration </a:t>
+            </a:r>
+          </a:p>
+          <a:p>
+            <a:pPr lvl="1"/>
+            <a:r>
+              <a:rPr lang="en-US" sz="2800" dirty="0"/>
+              <a:t>Secure login and session management</a:t>
+            </a:r>
+          </a:p>
+          <a:p>
+            <a:r>
+              <a:rPr lang="en-US" dirty="0">
+                <a:solidFill>
+                  <a:schemeClr val="tx1"/>
+                </a:solidFill>
+              </a:rPr>
+              <a:t>Clinical Data Input Module</a:t>
+            </a:r>
+            <a:endParaRPr lang="en-US" b="0" dirty="0">
+              <a:solidFill>
+                <a:schemeClr val="tx1"/>
+              </a:solidFill>
+            </a:endParaRPr>
+          </a:p>
+          <a:p>
+            <a:pPr lvl="1"/>
+            <a:r>
+              <a:rPr lang="en-US" sz="2800" dirty="0"/>
+              <a:t>Form for entering glucose, BMI, blood pressure, age, family history</a:t>
+            </a:r>
+          </a:p>
+          <a:p>
+            <a:pPr lvl="1"/>
+            <a:r>
+              <a:rPr lang="en-US" sz="2800" dirty="0"/>
+              <a:t>Validation and preprocessing of inputs</a:t>
+            </a:r>
+          </a:p>
+          <a:p>
+            <a:r>
+              <a:rPr lang="en-US" dirty="0">
+                <a:solidFill>
+                  <a:schemeClr val="tx1"/>
+                </a:solidFill>
+              </a:rPr>
+              <a:t>Meal Logging Module</a:t>
+            </a:r>
+            <a:endParaRPr lang="en-US" b="0" dirty="0">
+              <a:solidFill>
+                <a:schemeClr val="tx1"/>
+              </a:solidFill>
+            </a:endParaRPr>
+          </a:p>
+          <a:p>
+            <a:pPr lvl="1"/>
+            <a:r>
+              <a:rPr lang="en-US" sz="2800" dirty="0"/>
+              <a:t>Text-based  box for food entries</a:t>
+            </a:r>
+          </a:p>
+          <a:p>
+            <a:pPr lvl="1"/>
+            <a:r>
+              <a:rPr lang="en-US" sz="2800" dirty="0"/>
+              <a:t>NLP processing </a:t>
+            </a:r>
+          </a:p>
+          <a:p>
+            <a:pPr lvl="1"/>
+            <a:r>
+              <a:rPr lang="en-US" sz="2800" dirty="0"/>
+              <a:t>Calorie and sugar estimation using </a:t>
+            </a:r>
+            <a:r>
+              <a:rPr lang="en-US" sz="2800" b="1" dirty="0"/>
+              <a:t>Indian Nutrition Dataset</a:t>
+            </a:r>
+            <a:endParaRPr lang="en-US" sz="2800" dirty="0"/>
+          </a:p>
+          <a:p>
             <a:pPr marL="0" indent="0">
               <a:buNone/>
             </a:pPr>
-            <a:r>
-              <a:rPr lang="en-US" dirty="0">
-                <a:solidFill>
-                  <a:srgbClr val="5583D1"/>
-                </a:solidFill>
-                <a:latin typeface="+mn-lt"/>
-              </a:rPr>
-              <a:t>Subtopic - Calibri body -28</a:t>
-            </a:r>
-          </a:p>
-          <a:p>
-            <a:r>
-              <a:rPr lang="en-US" sz="2400" b="0" i="0" dirty="0">
-                <a:solidFill>
-                  <a:srgbClr val="242424"/>
-                </a:solidFill>
-                <a:effectLst/>
-                <a:highlight>
-                  <a:srgbClr val="FFFFFF"/>
-                </a:highlight>
-                <a:latin typeface="+mn-lt"/>
-              </a:rPr>
-              <a:t>Content</a:t>
-            </a:r>
-            <a:r>
-              <a:rPr lang="en-US" sz="2400" b="0" dirty="0">
-                <a:solidFill>
-                  <a:srgbClr val="242424"/>
-                </a:solidFill>
-                <a:highlight>
-                  <a:srgbClr val="FFFFFF"/>
-                </a:highlight>
-                <a:latin typeface="source-serif-pro"/>
-              </a:rPr>
-              <a:t> </a:t>
-            </a:r>
-            <a:r>
-              <a:rPr lang="en-US" sz="2400" b="0" dirty="0">
-                <a:solidFill>
-                  <a:srgbClr val="242424"/>
-                </a:solidFill>
-                <a:highlight>
-                  <a:srgbClr val="FFFFFF"/>
-                </a:highlight>
-                <a:latin typeface="+mn-lt"/>
-              </a:rPr>
-              <a:t>Calibri body -28</a:t>
-            </a:r>
-          </a:p>
-          <a:p>
-            <a:pPr>
-              <a:lnSpc>
-                <a:spcPct val="150000"/>
-              </a:lnSpc>
-            </a:pPr>
-            <a:r>
-              <a:rPr lang="en-US" sz="2400" b="0" dirty="0">
-                <a:solidFill>
-                  <a:srgbClr val="242424"/>
-                </a:solidFill>
-                <a:latin typeface="source-serif-pro"/>
-              </a:rPr>
-              <a:t>Calibri body -28</a:t>
-            </a:r>
             <a:endParaRPr lang="en-US" sz="2400" b="0" i="0" dirty="0">
               <a:solidFill>
                 <a:srgbClr val="242424"/>
@@ -5057,6 +10075,816 @@
     <p:extLst>
       <p:ext uri="{BB962C8B-B14F-4D97-AF65-F5344CB8AC3E}">
         <p14:creationId xmlns:p14="http://schemas.microsoft.com/office/powerpoint/2010/main" val="3377586287"/>
+      </p:ext>
+    </p:extLst>
+  </p:cSld>
+  <p:clrMapOvr>
+    <a:masterClrMapping/>
+  </p:clrMapOvr>
+  <mc:AlternateContent xmlns:mc="http://schemas.openxmlformats.org/markup-compatibility/2006" xmlns:p159="http://schemas.microsoft.com/office/powerpoint/2015/09/main">
+    <mc:Choice Requires="p159">
+      <p:transition xmlns:p14="http://schemas.microsoft.com/office/powerpoint/2010/main" spd="slow" p14:dur="2000">
+        <p159:morph option="byObject"/>
+      </p:transition>
+    </mc:Choice>
+    <mc:Fallback xmlns="">
+      <p:transition spd="slow">
+        <p:fade/>
+      </p:transition>
+    </mc:Fallback>
+  </mc:AlternateContent>
+  <p:timing>
+    <p:tnLst>
+      <p:par>
+        <p:cTn id="1" dur="indefinite" restart="never" nodeType="tmRoot">
+          <p:childTnLst>
+            <p:seq concurrent="1" nextAc="seek">
+              <p:cTn id="2" dur="indefinite" nodeType="mainSeq">
+                <p:childTnLst>
+                  <p:par>
+                    <p:cTn id="3" fill="hold">
+                      <p:stCondLst>
+                        <p:cond delay="indefinite"/>
+                        <p:cond evt="onBegin" delay="0">
+                          <p:tn val="2"/>
+                        </p:cond>
+                      </p:stCondLst>
+                      <p:childTnLst>
+                        <p:par>
+                          <p:cTn id="4" fill="hold">
+                            <p:stCondLst>
+                              <p:cond delay="0"/>
+                            </p:stCondLst>
+                            <p:childTnLst>
+                              <p:par>
+                                <p:cTn id="5" presetID="1" presetClass="entr" presetSubtype="0" fill="hold" nodeType="withEffect">
+                                  <p:stCondLst>
+                                    <p:cond delay="0"/>
+                                  </p:stCondLst>
+                                  <p:childTnLst>
+                                    <p:set>
+                                      <p:cBhvr>
+                                        <p:cTn id="6" dur="1" fill="hold">
+                                          <p:stCondLst>
+                                            <p:cond delay="0"/>
+                                          </p:stCondLst>
+                                        </p:cTn>
+                                        <p:tgtEl>
+                                          <p:spTgt spid="4"/>
+                                        </p:tgtEl>
+                                        <p:attrNameLst>
+                                          <p:attrName>style.visibility</p:attrName>
+                                        </p:attrNameLst>
+                                      </p:cBhvr>
+                                      <p:to>
+                                        <p:strVal val="visible"/>
+                                      </p:to>
+                                    </p:set>
+                                  </p:childTnLst>
+                                </p:cTn>
+                              </p:par>
+                            </p:childTnLst>
+                          </p:cTn>
+                        </p:par>
+                      </p:childTnLst>
+                    </p:cTn>
+                  </p:par>
+                  <p:par>
+                    <p:cTn id="7" fill="hold">
+                      <p:stCondLst>
+                        <p:cond delay="indefinite"/>
+                      </p:stCondLst>
+                      <p:childTnLst>
+                        <p:par>
+                          <p:cTn id="8" fill="hold">
+                            <p:stCondLst>
+                              <p:cond delay="0"/>
+                            </p:stCondLst>
+                            <p:childTnLst>
+                              <p:par>
+                                <p:cTn id="9" presetID="1" presetClass="entr" presetSubtype="0" fill="hold" grpId="0" nodeType="clickEffect">
+                                  <p:stCondLst>
+                                    <p:cond delay="0"/>
+                                  </p:stCondLst>
+                                  <p:childTnLst>
+                                    <p:set>
+                                      <p:cBhvr>
+                                        <p:cTn id="10" dur="1" fill="hold">
+                                          <p:stCondLst>
+                                            <p:cond delay="0"/>
+                                          </p:stCondLst>
+                                        </p:cTn>
+                                        <p:tgtEl>
+                                          <p:spTgt spid="2">
+                                            <p:txEl>
+                                              <p:pRg st="0" end="0"/>
+                                            </p:txEl>
+                                          </p:spTgt>
+                                        </p:tgtEl>
+                                        <p:attrNameLst>
+                                          <p:attrName>style.visibility</p:attrName>
+                                        </p:attrNameLst>
+                                      </p:cBhvr>
+                                      <p:to>
+                                        <p:strVal val="visible"/>
+                                      </p:to>
+                                    </p:set>
+                                  </p:childTnLst>
+                                </p:cTn>
+                              </p:par>
+                              <p:par>
+                                <p:cTn id="11" presetID="1" presetClass="entr" presetSubtype="0" fill="hold" grpId="0" nodeType="withEffect">
+                                  <p:stCondLst>
+                                    <p:cond delay="0"/>
+                                  </p:stCondLst>
+                                  <p:childTnLst>
+                                    <p:set>
+                                      <p:cBhvr>
+                                        <p:cTn id="12" dur="1" fill="hold">
+                                          <p:stCondLst>
+                                            <p:cond delay="0"/>
+                                          </p:stCondLst>
+                                        </p:cTn>
+                                        <p:tgtEl>
+                                          <p:spTgt spid="2">
+                                            <p:txEl>
+                                              <p:pRg st="1" end="1"/>
+                                            </p:txEl>
+                                          </p:spTgt>
+                                        </p:tgtEl>
+                                        <p:attrNameLst>
+                                          <p:attrName>style.visibility</p:attrName>
+                                        </p:attrNameLst>
+                                      </p:cBhvr>
+                                      <p:to>
+                                        <p:strVal val="visible"/>
+                                      </p:to>
+                                    </p:set>
+                                  </p:childTnLst>
+                                </p:cTn>
+                              </p:par>
+                              <p:par>
+                                <p:cTn id="13" presetID="1" presetClass="entr" presetSubtype="0" fill="hold" grpId="0" nodeType="withEffect">
+                                  <p:stCondLst>
+                                    <p:cond delay="0"/>
+                                  </p:stCondLst>
+                                  <p:childTnLst>
+                                    <p:set>
+                                      <p:cBhvr>
+                                        <p:cTn id="14" dur="1" fill="hold">
+                                          <p:stCondLst>
+                                            <p:cond delay="0"/>
+                                          </p:stCondLst>
+                                        </p:cTn>
+                                        <p:tgtEl>
+                                          <p:spTgt spid="2">
+                                            <p:txEl>
+                                              <p:pRg st="2" end="2"/>
+                                            </p:txEl>
+                                          </p:spTgt>
+                                        </p:tgtEl>
+                                        <p:attrNameLst>
+                                          <p:attrName>style.visibility</p:attrName>
+                                        </p:attrNameLst>
+                                      </p:cBhvr>
+                                      <p:to>
+                                        <p:strVal val="visible"/>
+                                      </p:to>
+                                    </p:set>
+                                  </p:childTnLst>
+                                </p:cTn>
+                              </p:par>
+                            </p:childTnLst>
+                          </p:cTn>
+                        </p:par>
+                      </p:childTnLst>
+                    </p:cTn>
+                  </p:par>
+                  <p:par>
+                    <p:cTn id="15" fill="hold">
+                      <p:stCondLst>
+                        <p:cond delay="indefinite"/>
+                      </p:stCondLst>
+                      <p:childTnLst>
+                        <p:par>
+                          <p:cTn id="16" fill="hold">
+                            <p:stCondLst>
+                              <p:cond delay="0"/>
+                            </p:stCondLst>
+                            <p:childTnLst>
+                              <p:par>
+                                <p:cTn id="17" presetID="1" presetClass="entr" presetSubtype="0" fill="hold" grpId="0" nodeType="clickEffect">
+                                  <p:stCondLst>
+                                    <p:cond delay="0"/>
+                                  </p:stCondLst>
+                                  <p:childTnLst>
+                                    <p:set>
+                                      <p:cBhvr>
+                                        <p:cTn id="18" dur="1" fill="hold">
+                                          <p:stCondLst>
+                                            <p:cond delay="0"/>
+                                          </p:stCondLst>
+                                        </p:cTn>
+                                        <p:tgtEl>
+                                          <p:spTgt spid="2">
+                                            <p:txEl>
+                                              <p:pRg st="3" end="3"/>
+                                            </p:txEl>
+                                          </p:spTgt>
+                                        </p:tgtEl>
+                                        <p:attrNameLst>
+                                          <p:attrName>style.visibility</p:attrName>
+                                        </p:attrNameLst>
+                                      </p:cBhvr>
+                                      <p:to>
+                                        <p:strVal val="visible"/>
+                                      </p:to>
+                                    </p:set>
+                                  </p:childTnLst>
+                                </p:cTn>
+                              </p:par>
+                              <p:par>
+                                <p:cTn id="19" presetID="1" presetClass="entr" presetSubtype="0" fill="hold" grpId="0" nodeType="withEffect">
+                                  <p:stCondLst>
+                                    <p:cond delay="0"/>
+                                  </p:stCondLst>
+                                  <p:childTnLst>
+                                    <p:set>
+                                      <p:cBhvr>
+                                        <p:cTn id="20" dur="1" fill="hold">
+                                          <p:stCondLst>
+                                            <p:cond delay="0"/>
+                                          </p:stCondLst>
+                                        </p:cTn>
+                                        <p:tgtEl>
+                                          <p:spTgt spid="2">
+                                            <p:txEl>
+                                              <p:pRg st="4" end="4"/>
+                                            </p:txEl>
+                                          </p:spTgt>
+                                        </p:tgtEl>
+                                        <p:attrNameLst>
+                                          <p:attrName>style.visibility</p:attrName>
+                                        </p:attrNameLst>
+                                      </p:cBhvr>
+                                      <p:to>
+                                        <p:strVal val="visible"/>
+                                      </p:to>
+                                    </p:set>
+                                  </p:childTnLst>
+                                </p:cTn>
+                              </p:par>
+                              <p:par>
+                                <p:cTn id="21" presetID="1" presetClass="entr" presetSubtype="0" fill="hold" grpId="0" nodeType="withEffect">
+                                  <p:stCondLst>
+                                    <p:cond delay="0"/>
+                                  </p:stCondLst>
+                                  <p:childTnLst>
+                                    <p:set>
+                                      <p:cBhvr>
+                                        <p:cTn id="22" dur="1" fill="hold">
+                                          <p:stCondLst>
+                                            <p:cond delay="0"/>
+                                          </p:stCondLst>
+                                        </p:cTn>
+                                        <p:tgtEl>
+                                          <p:spTgt spid="2">
+                                            <p:txEl>
+                                              <p:pRg st="5" end="5"/>
+                                            </p:txEl>
+                                          </p:spTgt>
+                                        </p:tgtEl>
+                                        <p:attrNameLst>
+                                          <p:attrName>style.visibility</p:attrName>
+                                        </p:attrNameLst>
+                                      </p:cBhvr>
+                                      <p:to>
+                                        <p:strVal val="visible"/>
+                                      </p:to>
+                                    </p:set>
+                                  </p:childTnLst>
+                                </p:cTn>
+                              </p:par>
+                            </p:childTnLst>
+                          </p:cTn>
+                        </p:par>
+                      </p:childTnLst>
+                    </p:cTn>
+                  </p:par>
+                  <p:par>
+                    <p:cTn id="23" fill="hold">
+                      <p:stCondLst>
+                        <p:cond delay="indefinite"/>
+                      </p:stCondLst>
+                      <p:childTnLst>
+                        <p:par>
+                          <p:cTn id="24" fill="hold">
+                            <p:stCondLst>
+                              <p:cond delay="0"/>
+                            </p:stCondLst>
+                            <p:childTnLst>
+                              <p:par>
+                                <p:cTn id="25" presetID="1" presetClass="entr" presetSubtype="0" fill="hold" grpId="0" nodeType="clickEffect">
+                                  <p:stCondLst>
+                                    <p:cond delay="0"/>
+                                  </p:stCondLst>
+                                  <p:childTnLst>
+                                    <p:set>
+                                      <p:cBhvr>
+                                        <p:cTn id="26" dur="1" fill="hold">
+                                          <p:stCondLst>
+                                            <p:cond delay="0"/>
+                                          </p:stCondLst>
+                                        </p:cTn>
+                                        <p:tgtEl>
+                                          <p:spTgt spid="2">
+                                            <p:txEl>
+                                              <p:pRg st="6" end="6"/>
+                                            </p:txEl>
+                                          </p:spTgt>
+                                        </p:tgtEl>
+                                        <p:attrNameLst>
+                                          <p:attrName>style.visibility</p:attrName>
+                                        </p:attrNameLst>
+                                      </p:cBhvr>
+                                      <p:to>
+                                        <p:strVal val="visible"/>
+                                      </p:to>
+                                    </p:set>
+                                  </p:childTnLst>
+                                </p:cTn>
+                              </p:par>
+                              <p:par>
+                                <p:cTn id="27" presetID="1" presetClass="entr" presetSubtype="0" fill="hold" grpId="0" nodeType="withEffect">
+                                  <p:stCondLst>
+                                    <p:cond delay="0"/>
+                                  </p:stCondLst>
+                                  <p:childTnLst>
+                                    <p:set>
+                                      <p:cBhvr>
+                                        <p:cTn id="28" dur="1" fill="hold">
+                                          <p:stCondLst>
+                                            <p:cond delay="0"/>
+                                          </p:stCondLst>
+                                        </p:cTn>
+                                        <p:tgtEl>
+                                          <p:spTgt spid="2">
+                                            <p:txEl>
+                                              <p:pRg st="7" end="7"/>
+                                            </p:txEl>
+                                          </p:spTgt>
+                                        </p:tgtEl>
+                                        <p:attrNameLst>
+                                          <p:attrName>style.visibility</p:attrName>
+                                        </p:attrNameLst>
+                                      </p:cBhvr>
+                                      <p:to>
+                                        <p:strVal val="visible"/>
+                                      </p:to>
+                                    </p:set>
+                                  </p:childTnLst>
+                                </p:cTn>
+                              </p:par>
+                              <p:par>
+                                <p:cTn id="29" presetID="1" presetClass="entr" presetSubtype="0" fill="hold" grpId="0" nodeType="withEffect">
+                                  <p:stCondLst>
+                                    <p:cond delay="0"/>
+                                  </p:stCondLst>
+                                  <p:childTnLst>
+                                    <p:set>
+                                      <p:cBhvr>
+                                        <p:cTn id="30" dur="1" fill="hold">
+                                          <p:stCondLst>
+                                            <p:cond delay="0"/>
+                                          </p:stCondLst>
+                                        </p:cTn>
+                                        <p:tgtEl>
+                                          <p:spTgt spid="2">
+                                            <p:txEl>
+                                              <p:pRg st="8" end="8"/>
+                                            </p:txEl>
+                                          </p:spTgt>
+                                        </p:tgtEl>
+                                        <p:attrNameLst>
+                                          <p:attrName>style.visibility</p:attrName>
+                                        </p:attrNameLst>
+                                      </p:cBhvr>
+                                      <p:to>
+                                        <p:strVal val="visible"/>
+                                      </p:to>
+                                    </p:set>
+                                  </p:childTnLst>
+                                </p:cTn>
+                              </p:par>
+                              <p:par>
+                                <p:cTn id="31" presetID="1" presetClass="entr" presetSubtype="0" fill="hold" grpId="0" nodeType="withEffect">
+                                  <p:stCondLst>
+                                    <p:cond delay="0"/>
+                                  </p:stCondLst>
+                                  <p:childTnLst>
+                                    <p:set>
+                                      <p:cBhvr>
+                                        <p:cTn id="32" dur="1" fill="hold">
+                                          <p:stCondLst>
+                                            <p:cond delay="0"/>
+                                          </p:stCondLst>
+                                        </p:cTn>
+                                        <p:tgtEl>
+                                          <p:spTgt spid="2">
+                                            <p:txEl>
+                                              <p:pRg st="9" end="9"/>
+                                            </p:txEl>
+                                          </p:spTgt>
+                                        </p:tgtEl>
+                                        <p:attrNameLst>
+                                          <p:attrName>style.visibility</p:attrName>
+                                        </p:attrNameLst>
+                                      </p:cBhvr>
+                                      <p:to>
+                                        <p:strVal val="visible"/>
+                                      </p:to>
+                                    </p:set>
+                                  </p:childTnLst>
+                                </p:cTn>
+                              </p:par>
+                            </p:childTnLst>
+                          </p:cTn>
+                        </p:par>
+                      </p:childTnLst>
+                    </p:cTn>
+                  </p:par>
+                </p:childTnLst>
+              </p:cTn>
+              <p:prevCondLst>
+                <p:cond evt="onPrev" delay="0">
+                  <p:tgtEl>
+                    <p:sldTgt/>
+                  </p:tgtEl>
+                </p:cond>
+              </p:prevCondLst>
+              <p:nextCondLst>
+                <p:cond evt="onNext" delay="0">
+                  <p:tgtEl>
+                    <p:sldTgt/>
+                  </p:tgtEl>
+                </p:cond>
+              </p:nextCondLst>
+            </p:seq>
+          </p:childTnLst>
+        </p:cTn>
+      </p:par>
+    </p:tnLst>
+    <p:bldLst>
+      <p:bldP spid="2" grpId="0" uiExpand="1" build="p"/>
+    </p:bldLst>
+  </p:timing>
+</p:sld>
+</file>
+
+<file path=ppt/slides/slide5.xml><?xml version="1.0" encoding="utf-8"?>
+<p:sld xmlns:a="http://schemas.openxmlformats.org/drawingml/2006/main" xmlns:r="http://schemas.openxmlformats.org/officeDocument/2006/relationships" xmlns:p="http://schemas.openxmlformats.org/presentationml/2006/main">
+  <p:cSld>
+    <p:spTree>
+      <p:nvGrpSpPr>
+        <p:cNvPr id="1" name="">
+          <a:extLst>
+            <a:ext uri="{FF2B5EF4-FFF2-40B4-BE49-F238E27FC236}">
+              <a16:creationId xmlns:a16="http://schemas.microsoft.com/office/drawing/2014/main" id="{7570CE46-C814-6913-F0CD-DBC4F073CEA7}"/>
+            </a:ext>
+          </a:extLst>
+        </p:cNvPr>
+        <p:cNvGrpSpPr/>
+        <p:nvPr/>
+      </p:nvGrpSpPr>
+      <p:grpSpPr>
+        <a:xfrm>
+          <a:off x="0" y="0"/>
+          <a:ext cx="0" cy="0"/>
+          <a:chOff x="0" y="0"/>
+          <a:chExt cx="0" cy="0"/>
+        </a:xfrm>
+      </p:grpSpPr>
+      <p:sp>
+        <p:nvSpPr>
+          <p:cNvPr id="2" name="Text Placeholder 1">
+            <a:extLst>
+              <a:ext uri="{FF2B5EF4-FFF2-40B4-BE49-F238E27FC236}">
+                <a16:creationId xmlns:a16="http://schemas.microsoft.com/office/drawing/2014/main" id="{21A709CD-2B31-BC07-7E7A-24CD425A5AA3}"/>
+              </a:ext>
+            </a:extLst>
+          </p:cNvPr>
+          <p:cNvSpPr>
+            <a:spLocks noGrp="1"/>
+          </p:cNvSpPr>
+          <p:nvPr>
+            <p:ph type="body" sz="quarter" idx="13"/>
+          </p:nvPr>
+        </p:nvSpPr>
+        <p:spPr/>
+        <p:txBody>
+          <a:bodyPr/>
+          <a:lstStyle/>
+          <a:p>
+            <a:pPr marL="0" indent="0">
+              <a:buNone/>
+            </a:pPr>
+            <a:r>
+              <a:rPr lang="en-US" dirty="0">
+                <a:solidFill>
+                  <a:srgbClr val="5583D1"/>
+                </a:solidFill>
+                <a:latin typeface="+mn-lt"/>
+              </a:rPr>
+              <a:t>Subtopic - Calibri body -28</a:t>
+            </a:r>
+          </a:p>
+          <a:p>
+            <a:r>
+              <a:rPr lang="en-US" dirty="0">
+                <a:solidFill>
+                  <a:schemeClr val="tx1"/>
+                </a:solidFill>
+              </a:rPr>
+              <a:t>Risk Prediction Module</a:t>
+            </a:r>
+            <a:endParaRPr lang="en-US" b="0" dirty="0">
+              <a:solidFill>
+                <a:schemeClr val="tx1"/>
+              </a:solidFill>
+            </a:endParaRPr>
+          </a:p>
+          <a:p>
+            <a:pPr lvl="1"/>
+            <a:r>
+              <a:rPr lang="en-US" sz="2800" dirty="0"/>
+              <a:t>ML model (e.g.,</a:t>
+            </a:r>
+            <a:r>
+              <a:rPr lang="en-US" sz="2800" dirty="0" err="1"/>
+              <a:t>RandomForest</a:t>
+            </a:r>
+            <a:r>
+              <a:rPr lang="en-US" sz="2800" dirty="0"/>
+              <a:t>) for diabetes risk classification</a:t>
+            </a:r>
+          </a:p>
+          <a:p>
+            <a:pPr lvl="1"/>
+            <a:r>
+              <a:rPr lang="en-US" sz="2800" dirty="0"/>
+              <a:t>Uses clinical + nutritional data</a:t>
+            </a:r>
+          </a:p>
+          <a:p>
+            <a:r>
+              <a:rPr lang="en-US" dirty="0">
+                <a:solidFill>
+                  <a:schemeClr val="tx1"/>
+                </a:solidFill>
+              </a:rPr>
+              <a:t>Lifestyle Recommendation Module</a:t>
+            </a:r>
+            <a:endParaRPr lang="en-US" b="0" dirty="0">
+              <a:solidFill>
+                <a:schemeClr val="tx1"/>
+              </a:solidFill>
+            </a:endParaRPr>
+          </a:p>
+          <a:p>
+            <a:pPr lvl="1"/>
+            <a:r>
+              <a:rPr lang="en-US" sz="2800" dirty="0"/>
+              <a:t>Personalized suggestions based on risk level</a:t>
+            </a:r>
+          </a:p>
+          <a:p>
+            <a:pPr lvl="1"/>
+            <a:r>
+              <a:rPr lang="en-US" sz="2800" dirty="0"/>
+              <a:t>exercise, and follow-up advice</a:t>
+            </a:r>
+          </a:p>
+          <a:p>
+            <a:r>
+              <a:rPr lang="en-US" dirty="0">
+                <a:solidFill>
+                  <a:schemeClr val="tx1"/>
+                </a:solidFill>
+              </a:rPr>
+              <a:t>Frontend UI Module</a:t>
+            </a:r>
+            <a:endParaRPr lang="en-US" b="0" dirty="0">
+              <a:solidFill>
+                <a:schemeClr val="tx1"/>
+              </a:solidFill>
+            </a:endParaRPr>
+          </a:p>
+          <a:p>
+            <a:pPr lvl="1"/>
+            <a:r>
+              <a:rPr lang="en-US" sz="2800" dirty="0"/>
+              <a:t>Built with </a:t>
+            </a:r>
+            <a:r>
+              <a:rPr lang="en-US" sz="2800" b="1" dirty="0" err="1"/>
+              <a:t>Streamlit</a:t>
+            </a:r>
+            <a:endParaRPr lang="en-US" sz="2800" dirty="0"/>
+          </a:p>
+          <a:p>
+            <a:pPr lvl="1"/>
+            <a:r>
+              <a:rPr lang="en-US" sz="2800" dirty="0"/>
+              <a:t>Interactive dashboards and input forms</a:t>
+            </a:r>
+          </a:p>
+          <a:p>
+            <a:pPr marL="0" indent="0">
+              <a:buNone/>
+            </a:pPr>
+            <a:endParaRPr lang="en-US" sz="2400" b="0" i="0" dirty="0">
+              <a:solidFill>
+                <a:srgbClr val="242424"/>
+              </a:solidFill>
+              <a:effectLst/>
+              <a:highlight>
+                <a:srgbClr val="FFFFFF"/>
+              </a:highlight>
+              <a:latin typeface="source-serif-pro"/>
+            </a:endParaRPr>
+          </a:p>
+          <a:p>
+            <a:pPr lvl="1"/>
+            <a:endParaRPr lang="en-US" dirty="0">
+              <a:solidFill>
+                <a:srgbClr val="1C3898"/>
+              </a:solidFill>
+            </a:endParaRPr>
+          </a:p>
+        </p:txBody>
+      </p:sp>
+      <p:sp>
+        <p:nvSpPr>
+          <p:cNvPr id="3" name="TextBox 2">
+            <a:extLst>
+              <a:ext uri="{FF2B5EF4-FFF2-40B4-BE49-F238E27FC236}">
+                <a16:creationId xmlns:a16="http://schemas.microsoft.com/office/drawing/2014/main" id="{5EA84750-A5A7-F8BB-6EA5-FC8B6EE34178}"/>
+              </a:ext>
+            </a:extLst>
+          </p:cNvPr>
+          <p:cNvSpPr txBox="1"/>
+          <p:nvPr/>
+        </p:nvSpPr>
+        <p:spPr>
+          <a:xfrm>
+            <a:off x="255996" y="502545"/>
+            <a:ext cx="10624338" cy="646331"/>
+          </a:xfrm>
+          <a:prstGeom prst="rect">
+            <a:avLst/>
+          </a:prstGeom>
+          <a:noFill/>
+        </p:spPr>
+        <p:txBody>
+          <a:bodyPr wrap="square" rtlCol="0">
+            <a:spAutoFit/>
+          </a:bodyPr>
+          <a:lstStyle/>
+          <a:p>
+            <a:pPr lvl="0">
+              <a:defRPr/>
+            </a:pPr>
+            <a:r>
+              <a:rPr lang="en-US" sz="3600" b="1" dirty="0">
+                <a:solidFill>
+                  <a:srgbClr val="5B9BD5">
+                    <a:lumMod val="50000"/>
+                  </a:srgbClr>
+                </a:solidFill>
+                <a:latin typeface="Calibri" panose="020F0502020204030204"/>
+              </a:rPr>
+              <a:t>Module name - </a:t>
+            </a:r>
+            <a:r>
+              <a:rPr lang="en-US" sz="3600" b="1" dirty="0">
+                <a:solidFill>
+                  <a:srgbClr val="5B9BD5">
+                    <a:lumMod val="50000"/>
+                  </a:srgbClr>
+                </a:solidFill>
+              </a:rPr>
+              <a:t>Calibri body -36</a:t>
+            </a:r>
+            <a:endParaRPr kumimoji="0" lang="en-US" sz="3600" b="1" i="0" u="none" strike="noStrike" kern="1200" cap="none" spc="0" normalizeH="0" baseline="0" noProof="0" dirty="0">
+              <a:ln>
+                <a:noFill/>
+              </a:ln>
+              <a:solidFill>
+                <a:srgbClr val="5B9BD5">
+                  <a:lumMod val="50000"/>
+                </a:srgbClr>
+              </a:solidFill>
+              <a:effectLst/>
+              <a:uLnTx/>
+              <a:uFillTx/>
+              <a:latin typeface="Calibri" panose="020F0502020204030204"/>
+              <a:ea typeface="+mn-ea"/>
+              <a:cs typeface="+mn-cs"/>
+            </a:endParaRPr>
+          </a:p>
+        </p:txBody>
+      </p:sp>
+      <p:cxnSp>
+        <p:nvCxnSpPr>
+          <p:cNvPr id="4" name="Straight Connector 3">
+            <a:extLst>
+              <a:ext uri="{FF2B5EF4-FFF2-40B4-BE49-F238E27FC236}">
+                <a16:creationId xmlns:a16="http://schemas.microsoft.com/office/drawing/2014/main" id="{5DDE1D28-7287-C2C0-4260-CC892CE039B6}"/>
+              </a:ext>
+            </a:extLst>
+          </p:cNvPr>
+          <p:cNvCxnSpPr>
+            <a:cxnSpLocks/>
+          </p:cNvCxnSpPr>
+          <p:nvPr/>
+        </p:nvCxnSpPr>
+        <p:spPr>
+          <a:xfrm>
+            <a:off x="221274" y="1191756"/>
+            <a:ext cx="7305799" cy="0"/>
+          </a:xfrm>
+          <a:prstGeom prst="line">
+            <a:avLst/>
+          </a:prstGeom>
+          <a:ln w="28575">
+            <a:solidFill>
+              <a:schemeClr val="accent6"/>
+            </a:solidFill>
+          </a:ln>
+        </p:spPr>
+        <p:style>
+          <a:lnRef idx="1">
+            <a:schemeClr val="accent1"/>
+          </a:lnRef>
+          <a:fillRef idx="0">
+            <a:schemeClr val="accent1"/>
+          </a:fillRef>
+          <a:effectRef idx="0">
+            <a:schemeClr val="accent1"/>
+          </a:effectRef>
+          <a:fontRef idx="minor">
+            <a:schemeClr val="tx1"/>
+          </a:fontRef>
+        </p:style>
+      </p:cxnSp>
+      <p:sp>
+        <p:nvSpPr>
+          <p:cNvPr id="6" name="TextBox 5">
+            <a:extLst>
+              <a:ext uri="{FF2B5EF4-FFF2-40B4-BE49-F238E27FC236}">
+                <a16:creationId xmlns:a16="http://schemas.microsoft.com/office/drawing/2014/main" id="{63AFCB2E-8EE5-454D-C878-9E92126FF17E}"/>
+              </a:ext>
+            </a:extLst>
+          </p:cNvPr>
+          <p:cNvSpPr txBox="1"/>
+          <p:nvPr/>
+        </p:nvSpPr>
+        <p:spPr>
+          <a:xfrm>
+            <a:off x="6093893" y="57036"/>
+            <a:ext cx="6098107" cy="646331"/>
+          </a:xfrm>
+          <a:prstGeom prst="rect">
+            <a:avLst/>
+          </a:prstGeom>
+          <a:noFill/>
+        </p:spPr>
+        <p:txBody>
+          <a:bodyPr wrap="square" rtlCol="0">
+            <a:spAutoFit/>
+          </a:bodyPr>
+          <a:lstStyle/>
+          <a:p>
+            <a:pPr algn="r"/>
+            <a:r>
+              <a:rPr lang="en-US" b="1" i="1" dirty="0">
+                <a:solidFill>
+                  <a:srgbClr val="FFFFFF"/>
+                </a:solidFill>
+              </a:rPr>
+              <a:t>Project Title -  Calibri body 18</a:t>
+            </a:r>
+          </a:p>
+          <a:p>
+            <a:pPr algn="r"/>
+            <a:endParaRPr lang="en-US" dirty="0"/>
+          </a:p>
+        </p:txBody>
+      </p:sp>
+    </p:spTree>
+    <p:extLst>
+      <p:ext uri="{BB962C8B-B14F-4D97-AF65-F5344CB8AC3E}">
+        <p14:creationId xmlns:p14="http://schemas.microsoft.com/office/powerpoint/2010/main" val="3102911906"/>
       </p:ext>
     </p:extLst>
   </p:cSld>
@@ -5223,26 +11051,39 @@
                                   </p:childTnLst>
                                 </p:cTn>
                               </p:par>
-                            </p:childTnLst>
-                          </p:cTn>
-                        </p:par>
-                      </p:childTnLst>
-                    </p:cTn>
-                  </p:par>
-                  <p:par>
-                    <p:cTn id="15" fill="hold">
-                      <p:stCondLst>
-                        <p:cond delay="indefinite"/>
-                      </p:stCondLst>
-                      <p:childTnLst>
-                        <p:par>
-                          <p:cTn id="16" fill="hold">
-                            <p:stCondLst>
-                              <p:cond delay="0"/>
-                            </p:stCondLst>
-                            <p:childTnLst>
                               <p:par>
-                                <p:cTn id="17" presetID="1" presetClass="entr" presetSubtype="0" fill="hold" grpId="0" nodeType="clickEffect">
+                                <p:cTn id="15" presetID="1" presetClass="entr" presetSubtype="0" fill="hold" grpId="0" nodeType="withEffect">
+                                  <p:stCondLst>
+                                    <p:cond delay="0"/>
+                                  </p:stCondLst>
+                                  <p:childTnLst>
+                                    <p:set>
+                                      <p:cBhvr>
+                                        <p:cTn id="16" dur="1" fill="hold">
+                                          <p:stCondLst>
+                                            <p:cond delay="0"/>
+                                          </p:stCondLst>
+                                        </p:cTn>
+                                        <p:tgtEl>
+                                          <p:spTgt spid="2">
+                                            <p:txEl>
+                                              <p:pRg st="2" end="2"/>
+                                            </p:txEl>
+                                          </p:spTgt>
+                                        </p:tgtEl>
+                                        <p:attrNameLst>
+                                          <p:attrName>style.visibility</p:attrName>
+                                        </p:attrNameLst>
+                                      </p:cBhvr>
+                                      <p:to>
+                                        <p:strVal val="visible"/>
+                                      </p:to>
+                                    </p:set>
+                                  </p:childTnLst>
+                                </p:cTn>
+                              </p:par>
+                              <p:par>
+                                <p:cTn id="17" presetID="1" presetClass="entr" presetSubtype="0" fill="hold" grpId="0" nodeType="withEffect">
                                   <p:stCondLst>
                                     <p:cond delay="0"/>
                                   </p:stCondLst>
@@ -5257,7 +11098,229 @@
                                         <p:tgtEl>
                                           <p:spTgt spid="2">
                                             <p:txEl>
-                                              <p:pRg st="2" end="2"/>
+                                              <p:pRg st="3" end="3"/>
+                                            </p:txEl>
+                                          </p:spTgt>
+                                        </p:tgtEl>
+                                        <p:attrNameLst>
+                                          <p:attrName>style.visibility</p:attrName>
+                                        </p:attrNameLst>
+                                      </p:cBhvr>
+                                      <p:to>
+                                        <p:strVal val="visible"/>
+                                      </p:to>
+                                    </p:set>
+                                  </p:childTnLst>
+                                </p:cTn>
+                              </p:par>
+                            </p:childTnLst>
+                          </p:cTn>
+                        </p:par>
+                      </p:childTnLst>
+                    </p:cTn>
+                  </p:par>
+                  <p:par>
+                    <p:cTn id="19" fill="hold">
+                      <p:stCondLst>
+                        <p:cond delay="indefinite"/>
+                      </p:stCondLst>
+                      <p:childTnLst>
+                        <p:par>
+                          <p:cTn id="20" fill="hold">
+                            <p:stCondLst>
+                              <p:cond delay="0"/>
+                            </p:stCondLst>
+                            <p:childTnLst>
+                              <p:par>
+                                <p:cTn id="21" presetID="1" presetClass="entr" presetSubtype="0" fill="hold" grpId="0" nodeType="clickEffect">
+                                  <p:stCondLst>
+                                    <p:cond delay="0"/>
+                                  </p:stCondLst>
+                                  <p:childTnLst>
+                                    <p:set>
+                                      <p:cBhvr>
+                                        <p:cTn id="22" dur="1" fill="hold">
+                                          <p:stCondLst>
+                                            <p:cond delay="0"/>
+                                          </p:stCondLst>
+                                        </p:cTn>
+                                        <p:tgtEl>
+                                          <p:spTgt spid="2">
+                                            <p:txEl>
+                                              <p:pRg st="4" end="4"/>
+                                            </p:txEl>
+                                          </p:spTgt>
+                                        </p:tgtEl>
+                                        <p:attrNameLst>
+                                          <p:attrName>style.visibility</p:attrName>
+                                        </p:attrNameLst>
+                                      </p:cBhvr>
+                                      <p:to>
+                                        <p:strVal val="visible"/>
+                                      </p:to>
+                                    </p:set>
+                                  </p:childTnLst>
+                                </p:cTn>
+                              </p:par>
+                              <p:par>
+                                <p:cTn id="23" presetID="1" presetClass="entr" presetSubtype="0" fill="hold" grpId="0" nodeType="withEffect">
+                                  <p:stCondLst>
+                                    <p:cond delay="0"/>
+                                  </p:stCondLst>
+                                  <p:childTnLst>
+                                    <p:set>
+                                      <p:cBhvr>
+                                        <p:cTn id="24" dur="1" fill="hold">
+                                          <p:stCondLst>
+                                            <p:cond delay="0"/>
+                                          </p:stCondLst>
+                                        </p:cTn>
+                                        <p:tgtEl>
+                                          <p:spTgt spid="2">
+                                            <p:txEl>
+                                              <p:pRg st="5" end="5"/>
+                                            </p:txEl>
+                                          </p:spTgt>
+                                        </p:tgtEl>
+                                        <p:attrNameLst>
+                                          <p:attrName>style.visibility</p:attrName>
+                                        </p:attrNameLst>
+                                      </p:cBhvr>
+                                      <p:to>
+                                        <p:strVal val="visible"/>
+                                      </p:to>
+                                    </p:set>
+                                  </p:childTnLst>
+                                </p:cTn>
+                              </p:par>
+                              <p:par>
+                                <p:cTn id="25" presetID="1" presetClass="entr" presetSubtype="0" fill="hold" grpId="0" nodeType="withEffect">
+                                  <p:stCondLst>
+                                    <p:cond delay="0"/>
+                                  </p:stCondLst>
+                                  <p:childTnLst>
+                                    <p:set>
+                                      <p:cBhvr>
+                                        <p:cTn id="26" dur="1" fill="hold">
+                                          <p:stCondLst>
+                                            <p:cond delay="0"/>
+                                          </p:stCondLst>
+                                        </p:cTn>
+                                        <p:tgtEl>
+                                          <p:spTgt spid="2">
+                                            <p:txEl>
+                                              <p:pRg st="6" end="6"/>
+                                            </p:txEl>
+                                          </p:spTgt>
+                                        </p:tgtEl>
+                                        <p:attrNameLst>
+                                          <p:attrName>style.visibility</p:attrName>
+                                        </p:attrNameLst>
+                                      </p:cBhvr>
+                                      <p:to>
+                                        <p:strVal val="visible"/>
+                                      </p:to>
+                                    </p:set>
+                                  </p:childTnLst>
+                                </p:cTn>
+                              </p:par>
+                            </p:childTnLst>
+                          </p:cTn>
+                        </p:par>
+                      </p:childTnLst>
+                    </p:cTn>
+                  </p:par>
+                  <p:par>
+                    <p:cTn id="27" fill="hold">
+                      <p:stCondLst>
+                        <p:cond delay="indefinite"/>
+                      </p:stCondLst>
+                      <p:childTnLst>
+                        <p:par>
+                          <p:cTn id="28" fill="hold">
+                            <p:stCondLst>
+                              <p:cond delay="0"/>
+                            </p:stCondLst>
+                            <p:childTnLst>
+                              <p:par>
+                                <p:cTn id="29" presetID="1" presetClass="entr" presetSubtype="0" fill="hold" grpId="0" nodeType="clickEffect">
+                                  <p:stCondLst>
+                                    <p:cond delay="0"/>
+                                  </p:stCondLst>
+                                  <p:childTnLst>
+                                    <p:set>
+                                      <p:cBhvr>
+                                        <p:cTn id="30" dur="1" fill="hold">
+                                          <p:stCondLst>
+                                            <p:cond delay="0"/>
+                                          </p:stCondLst>
+                                        </p:cTn>
+                                        <p:tgtEl>
+                                          <p:spTgt spid="2">
+                                            <p:txEl>
+                                              <p:pRg st="7" end="7"/>
+                                            </p:txEl>
+                                          </p:spTgt>
+                                        </p:tgtEl>
+                                        <p:attrNameLst>
+                                          <p:attrName>style.visibility</p:attrName>
+                                        </p:attrNameLst>
+                                      </p:cBhvr>
+                                      <p:to>
+                                        <p:strVal val="visible"/>
+                                      </p:to>
+                                    </p:set>
+                                  </p:childTnLst>
+                                </p:cTn>
+                              </p:par>
+                              <p:par>
+                                <p:cTn id="31" presetID="1" presetClass="entr" presetSubtype="0" fill="hold" grpId="0" nodeType="withEffect">
+                                  <p:stCondLst>
+                                    <p:cond delay="0"/>
+                                  </p:stCondLst>
+                                  <p:childTnLst>
+                                    <p:set>
+                                      <p:cBhvr>
+                                        <p:cTn id="32" dur="1" fill="hold">
+                                          <p:stCondLst>
+                                            <p:cond delay="0"/>
+                                          </p:stCondLst>
+                                        </p:cTn>
+                                        <p:tgtEl>
+                                          <p:spTgt spid="2">
+                                            <p:txEl>
+                                              <p:pRg st="8" end="8"/>
+                                            </p:txEl>
+                                          </p:spTgt>
+                                        </p:tgtEl>
+                                        <p:attrNameLst>
+                                          <p:attrName>style.visibility</p:attrName>
+                                        </p:attrNameLst>
+                                      </p:cBhvr>
+                                      <p:to>
+                                        <p:strVal val="visible"/>
+                                      </p:to>
+                                    </p:set>
+                                  </p:childTnLst>
+                                </p:cTn>
+                              </p:par>
+                              <p:par>
+                                <p:cTn id="33" presetID="1" presetClass="entr" presetSubtype="0" fill="hold" grpId="0" nodeType="withEffect">
+                                  <p:stCondLst>
+                                    <p:cond delay="0"/>
+                                  </p:stCondLst>
+                                  <p:childTnLst>
+                                    <p:set>
+                                      <p:cBhvr>
+                                        <p:cTn id="34" dur="1" fill="hold">
+                                          <p:stCondLst>
+                                            <p:cond delay="0"/>
+                                          </p:stCondLst>
+                                        </p:cTn>
+                                        <p:tgtEl>
+                                          <p:spTgt spid="2">
+                                            <p:txEl>
+                                              <p:pRg st="9" end="9"/>
                                             </p:txEl>
                                           </p:spTgt>
                                         </p:tgtEl>
@@ -5306,7 +11369,7 @@
 </p:sld>
 </file>
 
-<file path=ppt/slides/slide5.xml><?xml version="1.0" encoding="utf-8"?>
+<file path=ppt/slides/slide6.xml><?xml version="1.0" encoding="utf-8"?>
 <p:sld xmlns:a="http://schemas.openxmlformats.org/drawingml/2006/main" xmlns:r="http://schemas.openxmlformats.org/officeDocument/2006/relationships" xmlns:p="http://schemas.openxmlformats.org/presentationml/2006/main">
   <p:cSld>
     <p:spTree>
@@ -5355,21 +11418,78 @@
           <a:bodyPr/>
           <a:lstStyle/>
           <a:p>
+            <a:r>
+              <a:rPr lang="en-US" dirty="0"/>
+              <a:t>Diabetes Risk Prediction (Classification):</a:t>
+            </a:r>
+            <a:endParaRPr lang="en-US" b="0" dirty="0"/>
+          </a:p>
+          <a:p>
+            <a:pPr lvl="1"/>
+            <a:r>
+              <a:rPr lang="en-US" dirty="0"/>
+              <a:t>A </a:t>
+            </a:r>
+            <a:r>
+              <a:rPr lang="en-US" b="1" dirty="0"/>
+              <a:t>Random Forest classification model</a:t>
+            </a:r>
+            <a:r>
+              <a:rPr lang="en-US" dirty="0"/>
+              <a:t> is trained on a clinical dataset.</a:t>
+            </a:r>
+          </a:p>
+          <a:p>
+            <a:pPr lvl="1"/>
+            <a:r>
+              <a:rPr lang="en-US" dirty="0"/>
+              <a:t>It uses key features like blood glucose, BMI, and age to classify users into "High," "Moderate," or "Low" diabetes risk categories.</a:t>
+            </a:r>
+          </a:p>
+          <a:p>
+            <a:r>
+              <a:rPr lang="en-US" dirty="0"/>
+              <a:t>Nutrition Analysis (Regression):</a:t>
+            </a:r>
+            <a:endParaRPr lang="en-US" b="0" dirty="0"/>
+          </a:p>
+          <a:p>
+            <a:pPr lvl="1"/>
+            <a:r>
+              <a:rPr lang="en-US" dirty="0"/>
+              <a:t>Two </a:t>
+            </a:r>
+            <a:r>
+              <a:rPr lang="en-US" b="1" dirty="0"/>
+              <a:t>Linear Regression models</a:t>
+            </a:r>
+            <a:r>
+              <a:rPr lang="en-US" dirty="0"/>
+              <a:t> are trained on a food nutrition dataset to estimate calorie and sugar content from text.</a:t>
+            </a:r>
+          </a:p>
+          <a:p>
+            <a:pPr lvl="1"/>
+            <a:r>
+              <a:rPr lang="en-US" dirty="0"/>
+              <a:t>It uses </a:t>
+            </a:r>
+            <a:r>
+              <a:rPr lang="en-US" b="1" dirty="0"/>
+              <a:t>TF-IDF (Term Frequency-Inverse Document Frequency)</a:t>
+            </a:r>
+            <a:r>
+              <a:rPr lang="en-US" dirty="0"/>
+              <a:t> to convert user-inputted meal descriptions into numerical features for prediction.</a:t>
+            </a:r>
+          </a:p>
+          <a:p>
             <a:pPr marL="0" indent="0">
               <a:lnSpc>
                 <a:spcPct val="150000"/>
               </a:lnSpc>
               <a:buNone/>
             </a:pPr>
-            <a:r>
-              <a:rPr lang="en-US" sz="2400" b="0" dirty="0">
-                <a:solidFill>
-                  <a:srgbClr val="5583D1"/>
-                </a:solidFill>
-                <a:latin typeface="+mn-lt"/>
-              </a:rPr>
-              <a:t>Calibri body 28</a:t>
-            </a:r>
             <a:endParaRPr lang="en-US" sz="2400" b="0" dirty="0">
               <a:solidFill>
                 <a:srgbClr val="5583D1"/>
@@ -5392,7 +11512,7 @@
         </p:nvSpPr>
         <p:spPr>
           <a:xfrm>
-            <a:off x="255996" y="502545"/>
+            <a:off x="255996" y="545425"/>
             <a:ext cx="10624338" cy="646331"/>
           </a:xfrm>
           <a:prstGeom prst="rect">
@@ -5601,6 +11721,179 @@
                                   </p:childTnLst>
                                 </p:cTn>
                               </p:par>
+                              <p:par>
+                                <p:cTn id="7" presetID="1" presetClass="entr" presetSubtype="0" fill="hold" grpId="0" nodeType="withEffect">
+                                  <p:stCondLst>
+                                    <p:cond delay="0"/>
+                                  </p:stCondLst>
+                                  <p:childTnLst>
+                                    <p:set>
+                                      <p:cBhvr>
+                                        <p:cTn id="8" dur="1" fill="hold">
+                                          <p:stCondLst>
+                                            <p:cond delay="0"/>
+                                          </p:stCondLst>
+                                        </p:cTn>
+                                        <p:tgtEl>
+                                          <p:spTgt spid="2">
+                                            <p:txEl>
+                                              <p:pRg st="1" end="1"/>
+                                            </p:txEl>
+                                          </p:spTgt>
+                                        </p:tgtEl>
+                                        <p:attrNameLst>
+                                          <p:attrName>style.visibility</p:attrName>
+                                        </p:attrNameLst>
+                                      </p:cBhvr>
+                                      <p:to>
+                                        <p:strVal val="visible"/>
+                                      </p:to>
+                                    </p:set>
+                                  </p:childTnLst>
+                                </p:cTn>
+                              </p:par>
+                              <p:par>
+                                <p:cTn id="9" presetID="1" presetClass="entr" presetSubtype="0" fill="hold" grpId="0" nodeType="withEffect">
+                                  <p:stCondLst>
+                                    <p:cond delay="0"/>
+                                  </p:stCondLst>
+                                  <p:childTnLst>
+                                    <p:set>
+                                      <p:cBhvr>
+                                        <p:cTn id="10" dur="1" fill="hold">
+                                          <p:stCondLst>
+                                            <p:cond delay="0"/>
+                                          </p:stCondLst>
+                                        </p:cTn>
+                                        <p:tgtEl>
+                                          <p:spTgt spid="2">
+                                            <p:txEl>
+                                              <p:pRg st="2" end="2"/>
+                                            </p:txEl>
+                                          </p:spTgt>
+                                        </p:tgtEl>
+                                        <p:attrNameLst>
+                                          <p:attrName>style.visibility</p:attrName>
+                                        </p:attrNameLst>
+                                      </p:cBhvr>
+                                      <p:to>
+                                        <p:strVal val="visible"/>
+                                      </p:to>
+                                    </p:set>
+                                  </p:childTnLst>
+                                </p:cTn>
+                              </p:par>
+                            </p:childTnLst>
+                          </p:cTn>
+                        </p:par>
+                      </p:childTnLst>
+                    </p:cTn>
+                  </p:par>
+                  <p:par>
+                    <p:cTn id="11" fill="hold">
+                      <p:stCondLst>
+                        <p:cond delay="indefinite"/>
+                      </p:stCondLst>
+                      <p:childTnLst>
+                        <p:par>
+                          <p:cTn id="12" fill="hold">
+                            <p:stCondLst>
+                              <p:cond delay="0"/>
+                            </p:stCondLst>
+                            <p:childTnLst>
+                              <p:par>
+                                <p:cTn id="13" presetID="1" presetClass="entr" presetSubtype="0" fill="hold" grpId="0" nodeType="clickEffect">
+                                  <p:stCondLst>
+                                    <p:cond delay="0"/>
+                                  </p:stCondLst>
+                                  <p:childTnLst>
+                                    <p:set>
+                                      <p:cBhvr>
+                                        <p:cTn id="14" dur="1" fill="hold">
+                                          <p:stCondLst>
+                                            <p:cond delay="0"/>
+                                          </p:stCondLst>
+                                        </p:cTn>
+                                        <p:tgtEl>
+                                          <p:spTgt spid="2">
+                                            <p:txEl>
+                                              <p:pRg st="3" end="3"/>
+                                            </p:txEl>
+                                          </p:spTgt>
+                                        </p:tgtEl>
+                                        <p:attrNameLst>
+                                          <p:attrName>style.visibility</p:attrName>
+                                        </p:attrNameLst>
+                                      </p:cBhvr>
+                                      <p:to>
+                                        <p:strVal val="visible"/>
+                                      </p:to>
+                                    </p:set>
+                                  </p:childTnLst>
+                                </p:cTn>
+                              </p:par>
+                              <p:par>
+                                <p:cTn id="15" presetID="1" presetClass="entr" presetSubtype="0" fill="hold" grpId="0" nodeType="withEffect">
+                                  <p:stCondLst>
+                                    <p:cond delay="0"/>
+                                  </p:stCondLst>
+                                  <p:childTnLst>
+                                    <p:set>
+                                      <p:cBhvr>
+                                        <p:cTn id="16" dur="1" fill="hold">
+                                          <p:stCondLst>
+                                            <p:cond delay="0"/>
+                                          </p:stCondLst>
+                                        </p:cTn>
+                                        <p:tgtEl>
+                                          <p:spTgt spid="2">
+                                            <p:txEl>
+                                              <p:pRg st="4" end="4"/>
+                                            </p:txEl>
+                                          </p:spTgt>
+                                        </p:tgtEl>
+                                        <p:attrNameLst>
+                                          <p:attrName>style.visibility</p:attrName>
+                                        </p:attrNameLst>
+                                      </p:cBhvr>
+                                      <p:to>
+                                        <p:strVal val="visible"/>
+                                      </p:to>
+                                    </p:set>
+                                  </p:childTnLst>
+                                </p:cTn>
+                              </p:par>
+                              <p:par>
+                                <p:cTn id="17" presetID="1" presetClass="entr" presetSubtype="0" fill="hold" grpId="0" nodeType="withEffect">
+                                  <p:stCondLst>
+                                    <p:cond delay="0"/>
+                                  </p:stCondLst>
+                                  <p:childTnLst>
+                                    <p:set>
+                                      <p:cBhvr>
+                                        <p:cTn id="18" dur="1" fill="hold">
+                                          <p:stCondLst>
+                                            <p:cond delay="0"/>
+                                          </p:stCondLst>
+                                        </p:cTn>
+                                        <p:tgtEl>
+                                          <p:spTgt spid="2">
+                                            <p:txEl>
+                                              <p:pRg st="5" end="5"/>
+                                            </p:txEl>
+                                          </p:spTgt>
+                                        </p:tgtEl>
+                                        <p:attrNameLst>
+                                          <p:attrName>style.visibility</p:attrName>
+                                        </p:attrNameLst>
+                                      </p:cBhvr>
+                                      <p:to>
+                                        <p:strVal val="visible"/>
+                                      </p:to>
+                                    </p:set>
+                                  </p:childTnLst>
+                                </p:cTn>
+                              </p:par>
                             </p:childTnLst>
                           </p:cTn>
                         </p:par>
@@ -5635,7 +11928,7 @@
 </p:sld>
 </file>
 
-<file path=ppt/slides/slide6.xml><?xml version="1.0" encoding="utf-8"?>
+<file path=ppt/slides/slide7.xml><?xml version="1.0" encoding="utf-8"?>
 <p:sld xmlns:a="http://schemas.openxmlformats.org/drawingml/2006/main" xmlns:r="http://schemas.openxmlformats.org/officeDocument/2006/relationships" xmlns:p="http://schemas.openxmlformats.org/presentationml/2006/main">
   <p:cSld>
     <p:spTree>
@@ -5643,7 +11936,7 @@
         <p:cNvPr id="1" name="">
           <a:extLst>
             <a:ext uri="{FF2B5EF4-FFF2-40B4-BE49-F238E27FC236}">
-              <a16:creationId xmlns:a16="http://schemas.microsoft.com/office/drawing/2014/main" id="{149CEA2B-384E-F256-4734-5578EDB524A9}"/>
+              <a16:creationId xmlns:a16="http://schemas.microsoft.com/office/drawing/2014/main" id="{9D17FB04-0B29-40FE-3700-C6568129658F}"/>
             </a:ext>
           </a:extLst>
         </p:cNvPr>
@@ -5663,7 +11956,7 @@
           <p:cNvPr id="2" name="Text Placeholder 1">
             <a:extLst>
               <a:ext uri="{FF2B5EF4-FFF2-40B4-BE49-F238E27FC236}">
-                <a16:creationId xmlns:a16="http://schemas.microsoft.com/office/drawing/2014/main" id="{30F88864-2E71-2992-AD53-E8948837272B}"/>
+                <a16:creationId xmlns:a16="http://schemas.microsoft.com/office/drawing/2014/main" id="{8EBABFCC-32C2-A9A6-1E16-A23B415852B8}"/>
               </a:ext>
             </a:extLst>
           </p:cNvPr>
@@ -5676,13 +11969,104 @@
         </p:nvSpPr>
         <p:spPr>
           <a:xfrm>
-            <a:off x="255996" y="1271219"/>
-            <a:ext cx="10624338" cy="4142989"/>
+            <a:off x="370114" y="1271219"/>
+            <a:ext cx="10510220" cy="4585294"/>
           </a:xfrm>
         </p:spPr>
         <p:txBody>
           <a:bodyPr/>
           <a:lstStyle/>
+          <a:p>
+            <a:r>
+              <a:rPr lang="en-US" dirty="0"/>
+              <a:t>Core Feature 1: Diabetes Risk Prediction</a:t>
+            </a:r>
+            <a:endParaRPr lang="en-US" b="0" dirty="0"/>
+          </a:p>
+          <a:p>
+            <a:pPr lvl="1"/>
+            <a:r>
+              <a:rPr lang="en-US" b="1" dirty="0"/>
+              <a:t>Model Used:</a:t>
+            </a:r>
+            <a:r>
+              <a:rPr lang="en-US" dirty="0"/>
+              <a:t> Random Forest Classifier.</a:t>
+            </a:r>
+          </a:p>
+          <a:p>
+            <a:pPr lvl="1"/>
+            <a:r>
+              <a:rPr lang="en-US" b="1" dirty="0"/>
+              <a:t>User Input:</a:t>
+            </a:r>
+            <a:r>
+              <a:rPr lang="en-US" dirty="0"/>
+              <a:t> Clinical data such as blood glucose level, BMI, blood pressure, and age.</a:t>
+            </a:r>
+          </a:p>
+          <a:p>
+            <a:pPr lvl="1"/>
+            <a:r>
+              <a:rPr lang="en-US" b="1" dirty="0"/>
+              <a:t>Output:</a:t>
+            </a:r>
+            <a:r>
+              <a:rPr lang="en-US" dirty="0"/>
+              <a:t> Classifies the user's diabetes risk into "Low," "Moderate," or "High."</a:t>
+            </a:r>
+          </a:p>
+          <a:p>
+            <a:r>
+              <a:rPr lang="en-US" dirty="0"/>
+              <a:t>Core Feature 2: Nutrition Analysis</a:t>
+            </a:r>
+            <a:endParaRPr lang="en-US" b="0" dirty="0"/>
+          </a:p>
+          <a:p>
+            <a:pPr lvl="1"/>
+            <a:r>
+              <a:rPr lang="en-US" b="1" dirty="0"/>
+              <a:t>Models Used:</a:t>
+            </a:r>
+            <a:r>
+              <a:rPr lang="en-US" dirty="0"/>
+              <a:t> Two Linear Regression models.</a:t>
+            </a:r>
+          </a:p>
+          <a:p>
+            <a:pPr lvl="1"/>
+            <a:r>
+              <a:rPr lang="en-US" b="1" dirty="0"/>
+              <a:t>User Input:</a:t>
+            </a:r>
+            <a:r>
+              <a:rPr lang="en-US" dirty="0"/>
+              <a:t> A text-based list of meals consumed.</a:t>
+            </a:r>
+          </a:p>
+          <a:p>
+            <a:pPr lvl="1"/>
+            <a:r>
+              <a:rPr lang="en-US" b="1" dirty="0"/>
+              <a:t>Technique:</a:t>
+            </a:r>
+            <a:r>
+              <a:rPr lang="en-US" dirty="0"/>
+              <a:t> Uses TF-IDF (Term Frequency-Inverse Document Frequency) to convert meal descriptions into numerical features.</a:t>
+            </a:r>
+          </a:p>
+          <a:p>
+            <a:pPr lvl="1"/>
+            <a:r>
+              <a:rPr lang="en-US" b="1" dirty="0"/>
+              <a:t>Output:</a:t>
+            </a:r>
+            <a:r>
+              <a:rPr lang="en-US" dirty="0"/>
+              <a:t> Estimates total calorie and sugar intake from the logged meals.</a:t>
+            </a:r>
+          </a:p>
           <a:p>
             <a:pPr marL="0" indent="0">
               <a:lnSpc>
@@ -5690,15 +12074,6 @@
               </a:lnSpc>
               <a:buNone/>
             </a:pPr>
-            <a:r>
-              <a:rPr lang="en-US" sz="2400" b="0" dirty="0">
-                <a:solidFill>
-                  <a:srgbClr val="5583D1"/>
-                </a:solidFill>
-                <a:latin typeface="+mn-lt"/>
-              </a:rPr>
-              <a:t>Calibri body 28</a:t>
-            </a:r>
             <a:endParaRPr lang="en-US" sz="2400" b="0" dirty="0">
               <a:solidFill>
                 <a:srgbClr val="5583D1"/>
@@ -5712,7 +12087,7 @@
           <p:cNvPr id="3" name="TextBox 2">
             <a:extLst>
               <a:ext uri="{FF2B5EF4-FFF2-40B4-BE49-F238E27FC236}">
-                <a16:creationId xmlns:a16="http://schemas.microsoft.com/office/drawing/2014/main" id="{3411E118-0427-BF72-3B78-1707B0D6E382}"/>
+                <a16:creationId xmlns:a16="http://schemas.microsoft.com/office/drawing/2014/main" id="{81F575BF-6215-5D96-527D-4DB9AEBACF52}"/>
               </a:ext>
             </a:extLst>
           </p:cNvPr>
@@ -5721,7 +12096,7 @@
         </p:nvSpPr>
         <p:spPr>
           <a:xfrm>
-            <a:off x="255996" y="502545"/>
+            <a:off x="255996" y="545425"/>
             <a:ext cx="10624338" cy="646331"/>
           </a:xfrm>
           <a:prstGeom prst="rect">
@@ -5746,7 +12121,7 @@
                   </a:srgbClr>
                 </a:solidFill>
               </a:rPr>
-              <a:t>Data preprocessing &amp; EDA</a:t>
+              <a:t>Methodology/Modeling Plan</a:t>
             </a:r>
             <a:r>
               <a:rPr kumimoji="0" lang="en-US" sz="3600" b="1" i="0" u="none" strike="noStrike" kern="1200" cap="none" spc="0" normalizeH="0" baseline="0" noProof="0" dirty="0">
@@ -5775,7 +12150,7 @@
           <p:cNvPr id="5" name="Straight Connector 4">
             <a:extLst>
               <a:ext uri="{FF2B5EF4-FFF2-40B4-BE49-F238E27FC236}">
-                <a16:creationId xmlns:a16="http://schemas.microsoft.com/office/drawing/2014/main" id="{7A5618F6-CE69-311A-F79A-D12C7E917449}"/>
+                <a16:creationId xmlns:a16="http://schemas.microsoft.com/office/drawing/2014/main" id="{82D8A28C-D8B2-D6D8-C75A-0E43BC5EFB7F}"/>
               </a:ext>
             </a:extLst>
           </p:cNvPr>
@@ -5818,7 +12193,7 @@
           <p:cNvPr id="4" name="TextBox 3">
             <a:extLst>
               <a:ext uri="{FF2B5EF4-FFF2-40B4-BE49-F238E27FC236}">
-                <a16:creationId xmlns:a16="http://schemas.microsoft.com/office/drawing/2014/main" id="{64F7A196-7B69-DD68-52A5-39CD9B799F7D}"/>
+                <a16:creationId xmlns:a16="http://schemas.microsoft.com/office/drawing/2014/main" id="{DE9E89E0-02ED-8805-4DE0-9719D59BC4BF}"/>
               </a:ext>
             </a:extLst>
           </p:cNvPr>
@@ -5860,7 +12235,638 @@
     </p:spTree>
     <p:extLst>
       <p:ext uri="{BB962C8B-B14F-4D97-AF65-F5344CB8AC3E}">
-        <p14:creationId xmlns:p14="http://schemas.microsoft.com/office/powerpoint/2010/main" val="679362563"/>
+        <p14:creationId xmlns:p14="http://schemas.microsoft.com/office/powerpoint/2010/main" val="35032822"/>
+      </p:ext>
+    </p:extLst>
+  </p:cSld>
+  <p:clrMapOvr>
+    <a:masterClrMapping/>
+  </p:clrMapOvr>
+  <mc:AlternateContent xmlns:mc="http://schemas.openxmlformats.org/markup-compatibility/2006" xmlns:p14="http://schemas.microsoft.com/office/powerpoint/2010/main">
+    <mc:Choice Requires="p14">
+      <p:transition spd="med" p14:dur="700">
+        <p:fade/>
+      </p:transition>
+    </mc:Choice>
+    <mc:Fallback xmlns="">
+      <p:transition spd="med">
+        <p:fade/>
+      </p:transition>
+    </mc:Fallback>
+  </mc:AlternateContent>
+  <p:timing>
+    <p:tnLst>
+      <p:par>
+        <p:cTn id="1" dur="indefinite" restart="never" nodeType="tmRoot">
+          <p:childTnLst>
+            <p:seq concurrent="1" nextAc="seek">
+              <p:cTn id="2" dur="indefinite" nodeType="mainSeq">
+                <p:childTnLst>
+                  <p:par>
+                    <p:cTn id="3" fill="hold">
+                      <p:stCondLst>
+                        <p:cond delay="indefinite"/>
+                      </p:stCondLst>
+                      <p:childTnLst>
+                        <p:par>
+                          <p:cTn id="4" fill="hold">
+                            <p:stCondLst>
+                              <p:cond delay="0"/>
+                            </p:stCondLst>
+                            <p:childTnLst>
+                              <p:par>
+                                <p:cTn id="5" presetID="1" presetClass="entr" presetSubtype="0" fill="hold" grpId="0" nodeType="clickEffect">
+                                  <p:stCondLst>
+                                    <p:cond delay="0"/>
+                                  </p:stCondLst>
+                                  <p:childTnLst>
+                                    <p:set>
+                                      <p:cBhvr>
+                                        <p:cTn id="6" dur="1" fill="hold">
+                                          <p:stCondLst>
+                                            <p:cond delay="0"/>
+                                          </p:stCondLst>
+                                        </p:cTn>
+                                        <p:tgtEl>
+                                          <p:spTgt spid="2">
+                                            <p:txEl>
+                                              <p:pRg st="0" end="0"/>
+                                            </p:txEl>
+                                          </p:spTgt>
+                                        </p:tgtEl>
+                                        <p:attrNameLst>
+                                          <p:attrName>style.visibility</p:attrName>
+                                        </p:attrNameLst>
+                                      </p:cBhvr>
+                                      <p:to>
+                                        <p:strVal val="visible"/>
+                                      </p:to>
+                                    </p:set>
+                                  </p:childTnLst>
+                                </p:cTn>
+                              </p:par>
+                              <p:par>
+                                <p:cTn id="7" presetID="1" presetClass="entr" presetSubtype="0" fill="hold" grpId="0" nodeType="withEffect">
+                                  <p:stCondLst>
+                                    <p:cond delay="0"/>
+                                  </p:stCondLst>
+                                  <p:childTnLst>
+                                    <p:set>
+                                      <p:cBhvr>
+                                        <p:cTn id="8" dur="1" fill="hold">
+                                          <p:stCondLst>
+                                            <p:cond delay="0"/>
+                                          </p:stCondLst>
+                                        </p:cTn>
+                                        <p:tgtEl>
+                                          <p:spTgt spid="2">
+                                            <p:txEl>
+                                              <p:pRg st="1" end="1"/>
+                                            </p:txEl>
+                                          </p:spTgt>
+                                        </p:tgtEl>
+                                        <p:attrNameLst>
+                                          <p:attrName>style.visibility</p:attrName>
+                                        </p:attrNameLst>
+                                      </p:cBhvr>
+                                      <p:to>
+                                        <p:strVal val="visible"/>
+                                      </p:to>
+                                    </p:set>
+                                  </p:childTnLst>
+                                </p:cTn>
+                              </p:par>
+                              <p:par>
+                                <p:cTn id="9" presetID="1" presetClass="entr" presetSubtype="0" fill="hold" grpId="0" nodeType="withEffect">
+                                  <p:stCondLst>
+                                    <p:cond delay="0"/>
+                                  </p:stCondLst>
+                                  <p:childTnLst>
+                                    <p:set>
+                                      <p:cBhvr>
+                                        <p:cTn id="10" dur="1" fill="hold">
+                                          <p:stCondLst>
+                                            <p:cond delay="0"/>
+                                          </p:stCondLst>
+                                        </p:cTn>
+                                        <p:tgtEl>
+                                          <p:spTgt spid="2">
+                                            <p:txEl>
+                                              <p:pRg st="2" end="2"/>
+                                            </p:txEl>
+                                          </p:spTgt>
+                                        </p:tgtEl>
+                                        <p:attrNameLst>
+                                          <p:attrName>style.visibility</p:attrName>
+                                        </p:attrNameLst>
+                                      </p:cBhvr>
+                                      <p:to>
+                                        <p:strVal val="visible"/>
+                                      </p:to>
+                                    </p:set>
+                                  </p:childTnLst>
+                                </p:cTn>
+                              </p:par>
+                              <p:par>
+                                <p:cTn id="11" presetID="1" presetClass="entr" presetSubtype="0" fill="hold" grpId="0" nodeType="withEffect">
+                                  <p:stCondLst>
+                                    <p:cond delay="0"/>
+                                  </p:stCondLst>
+                                  <p:childTnLst>
+                                    <p:set>
+                                      <p:cBhvr>
+                                        <p:cTn id="12" dur="1" fill="hold">
+                                          <p:stCondLst>
+                                            <p:cond delay="0"/>
+                                          </p:stCondLst>
+                                        </p:cTn>
+                                        <p:tgtEl>
+                                          <p:spTgt spid="2">
+                                            <p:txEl>
+                                              <p:pRg st="3" end="3"/>
+                                            </p:txEl>
+                                          </p:spTgt>
+                                        </p:tgtEl>
+                                        <p:attrNameLst>
+                                          <p:attrName>style.visibility</p:attrName>
+                                        </p:attrNameLst>
+                                      </p:cBhvr>
+                                      <p:to>
+                                        <p:strVal val="visible"/>
+                                      </p:to>
+                                    </p:set>
+                                  </p:childTnLst>
+                                </p:cTn>
+                              </p:par>
+                            </p:childTnLst>
+                          </p:cTn>
+                        </p:par>
+                      </p:childTnLst>
+                    </p:cTn>
+                  </p:par>
+                  <p:par>
+                    <p:cTn id="13" fill="hold">
+                      <p:stCondLst>
+                        <p:cond delay="indefinite"/>
+                      </p:stCondLst>
+                      <p:childTnLst>
+                        <p:par>
+                          <p:cTn id="14" fill="hold">
+                            <p:stCondLst>
+                              <p:cond delay="0"/>
+                            </p:stCondLst>
+                            <p:childTnLst>
+                              <p:par>
+                                <p:cTn id="15" presetID="1" presetClass="entr" presetSubtype="0" fill="hold" grpId="0" nodeType="clickEffect">
+                                  <p:stCondLst>
+                                    <p:cond delay="0"/>
+                                  </p:stCondLst>
+                                  <p:childTnLst>
+                                    <p:set>
+                                      <p:cBhvr>
+                                        <p:cTn id="16" dur="1" fill="hold">
+                                          <p:stCondLst>
+                                            <p:cond delay="0"/>
+                                          </p:stCondLst>
+                                        </p:cTn>
+                                        <p:tgtEl>
+                                          <p:spTgt spid="2">
+                                            <p:txEl>
+                                              <p:pRg st="4" end="4"/>
+                                            </p:txEl>
+                                          </p:spTgt>
+                                        </p:tgtEl>
+                                        <p:attrNameLst>
+                                          <p:attrName>style.visibility</p:attrName>
+                                        </p:attrNameLst>
+                                      </p:cBhvr>
+                                      <p:to>
+                                        <p:strVal val="visible"/>
+                                      </p:to>
+                                    </p:set>
+                                  </p:childTnLst>
+                                </p:cTn>
+                              </p:par>
+                              <p:par>
+                                <p:cTn id="17" presetID="1" presetClass="entr" presetSubtype="0" fill="hold" grpId="0" nodeType="withEffect">
+                                  <p:stCondLst>
+                                    <p:cond delay="0"/>
+                                  </p:stCondLst>
+                                  <p:childTnLst>
+                                    <p:set>
+                                      <p:cBhvr>
+                                        <p:cTn id="18" dur="1" fill="hold">
+                                          <p:stCondLst>
+                                            <p:cond delay="0"/>
+                                          </p:stCondLst>
+                                        </p:cTn>
+                                        <p:tgtEl>
+                                          <p:spTgt spid="2">
+                                            <p:txEl>
+                                              <p:pRg st="5" end="5"/>
+                                            </p:txEl>
+                                          </p:spTgt>
+                                        </p:tgtEl>
+                                        <p:attrNameLst>
+                                          <p:attrName>style.visibility</p:attrName>
+                                        </p:attrNameLst>
+                                      </p:cBhvr>
+                                      <p:to>
+                                        <p:strVal val="visible"/>
+                                      </p:to>
+                                    </p:set>
+                                  </p:childTnLst>
+                                </p:cTn>
+                              </p:par>
+                              <p:par>
+                                <p:cTn id="19" presetID="1" presetClass="entr" presetSubtype="0" fill="hold" grpId="0" nodeType="withEffect">
+                                  <p:stCondLst>
+                                    <p:cond delay="0"/>
+                                  </p:stCondLst>
+                                  <p:childTnLst>
+                                    <p:set>
+                                      <p:cBhvr>
+                                        <p:cTn id="20" dur="1" fill="hold">
+                                          <p:stCondLst>
+                                            <p:cond delay="0"/>
+                                          </p:stCondLst>
+                                        </p:cTn>
+                                        <p:tgtEl>
+                                          <p:spTgt spid="2">
+                                            <p:txEl>
+                                              <p:pRg st="6" end="6"/>
+                                            </p:txEl>
+                                          </p:spTgt>
+                                        </p:tgtEl>
+                                        <p:attrNameLst>
+                                          <p:attrName>style.visibility</p:attrName>
+                                        </p:attrNameLst>
+                                      </p:cBhvr>
+                                      <p:to>
+                                        <p:strVal val="visible"/>
+                                      </p:to>
+                                    </p:set>
+                                  </p:childTnLst>
+                                </p:cTn>
+                              </p:par>
+                              <p:par>
+                                <p:cTn id="21" presetID="1" presetClass="entr" presetSubtype="0" fill="hold" grpId="0" nodeType="withEffect">
+                                  <p:stCondLst>
+                                    <p:cond delay="0"/>
+                                  </p:stCondLst>
+                                  <p:childTnLst>
+                                    <p:set>
+                                      <p:cBhvr>
+                                        <p:cTn id="22" dur="1" fill="hold">
+                                          <p:stCondLst>
+                                            <p:cond delay="0"/>
+                                          </p:stCondLst>
+                                        </p:cTn>
+                                        <p:tgtEl>
+                                          <p:spTgt spid="2">
+                                            <p:txEl>
+                                              <p:pRg st="7" end="7"/>
+                                            </p:txEl>
+                                          </p:spTgt>
+                                        </p:tgtEl>
+                                        <p:attrNameLst>
+                                          <p:attrName>style.visibility</p:attrName>
+                                        </p:attrNameLst>
+                                      </p:cBhvr>
+                                      <p:to>
+                                        <p:strVal val="visible"/>
+                                      </p:to>
+                                    </p:set>
+                                  </p:childTnLst>
+                                </p:cTn>
+                              </p:par>
+                              <p:par>
+                                <p:cTn id="23" presetID="1" presetClass="entr" presetSubtype="0" fill="hold" grpId="0" nodeType="withEffect">
+                                  <p:stCondLst>
+                                    <p:cond delay="0"/>
+                                  </p:stCondLst>
+                                  <p:childTnLst>
+                                    <p:set>
+                                      <p:cBhvr>
+                                        <p:cTn id="24" dur="1" fill="hold">
+                                          <p:stCondLst>
+                                            <p:cond delay="0"/>
+                                          </p:stCondLst>
+                                        </p:cTn>
+                                        <p:tgtEl>
+                                          <p:spTgt spid="2">
+                                            <p:txEl>
+                                              <p:pRg st="8" end="8"/>
+                                            </p:txEl>
+                                          </p:spTgt>
+                                        </p:tgtEl>
+                                        <p:attrNameLst>
+                                          <p:attrName>style.visibility</p:attrName>
+                                        </p:attrNameLst>
+                                      </p:cBhvr>
+                                      <p:to>
+                                        <p:strVal val="visible"/>
+                                      </p:to>
+                                    </p:set>
+                                  </p:childTnLst>
+                                </p:cTn>
+                              </p:par>
+                            </p:childTnLst>
+                          </p:cTn>
+                        </p:par>
+                      </p:childTnLst>
+                    </p:cTn>
+                  </p:par>
+                </p:childTnLst>
+              </p:cTn>
+              <p:prevCondLst>
+                <p:cond evt="onPrev" delay="0">
+                  <p:tgtEl>
+                    <p:sldTgt/>
+                  </p:tgtEl>
+                </p:cond>
+              </p:prevCondLst>
+              <p:nextCondLst>
+                <p:cond evt="onNext" delay="0">
+                  <p:tgtEl>
+                    <p:sldTgt/>
+                  </p:tgtEl>
+                </p:cond>
+              </p:nextCondLst>
+            </p:seq>
+          </p:childTnLst>
+        </p:cTn>
+      </p:par>
+    </p:tnLst>
+    <p:bldLst>
+      <p:bldP spid="2" grpId="0" uiExpand="1" build="p"/>
+    </p:bldLst>
+  </p:timing>
+</p:sld>
+</file>
+
+<file path=ppt/slides/slide8.xml><?xml version="1.0" encoding="utf-8"?>
+<p:sld xmlns:a="http://schemas.openxmlformats.org/drawingml/2006/main" xmlns:r="http://schemas.openxmlformats.org/officeDocument/2006/relationships" xmlns:p="http://schemas.openxmlformats.org/presentationml/2006/main">
+  <p:cSld>
+    <p:spTree>
+      <p:nvGrpSpPr>
+        <p:cNvPr id="1" name="">
+          <a:extLst>
+            <a:ext uri="{FF2B5EF4-FFF2-40B4-BE49-F238E27FC236}">
+              <a16:creationId xmlns:a16="http://schemas.microsoft.com/office/drawing/2014/main" id="{79B59C0C-7BA1-D83E-14FF-4AC543D3CDA2}"/>
+            </a:ext>
+          </a:extLst>
+        </p:cNvPr>
+        <p:cNvGrpSpPr/>
+        <p:nvPr/>
+      </p:nvGrpSpPr>
+      <p:grpSpPr>
+        <a:xfrm>
+          <a:off x="0" y="0"/>
+          <a:ext cx="0" cy="0"/>
+          <a:chOff x="0" y="0"/>
+          <a:chExt cx="0" cy="0"/>
+        </a:xfrm>
+      </p:grpSpPr>
+      <p:sp>
+        <p:nvSpPr>
+          <p:cNvPr id="2" name="Text Placeholder 1">
+            <a:extLst>
+              <a:ext uri="{FF2B5EF4-FFF2-40B4-BE49-F238E27FC236}">
+                <a16:creationId xmlns:a16="http://schemas.microsoft.com/office/drawing/2014/main" id="{B13AB326-2EDF-F936-711C-740DD7A2CAA9}"/>
+              </a:ext>
+            </a:extLst>
+          </p:cNvPr>
+          <p:cNvSpPr>
+            <a:spLocks noGrp="1"/>
+          </p:cNvSpPr>
+          <p:nvPr>
+            <p:ph type="body" sz="quarter" idx="13"/>
+          </p:nvPr>
+        </p:nvSpPr>
+        <p:spPr>
+          <a:xfrm>
+            <a:off x="255996" y="1271219"/>
+            <a:ext cx="10624338" cy="4142989"/>
+          </a:xfrm>
+        </p:spPr>
+        <p:txBody>
+          <a:bodyPr/>
+          <a:lstStyle/>
+          <a:p>
+            <a:r>
+              <a:rPr lang="en-US" dirty="0"/>
+              <a:t>Application &amp; Technology</a:t>
+            </a:r>
+            <a:endParaRPr lang="en-US" b="0" dirty="0"/>
+          </a:p>
+          <a:p>
+            <a:r>
+              <a:rPr lang="en-US" dirty="0"/>
+              <a:t>Frontend:</a:t>
+            </a:r>
+            <a:r>
+              <a:rPr lang="en-US" b="0" dirty="0"/>
+              <a:t> Built with </a:t>
+            </a:r>
+            <a:r>
+              <a:rPr lang="en-US" dirty="0"/>
+              <a:t>Streamlit</a:t>
+            </a:r>
+            <a:r>
+              <a:rPr lang="en-US" b="0" dirty="0"/>
+              <a:t> for an interactive and user-friendly web interface.</a:t>
+            </a:r>
+          </a:p>
+          <a:p>
+            <a:r>
+              <a:rPr lang="en-US" dirty="0"/>
+              <a:t>Integration:</a:t>
+            </a:r>
+            <a:r>
+              <a:rPr lang="en-US" b="0" dirty="0"/>
+              <a:t> The trained machine learning models are loaded into the app to process user data in real-time.</a:t>
+            </a:r>
+          </a:p>
+          <a:p>
+            <a:r>
+              <a:rPr lang="en-US" dirty="0"/>
+              <a:t>Final Output:</a:t>
+            </a:r>
+            <a:r>
+              <a:rPr lang="en-US" b="0" dirty="0"/>
+              <a:t> Generates a personalized action plan with tailored dietary, lifestyle, and medical suggestions based on the combined AI-driven analysi</a:t>
+            </a:r>
+          </a:p>
+          <a:p>
+            <a:pPr marL="0" indent="0">
+              <a:lnSpc>
+                <a:spcPct val="150000"/>
+              </a:lnSpc>
+              <a:buNone/>
+            </a:pPr>
+            <a:endParaRPr lang="en-US" sz="2400" b="0" dirty="0">
+              <a:solidFill>
+                <a:srgbClr val="5583D1"/>
+              </a:solidFill>
+            </a:endParaRPr>
+          </a:p>
+        </p:txBody>
+      </p:sp>
+      <p:sp>
+        <p:nvSpPr>
+          <p:cNvPr id="3" name="TextBox 2">
+            <a:extLst>
+              <a:ext uri="{FF2B5EF4-FFF2-40B4-BE49-F238E27FC236}">
+                <a16:creationId xmlns:a16="http://schemas.microsoft.com/office/drawing/2014/main" id="{7E8ACDD9-966D-A4C1-07EC-59F664A65F98}"/>
+              </a:ext>
+            </a:extLst>
+          </p:cNvPr>
+          <p:cNvSpPr txBox="1"/>
+          <p:nvPr/>
+        </p:nvSpPr>
+        <p:spPr>
+          <a:xfrm>
+            <a:off x="255996" y="545425"/>
+            <a:ext cx="10624338" cy="646331"/>
+          </a:xfrm>
+          <a:prstGeom prst="rect">
+            <a:avLst/>
+          </a:prstGeom>
+          <a:noFill/>
+        </p:spPr>
+        <p:txBody>
+          <a:bodyPr wrap="square" rtlCol="0">
+            <a:spAutoFit/>
+          </a:bodyPr>
+          <a:lstStyle/>
+          <a:p>
+            <a:pPr lvl="0">
+              <a:defRPr/>
+            </a:pPr>
+            <a:r>
+              <a:rPr lang="en-US" sz="3600" b="1" dirty="0">
+                <a:solidFill>
+                  <a:srgbClr val="5B9BD5">
+                    <a:lumMod val="50000"/>
+                  </a:srgbClr>
+                </a:solidFill>
+              </a:rPr>
+              <a:t>Methodology/Modeling Plan</a:t>
+            </a:r>
+            <a:r>
+              <a:rPr kumimoji="0" lang="en-US" sz="3600" b="1" i="0" u="none" strike="noStrike" kern="1200" cap="none" spc="0" normalizeH="0" baseline="0" noProof="0" dirty="0">
+                <a:ln>
+                  <a:noFill/>
+                </a:ln>
+                <a:solidFill>
+                  <a:srgbClr val="5B9BD5">
+                    <a:lumMod val="50000"/>
+                  </a:srgbClr>
+                </a:solidFill>
+                <a:effectLst/>
+                <a:uLnTx/>
+                <a:uFillTx/>
+                <a:latin typeface="Calibri" panose="020F0502020204030204"/>
+                <a:ea typeface="+mn-ea"/>
+                <a:cs typeface="+mn-cs"/>
+              </a:rPr>
+              <a:t>…. Calibri body -36</a:t>
+            </a:r>
+          </a:p>
+        </p:txBody>
+      </p:sp>
+      <p:cxnSp>
+        <p:nvCxnSpPr>
+          <p:cNvPr id="5" name="Straight Connector 4">
+            <a:extLst>
+              <a:ext uri="{FF2B5EF4-FFF2-40B4-BE49-F238E27FC236}">
+                <a16:creationId xmlns:a16="http://schemas.microsoft.com/office/drawing/2014/main" id="{38BE16B8-5EB0-8CEB-FDDC-74EA2CBDD0B6}"/>
+              </a:ext>
+            </a:extLst>
+          </p:cNvPr>
+          <p:cNvCxnSpPr>
+            <a:cxnSpLocks/>
+          </p:cNvCxnSpPr>
+          <p:nvPr/>
+        </p:nvCxnSpPr>
+        <p:spPr>
+          <a:xfrm>
+            <a:off x="221274" y="1191756"/>
+            <a:ext cx="7305799" cy="0"/>
+          </a:xfrm>
+          <a:prstGeom prst="line">
+            <a:avLst/>
+          </a:prstGeom>
+          <a:ln w="28575">
+            <a:solidFill>
+              <a:schemeClr val="accent6"/>
+            </a:solidFill>
+          </a:ln>
+        </p:spPr>
+        <p:style>
+          <a:lnRef idx="1">
+            <a:schemeClr val="accent1"/>
+          </a:lnRef>
+          <a:fillRef idx="0">
+            <a:schemeClr val="accent1"/>
+          </a:fillRef>
+          <a:effectRef idx="0">
+            <a:schemeClr val="accent1"/>
+          </a:effectRef>
+          <a:fontRef idx="minor">
+            <a:schemeClr val="tx1"/>
+          </a:fontRef>
+        </p:style>
+      </p:cxnSp>
+      <p:sp>
+        <p:nvSpPr>
+          <p:cNvPr id="4" name="TextBox 3">
+            <a:extLst>
+              <a:ext uri="{FF2B5EF4-FFF2-40B4-BE49-F238E27FC236}">
+                <a16:creationId xmlns:a16="http://schemas.microsoft.com/office/drawing/2014/main" id="{544A4AC8-BA8B-DA98-2B31-DEBBCF05A4A1}"/>
+              </a:ext>
+            </a:extLst>
+          </p:cNvPr>
+          <p:cNvSpPr txBox="1"/>
+          <p:nvPr/>
+        </p:nvSpPr>
+        <p:spPr>
+          <a:xfrm>
+            <a:off x="6093893" y="57036"/>
+            <a:ext cx="6098107" cy="646331"/>
+          </a:xfrm>
+          <a:prstGeom prst="rect">
+            <a:avLst/>
+          </a:prstGeom>
+          <a:noFill/>
+        </p:spPr>
+        <p:txBody>
+          <a:bodyPr wrap="square" rtlCol="0">
+            <a:spAutoFit/>
+          </a:bodyPr>
+          <a:lstStyle/>
+          <a:p>
+            <a:pPr algn="r"/>
+            <a:r>
+              <a:rPr lang="en-US" sz="1800" b="1" i="1" dirty="0">
+                <a:solidFill>
+                  <a:srgbClr val="FFFFFF"/>
+                </a:solidFill>
+              </a:rPr>
+              <a:t>Project Title -  Calibri body 18</a:t>
+            </a:r>
+          </a:p>
+          <a:p>
+            <a:pPr algn="r"/>
+            <a:endParaRPr lang="en-US" dirty="0"/>
+          </a:p>
+        </p:txBody>
+      </p:sp>
+    </p:spTree>
+    <p:extLst>
+      <p:ext uri="{BB962C8B-B14F-4D97-AF65-F5344CB8AC3E}">
+        <p14:creationId xmlns:p14="http://schemas.microsoft.com/office/powerpoint/2010/main" val="3966852005"/>
       </p:ext>
     </p:extLst>
   </p:cSld>
@@ -5936,6 +12942,153 @@
                       </p:childTnLst>
                     </p:cTn>
                   </p:par>
+                  <p:par>
+                    <p:cTn id="7" fill="hold">
+                      <p:stCondLst>
+                        <p:cond delay="indefinite"/>
+                      </p:stCondLst>
+                      <p:childTnLst>
+                        <p:par>
+                          <p:cTn id="8" fill="hold">
+                            <p:stCondLst>
+                              <p:cond delay="0"/>
+                            </p:stCondLst>
+                            <p:childTnLst>
+                              <p:par>
+                                <p:cTn id="9" presetID="1" presetClass="entr" presetSubtype="0" fill="hold" grpId="0" nodeType="clickEffect">
+                                  <p:stCondLst>
+                                    <p:cond delay="0"/>
+                                  </p:stCondLst>
+                                  <p:childTnLst>
+                                    <p:set>
+                                      <p:cBhvr>
+                                        <p:cTn id="10" dur="1" fill="hold">
+                                          <p:stCondLst>
+                                            <p:cond delay="0"/>
+                                          </p:stCondLst>
+                                        </p:cTn>
+                                        <p:tgtEl>
+                                          <p:spTgt spid="2">
+                                            <p:txEl>
+                                              <p:pRg st="1" end="1"/>
+                                            </p:txEl>
+                                          </p:spTgt>
+                                        </p:tgtEl>
+                                        <p:attrNameLst>
+                                          <p:attrName>style.visibility</p:attrName>
+                                        </p:attrNameLst>
+                                      </p:cBhvr>
+                                      <p:to>
+                                        <p:strVal val="visible"/>
+                                      </p:to>
+                                    </p:set>
+                                  </p:childTnLst>
+                                </p:cTn>
+                              </p:par>
+                            </p:childTnLst>
+                          </p:cTn>
+                        </p:par>
+                      </p:childTnLst>
+                    </p:cTn>
+                  </p:par>
+                  <p:par>
+                    <p:cTn id="11" fill="hold">
+                      <p:stCondLst>
+                        <p:cond delay="indefinite"/>
+                      </p:stCondLst>
+                      <p:childTnLst>
+                        <p:par>
+                          <p:cTn id="12" fill="hold">
+                            <p:stCondLst>
+                              <p:cond delay="0"/>
+                            </p:stCondLst>
+                            <p:childTnLst>
+                              <p:par>
+                                <p:cTn id="13" presetID="1" presetClass="entr" presetSubtype="0" fill="hold" grpId="0" nodeType="clickEffect">
+                                  <p:stCondLst>
+                                    <p:cond delay="0"/>
+                                  </p:stCondLst>
+                                  <p:childTnLst>
+                                    <p:set>
+                                      <p:cBhvr>
+                                        <p:cTn id="14" dur="1" fill="hold">
+                                          <p:stCondLst>
+                                            <p:cond delay="0"/>
+                                          </p:stCondLst>
+                                        </p:cTn>
+                                        <p:tgtEl>
+                                          <p:spTgt spid="2">
+                                            <p:txEl>
+                                              <p:pRg st="2" end="2"/>
+                                            </p:txEl>
+                                          </p:spTgt>
+                                        </p:tgtEl>
+                                        <p:attrNameLst>
+                                          <p:attrName>style.visibility</p:attrName>
+                                        </p:attrNameLst>
+                                      </p:cBhvr>
+                                      <p:to>
+                                        <p:strVal val="visible"/>
+                                      </p:to>
+                                    </p:set>
+                                  </p:childTnLst>
+                                </p:cTn>
+                              </p:par>
+                            </p:childTnLst>
+                          </p:cTn>
+                        </p:par>
+                      </p:childTnLst>
+                    </p:cTn>
+                  </p:par>
+                  <p:par>
+                    <p:cTn id="15" fill="hold">
+                      <p:stCondLst>
+                        <p:cond delay="indefinite"/>
+                      </p:stCondLst>
+                      <p:childTnLst>
+                        <p:par>
+                          <p:cTn id="16" fill="hold">
+                            <p:stCondLst>
+                              <p:cond delay="0"/>
+                            </p:stCondLst>
+                            <p:childTnLst>
+                              <p:par>
+                                <p:cTn id="17" presetID="1" presetClass="entr" presetSubtype="0" fill="hold" grpId="0" nodeType="clickEffect">
+                                  <p:stCondLst>
+                                    <p:cond delay="0"/>
+                                  </p:stCondLst>
+                                  <p:childTnLst>
+                                    <p:set>
+                                      <p:cBhvr>
+                                        <p:cTn id="18" dur="1" fill="hold">
+                                          <p:stCondLst>
+                                            <p:cond delay="0"/>
+                                          </p:stCondLst>
+                                        </p:cTn>
+                                        <p:tgtEl>
+                                          <p:spTgt spid="2">
+                                            <p:txEl>
+                                              <p:pRg st="3" end="3"/>
+                                            </p:txEl>
+                                          </p:spTgt>
+                                        </p:tgtEl>
+                                        <p:attrNameLst>
+                                          <p:attrName>style.visibility</p:attrName>
+                                        </p:attrNameLst>
+                                      </p:cBhvr>
+                                      <p:to>
+                                        <p:strVal val="visible"/>
+                                      </p:to>
+                                    </p:set>
+                                  </p:childTnLst>
+                                </p:cTn>
+                              </p:par>
+                            </p:childTnLst>
+                          </p:cTn>
+                        </p:par>
+                      </p:childTnLst>
+                    </p:cTn>
+                  </p:par>
                 </p:childTnLst>
               </p:cTn>
               <p:prevCondLst>
@@ -5964,7 +13117,7 @@
 </p:sld>
 </file>
 
-<file path=ppt/slides/slide7.xml><?xml version="1.0" encoding="utf-8"?>
+<file path=ppt/slides/slide9.xml><?xml version="1.0" encoding="utf-8"?>
 <p:sld xmlns:a="http://schemas.openxmlformats.org/drawingml/2006/main" xmlns:r="http://schemas.openxmlformats.org/officeDocument/2006/relationships" xmlns:p="http://schemas.openxmlformats.org/presentationml/2006/main">
   <p:cSld>
     <p:spTree>
@@ -5972,7 +13125,7 @@
         <p:cNvPr id="1" name="">
           <a:extLst>
             <a:ext uri="{FF2B5EF4-FFF2-40B4-BE49-F238E27FC236}">
-              <a16:creationId xmlns:a16="http://schemas.microsoft.com/office/drawing/2014/main" id="{C8E7B675-E694-7663-D55C-2461C40B8B82}"/>
+              <a16:creationId xmlns:a16="http://schemas.microsoft.com/office/drawing/2014/main" id="{432220EA-53C1-39C6-47A3-42E5D35AA5ED}"/>
             </a:ext>
           </a:extLst>
         </p:cNvPr>
@@ -5992,7 +13145,7 @@
           <p:cNvPr id="2" name="Text Placeholder 1">
             <a:extLst>
               <a:ext uri="{FF2B5EF4-FFF2-40B4-BE49-F238E27FC236}">
-                <a16:creationId xmlns:a16="http://schemas.microsoft.com/office/drawing/2014/main" id="{6E433592-8155-CD6F-B5E3-78AB52F31DE6}"/>
+                <a16:creationId xmlns:a16="http://schemas.microsoft.com/office/drawing/2014/main" id="{14D419F6-DA24-1391-1520-7DE7F63CA452}"/>
               </a:ext>
             </a:extLst>
           </p:cNvPr>
@@ -6013,21 +13166,78 @@
           <a:bodyPr/>
           <a:lstStyle/>
           <a:p>
+            <a:r>
+              <a:rPr lang="en-US" dirty="0"/>
+              <a:t>Diabetes Risk Prediction (Classification):</a:t>
+            </a:r>
+            <a:endParaRPr lang="en-US" b="0" dirty="0"/>
+          </a:p>
+          <a:p>
+            <a:pPr lvl="1"/>
+            <a:r>
+              <a:rPr lang="en-US" dirty="0"/>
+              <a:t>A </a:t>
+            </a:r>
+            <a:r>
+              <a:rPr lang="en-US" b="1" dirty="0"/>
+              <a:t>Random Forest classification model</a:t>
+            </a:r>
+            <a:r>
+              <a:rPr lang="en-US" dirty="0"/>
+              <a:t> is trained on a clinical dataset.</a:t>
+            </a:r>
+          </a:p>
+          <a:p>
+            <a:pPr lvl="1"/>
+            <a:r>
+              <a:rPr lang="en-US" dirty="0"/>
+              <a:t>It uses key features like blood glucose, BMI, and age to classify users into "High," "Moderate," or "Low" diabetes risk categories.</a:t>
+            </a:r>
+          </a:p>
+          <a:p>
+            <a:r>
+              <a:rPr lang="en-US" dirty="0"/>
+              <a:t>Nutrition Analysis (Regression):</a:t>
+            </a:r>
+            <a:endParaRPr lang="en-US" b="0" dirty="0"/>
+          </a:p>
+          <a:p>
+            <a:pPr lvl="1"/>
+            <a:r>
+              <a:rPr lang="en-US" dirty="0"/>
+              <a:t>Two </a:t>
+            </a:r>
+            <a:r>
+              <a:rPr lang="en-US" b="1" dirty="0"/>
+              <a:t>Linear Regression models</a:t>
+            </a:r>
+            <a:r>
+              <a:rPr lang="en-US" dirty="0"/>
+              <a:t> are trained on a food nutrition dataset to estimate calorie and sugar content from text.</a:t>
+            </a:r>
+          </a:p>
+          <a:p>
+            <a:pPr lvl="1"/>
+            <a:r>
+              <a:rPr lang="en-US" dirty="0"/>
+              <a:t>It uses </a:t>
+            </a:r>
+            <a:r>
+              <a:rPr lang="en-US" b="1" dirty="0"/>
+              <a:t>TF-IDF (Term Frequency-Inverse Document Frequency)</a:t>
+            </a:r>
+            <a:r>
+              <a:rPr lang="en-US" dirty="0"/>
+              <a:t> to convert user-inputted meal descriptions into numerical features for prediction.</a:t>
+            </a:r>
+          </a:p>
+          <a:p>
             <a:pPr marL="0" indent="0">
               <a:lnSpc>
                 <a:spcPct val="150000"/>
               </a:lnSpc>
               <a:buNone/>
             </a:pPr>
-            <a:r>
-              <a:rPr lang="en-US" sz="2400" b="0" dirty="0">
-                <a:solidFill>
-                  <a:srgbClr val="5583D1"/>
-                </a:solidFill>
-                <a:latin typeface="+mn-lt"/>
-              </a:rPr>
-              <a:t>Calibri body 28</a:t>
-            </a:r>
             <a:endParaRPr lang="en-US" sz="2400" b="0" dirty="0">
               <a:solidFill>
                 <a:srgbClr val="5583D1"/>
@@ -6041,7 +13251,7 @@
           <p:cNvPr id="3" name="TextBox 2">
             <a:extLst>
               <a:ext uri="{FF2B5EF4-FFF2-40B4-BE49-F238E27FC236}">
-                <a16:creationId xmlns:a16="http://schemas.microsoft.com/office/drawing/2014/main" id="{3D243BDD-B44E-04F0-FA93-336DD2FFA770}"/>
+                <a16:creationId xmlns:a16="http://schemas.microsoft.com/office/drawing/2014/main" id="{6CC1C22B-EE23-9045-2AE8-9AFCA5DAF690}"/>
               </a:ext>
             </a:extLst>
           </p:cNvPr>
@@ -6050,7 +13260,7 @@
         </p:nvSpPr>
         <p:spPr>
           <a:xfrm>
-            <a:off x="255996" y="502545"/>
+            <a:off x="255996" y="545425"/>
             <a:ext cx="10624338" cy="646331"/>
           </a:xfrm>
           <a:prstGeom prst="rect">
@@ -6075,7 +13285,7 @@
                   </a:srgbClr>
                 </a:solidFill>
               </a:rPr>
-              <a:t>Approach/Algorithms/Tools</a:t>
+              <a:t>Methodology/Modeling Plan</a:t>
             </a:r>
             <a:r>
               <a:rPr kumimoji="0" lang="en-US" sz="3600" b="1" i="0" u="none" strike="noStrike" kern="1200" cap="none" spc="0" normalizeH="0" baseline="0" noProof="0" dirty="0">
@@ -6104,7 +13314,7 @@
           <p:cNvPr id="5" name="Straight Connector 4">
             <a:extLst>
               <a:ext uri="{FF2B5EF4-FFF2-40B4-BE49-F238E27FC236}">
-                <a16:creationId xmlns:a16="http://schemas.microsoft.com/office/drawing/2014/main" id="{14963133-FFA1-7CF4-9FAD-E6A120EF4238}"/>
+                <a16:creationId xmlns:a16="http://schemas.microsoft.com/office/drawing/2014/main" id="{1F7AEC0F-0D06-9449-79FE-B591A09399C5}"/>
               </a:ext>
             </a:extLst>
           </p:cNvPr>
@@ -6147,7 +13357,7 @@
           <p:cNvPr id="4" name="TextBox 3">
             <a:extLst>
               <a:ext uri="{FF2B5EF4-FFF2-40B4-BE49-F238E27FC236}">
-                <a16:creationId xmlns:a16="http://schemas.microsoft.com/office/drawing/2014/main" id="{FEA3EC9D-D5AF-E54C-A3D0-5E42F32DC03B}"/>
+                <a16:creationId xmlns:a16="http://schemas.microsoft.com/office/drawing/2014/main" id="{BBAD09C3-C845-6287-AD82-05E3EA96F983}"/>
               </a:ext>
             </a:extLst>
           </p:cNvPr>
@@ -6189,20 +13399,20 @@
     </p:spTree>
     <p:extLst>
       <p:ext uri="{BB962C8B-B14F-4D97-AF65-F5344CB8AC3E}">
-        <p14:creationId xmlns:p14="http://schemas.microsoft.com/office/powerpoint/2010/main" val="107944653"/>
+        <p14:creationId xmlns:p14="http://schemas.microsoft.com/office/powerpoint/2010/main" val="1547008265"/>
       </p:ext>
     </p:extLst>
   </p:cSld>
   <p:clrMapOvr>
     <a:masterClrMapping/>
   </p:clrMapOvr>
-  <mc:AlternateContent xmlns:mc="http://schemas.openxmlformats.org/markup-compatibility/2006">
-    <mc:Choice xmlns:p14="http://schemas.microsoft.com/office/powerpoint/2010/main" Requires="p14">
+  <mc:AlternateContent xmlns:mc="http://schemas.openxmlformats.org/markup-compatibility/2006" xmlns:p14="http://schemas.microsoft.com/office/powerpoint/2010/main">
+    <mc:Choice Requires="p14">
       <p:transition spd="med" p14:dur="700">
         <p:fade/>
       </p:transition>
     </mc:Choice>
-    <mc:Fallback>
+    <mc:Fallback xmlns="">
       <p:transition spd="med">
         <p:fade/>
       </p:transition>
@@ -6259,353 +13469,15 @@
                                   </p:childTnLst>
                                 </p:cTn>
                               </p:par>
-                            </p:childTnLst>
-                          </p:cTn>
-                        </p:par>
-                      </p:childTnLst>
-                    </p:cTn>
-                  </p:par>
-                </p:childTnLst>
-              </p:cTn>
-              <p:prevCondLst>
-                <p:cond evt="onPrev" delay="0">
-                  <p:tgtEl>
-                    <p:sldTgt/>
-                  </p:tgtEl>
-                </p:cond>
-              </p:prevCondLst>
-              <p:nextCondLst>
-                <p:cond evt="onNext" delay="0">
-                  <p:tgtEl>
-                    <p:sldTgt/>
-                  </p:tgtEl>
-                </p:cond>
-              </p:nextCondLst>
-            </p:seq>
-          </p:childTnLst>
-        </p:cTn>
-      </p:par>
-    </p:tnLst>
-    <p:bldLst>
-      <p:bldP spid="2" grpId="0" uiExpand="1" build="p"/>
-    </p:bldLst>
-  </p:timing>
-</p:sld>
-</file>
-
-<file path=ppt/slides/slide8.xml><?xml version="1.0" encoding="utf-8"?>
-<p:sld xmlns:a="http://schemas.openxmlformats.org/drawingml/2006/main" xmlns:r="http://schemas.openxmlformats.org/officeDocument/2006/relationships" xmlns:p="http://schemas.openxmlformats.org/presentationml/2006/main">
-  <p:cSld>
-    <p:spTree>
-      <p:nvGrpSpPr>
-        <p:cNvPr id="1" name="">
-          <a:extLst>
-            <a:ext uri="{FF2B5EF4-FFF2-40B4-BE49-F238E27FC236}">
-              <a16:creationId xmlns:a16="http://schemas.microsoft.com/office/drawing/2014/main" id="{C419A058-E477-163A-1B3E-61A05B0F38B9}"/>
-            </a:ext>
-          </a:extLst>
-        </p:cNvPr>
-        <p:cNvGrpSpPr/>
-        <p:nvPr/>
-      </p:nvGrpSpPr>
-      <p:grpSpPr>
-        <a:xfrm>
-          <a:off x="0" y="0"/>
-          <a:ext cx="0" cy="0"/>
-          <a:chOff x="0" y="0"/>
-          <a:chExt cx="0" cy="0"/>
-        </a:xfrm>
-      </p:grpSpPr>
-      <p:sp>
-        <p:nvSpPr>
-          <p:cNvPr id="2" name="Text Placeholder 1">
-            <a:extLst>
-              <a:ext uri="{FF2B5EF4-FFF2-40B4-BE49-F238E27FC236}">
-                <a16:creationId xmlns:a16="http://schemas.microsoft.com/office/drawing/2014/main" id="{6A69BAD7-4402-029D-94EE-84728E7A1B97}"/>
-              </a:ext>
-            </a:extLst>
-          </p:cNvPr>
-          <p:cNvSpPr>
-            <a:spLocks noGrp="1"/>
-          </p:cNvSpPr>
-          <p:nvPr>
-            <p:ph type="body" sz="quarter" idx="13"/>
-          </p:nvPr>
-        </p:nvSpPr>
-        <p:spPr>
-          <a:xfrm>
-            <a:off x="255996" y="1271219"/>
-            <a:ext cx="10624338" cy="4142989"/>
-          </a:xfrm>
-        </p:spPr>
-        <p:txBody>
-          <a:bodyPr/>
-          <a:lstStyle/>
-          <a:p>
-            <a:pPr marL="0" indent="0">
-              <a:lnSpc>
-                <a:spcPct val="150000"/>
-              </a:lnSpc>
-              <a:buNone/>
-            </a:pPr>
-            <a:r>
-              <a:rPr lang="en-US" sz="2400" b="0" dirty="0">
-                <a:solidFill>
-                  <a:srgbClr val="5583D1"/>
-                </a:solidFill>
-                <a:latin typeface="+mn-lt"/>
-              </a:rPr>
-              <a:t>Calibri body 28</a:t>
-            </a:r>
-            <a:endParaRPr lang="en-US" sz="2400" b="0" dirty="0">
-              <a:solidFill>
-                <a:srgbClr val="5583D1"/>
-              </a:solidFill>
-            </a:endParaRPr>
-          </a:p>
-        </p:txBody>
-      </p:sp>
-      <p:sp>
-        <p:nvSpPr>
-          <p:cNvPr id="3" name="TextBox 2">
-            <a:extLst>
-              <a:ext uri="{FF2B5EF4-FFF2-40B4-BE49-F238E27FC236}">
-                <a16:creationId xmlns:a16="http://schemas.microsoft.com/office/drawing/2014/main" id="{E8F67352-6E77-1E87-24B7-ED7906E0679C}"/>
-              </a:ext>
-            </a:extLst>
-          </p:cNvPr>
-          <p:cNvSpPr txBox="1"/>
-          <p:nvPr/>
-        </p:nvSpPr>
-        <p:spPr>
-          <a:xfrm>
-            <a:off x="255996" y="502545"/>
-            <a:ext cx="10624338" cy="646331"/>
-          </a:xfrm>
-          <a:prstGeom prst="rect">
-            <a:avLst/>
-          </a:prstGeom>
-          <a:noFill/>
-        </p:spPr>
-        <p:txBody>
-          <a:bodyPr wrap="square" rtlCol="0">
-            <a:spAutoFit/>
-          </a:bodyPr>
-          <a:lstStyle/>
-          <a:p>
-            <a:pPr lvl="0">
-              <a:defRPr/>
-            </a:pPr>
-            <a:r>
-              <a:rPr lang="fr-FR" sz="3600" b="1" dirty="0">
-                <a:solidFill>
-                  <a:srgbClr val="5B9BD5">
-                    <a:lumMod val="50000"/>
-                  </a:srgbClr>
-                </a:solidFill>
-              </a:rPr>
-              <a:t>Project plan/</a:t>
-            </a:r>
-            <a:r>
-              <a:rPr lang="fr-FR" sz="3600" b="1" dirty="0" err="1">
-                <a:solidFill>
-                  <a:srgbClr val="5B9BD5">
-                    <a:lumMod val="50000"/>
-                  </a:srgbClr>
-                </a:solidFill>
-              </a:rPr>
-              <a:t>milestones</a:t>
-            </a:r>
-            <a:r>
-              <a:rPr lang="fr-FR" sz="3600" b="1" dirty="0">
-                <a:solidFill>
-                  <a:srgbClr val="5B9BD5">
-                    <a:lumMod val="50000"/>
-                  </a:srgbClr>
-                </a:solidFill>
-              </a:rPr>
-              <a:t> </a:t>
-            </a:r>
-            <a:r>
-              <a:rPr lang="fr-FR" sz="3600" b="1" dirty="0" err="1">
-                <a:solidFill>
-                  <a:srgbClr val="5B9BD5">
-                    <a:lumMod val="50000"/>
-                  </a:srgbClr>
-                </a:solidFill>
-              </a:rPr>
-              <a:t>progress</a:t>
-            </a:r>
-            <a:r>
-              <a:rPr lang="fr-FR" sz="3600" b="1" dirty="0">
-                <a:solidFill>
-                  <a:srgbClr val="5B9BD5">
-                    <a:lumMod val="50000"/>
-                  </a:srgbClr>
-                </a:solidFill>
-              </a:rPr>
-              <a:t> </a:t>
-            </a:r>
-            <a:r>
-              <a:rPr kumimoji="0" lang="en-US" sz="3600" b="1" i="0" u="none" strike="noStrike" kern="1200" cap="none" spc="0" normalizeH="0" baseline="0" noProof="0" dirty="0">
-                <a:ln>
-                  <a:noFill/>
-                </a:ln>
-                <a:solidFill>
-                  <a:srgbClr val="5B9BD5">
-                    <a:lumMod val="50000"/>
-                  </a:srgbClr>
-                </a:solidFill>
-                <a:effectLst/>
-                <a:uLnTx/>
-                <a:uFillTx/>
-                <a:latin typeface="Calibri" panose="020F0502020204030204"/>
-                <a:ea typeface="+mn-ea"/>
-                <a:cs typeface="+mn-cs"/>
-              </a:rPr>
-              <a:t>Calibri body -36</a:t>
-            </a:r>
-          </a:p>
-        </p:txBody>
-      </p:sp>
-      <p:cxnSp>
-        <p:nvCxnSpPr>
-          <p:cNvPr id="5" name="Straight Connector 4">
-            <a:extLst>
-              <a:ext uri="{FF2B5EF4-FFF2-40B4-BE49-F238E27FC236}">
-                <a16:creationId xmlns:a16="http://schemas.microsoft.com/office/drawing/2014/main" id="{564F4198-C244-16A7-B796-A2E4B5EA6A81}"/>
-              </a:ext>
-            </a:extLst>
-          </p:cNvPr>
-          <p:cNvCxnSpPr>
-            <a:cxnSpLocks/>
-          </p:cNvCxnSpPr>
-          <p:nvPr/>
-        </p:nvCxnSpPr>
-        <p:spPr>
-          <a:xfrm>
-            <a:off x="221274" y="1191756"/>
-            <a:ext cx="7305799" cy="0"/>
-          </a:xfrm>
-          <a:prstGeom prst="line">
-            <a:avLst/>
-          </a:prstGeom>
-          <a:ln w="28575">
-            <a:solidFill>
-              <a:schemeClr val="accent6"/>
-            </a:solidFill>
-          </a:ln>
-        </p:spPr>
-        <p:style>
-          <a:lnRef idx="1">
-            <a:schemeClr val="accent1"/>
-          </a:lnRef>
-          <a:fillRef idx="0">
-            <a:schemeClr val="accent1"/>
-          </a:fillRef>
-          <a:effectRef idx="0">
-            <a:schemeClr val="accent1"/>
-          </a:effectRef>
-          <a:fontRef idx="minor">
-            <a:schemeClr val="tx1"/>
-          </a:fontRef>
-        </p:style>
-      </p:cxnSp>
-      <p:sp>
-        <p:nvSpPr>
-          <p:cNvPr id="4" name="TextBox 3">
-            <a:extLst>
-              <a:ext uri="{FF2B5EF4-FFF2-40B4-BE49-F238E27FC236}">
-                <a16:creationId xmlns:a16="http://schemas.microsoft.com/office/drawing/2014/main" id="{8C26B487-77E4-5D5B-7416-E64E3C867A98}"/>
-              </a:ext>
-            </a:extLst>
-          </p:cNvPr>
-          <p:cNvSpPr txBox="1"/>
-          <p:nvPr/>
-        </p:nvSpPr>
-        <p:spPr>
-          <a:xfrm>
-            <a:off x="6093893" y="57036"/>
-            <a:ext cx="6098107" cy="646331"/>
-          </a:xfrm>
-          <a:prstGeom prst="rect">
-            <a:avLst/>
-          </a:prstGeom>
-          <a:noFill/>
-        </p:spPr>
-        <p:txBody>
-          <a:bodyPr wrap="square" rtlCol="0">
-            <a:spAutoFit/>
-          </a:bodyPr>
-          <a:lstStyle/>
-          <a:p>
-            <a:pPr algn="r"/>
-            <a:r>
-              <a:rPr lang="en-US" sz="1800" b="1" i="1" dirty="0">
-                <a:solidFill>
-                  <a:srgbClr val="FFFFFF"/>
-                </a:solidFill>
-              </a:rPr>
-              <a:t>Project Title -  Calibri body 18</a:t>
-            </a:r>
-          </a:p>
-          <a:p>
-            <a:pPr algn="r"/>
-            <a:endParaRPr lang="en-US" dirty="0"/>
-          </a:p>
-        </p:txBody>
-      </p:sp>
-    </p:spTree>
-    <p:extLst>
-      <p:ext uri="{BB962C8B-B14F-4D97-AF65-F5344CB8AC3E}">
-        <p14:creationId xmlns:p14="http://schemas.microsoft.com/office/powerpoint/2010/main" val="2501109131"/>
-      </p:ext>
-    </p:extLst>
-  </p:cSld>
-  <p:clrMapOvr>
-    <a:masterClrMapping/>
-  </p:clrMapOvr>
-  <mc:AlternateContent xmlns:mc="http://schemas.openxmlformats.org/markup-compatibility/2006">
-    <mc:Choice xmlns:p14="http://schemas.microsoft.com/office/powerpoint/2010/main" Requires="p14">
-      <p:transition spd="med" p14:dur="700">
-        <p:fade/>
-      </p:transition>
-    </mc:Choice>
-    <mc:Fallback>
-      <p:transition spd="med">
-        <p:fade/>
-      </p:transition>
-    </mc:Fallback>
-  </mc:AlternateContent>
-  <p:timing>
-    <p:tnLst>
-      <p:par>
-        <p:cTn id="1" dur="indefinite" restart="never" nodeType="tmRoot">
-          <p:childTnLst>
-            <p:seq concurrent="1" nextAc="seek">
-              <p:cTn id="2" dur="indefinite" nodeType="mainSeq">
-                <p:childTnLst>
-                  <p:par>
-                    <p:cTn id="3" fill="hold">
-                      <p:stCondLst>
-                        <p:cond delay="indefinite"/>
-                      </p:stCondLst>
-                      <p:childTnLst>
-                        <p:par>
-                          <p:cTn id="4" fill="hold">
-                            <p:stCondLst>
-                              <p:cond delay="0"/>
-                            </p:stCondLst>
-                            <p:childTnLst>
                               <p:par>
-                                <p:cTn id="5" presetID="1" presetClass="entr" presetSubtype="0" fill="hold" grpId="0" nodeType="clickEffect">
+                                <p:cTn id="7" presetID="1" presetClass="entr" presetSubtype="0" fill="hold" grpId="0" nodeType="withEffect">
                                   <p:stCondLst>
                                     <p:cond delay="0"/>
                                   </p:stCondLst>
                                   <p:childTnLst>
                                     <p:set>
                                       <p:cBhvr>
-                                        <p:cTn id="6" dur="1" fill="hold">
+                                        <p:cTn id="8" dur="1" fill="hold">
                                           <p:stCondLst>
                                             <p:cond delay="0"/>
                                           </p:stCondLst>
@@ -6613,7 +13485,38 @@
                                         <p:tgtEl>
                                           <p:spTgt spid="2">
                                             <p:txEl>
-                                              <p:pRg st="0" end="0"/>
+                                              <p:pRg st="1" end="1"/>
+                                            </p:txEl>
+                                          </p:spTgt>
+                                        </p:tgtEl>
+                                        <p:attrNameLst>
+                                          <p:attrName>style.visibility</p:attrName>
+                                        </p:attrNameLst>
+                                      </p:cBhvr>
+                                      <p:to>
+                                        <p:strVal val="visible"/>
+                                      </p:to>
+                                    </p:set>
+                                  </p:childTnLst>
+                                </p:cTn>
+                              </p:par>
+                              <p:par>
+                                <p:cTn id="9" presetID="1" presetClass="entr" presetSubtype="0" fill="hold" grpId="0" nodeType="withEffect">
+                                  <p:stCondLst>
+                                    <p:cond delay="0"/>
+                                  </p:stCondLst>
+                                  <p:childTnLst>
+                                    <p:set>
+                                      <p:cBhvr>
+                                        <p:cTn id="10" dur="1" fill="hold">
+                                          <p:stCondLst>
+                                            <p:cond delay="0"/>
+                                          </p:stCondLst>
+                                        </p:cTn>
+                                        <p:tgtEl>
+                                          <p:spTgt spid="2">
+                                            <p:txEl>
+                                              <p:pRg st="2" end="2"/>
                                             </p:txEl>
                                           </p:spTgt>
                                         </p:tgtEl>
@@ -6634,307 +13537,27 @@
                       </p:childTnLst>
                     </p:cTn>
                   </p:par>
-                </p:childTnLst>
-              </p:cTn>
-              <p:prevCondLst>
-                <p:cond evt="onPrev" delay="0">
-                  <p:tgtEl>
-                    <p:sldTgt/>
-                  </p:tgtEl>
-                </p:cond>
-              </p:prevCondLst>
-              <p:nextCondLst>
-                <p:cond evt="onNext" delay="0">
-                  <p:tgtEl>
-                    <p:sldTgt/>
-                  </p:tgtEl>
-                </p:cond>
-              </p:nextCondLst>
-            </p:seq>
-          </p:childTnLst>
-        </p:cTn>
-      </p:par>
-    </p:tnLst>
-    <p:bldLst>
-      <p:bldP spid="2" grpId="0" uiExpand="1" build="p"/>
-    </p:bldLst>
-  </p:timing>
-</p:sld>
-</file>
-
-<file path=ppt/slides/slide9.xml><?xml version="1.0" encoding="utf-8"?>
-<p:sld xmlns:a="http://schemas.openxmlformats.org/drawingml/2006/main" xmlns:r="http://schemas.openxmlformats.org/officeDocument/2006/relationships" xmlns:p="http://schemas.openxmlformats.org/presentationml/2006/main">
-  <p:cSld>
-    <p:spTree>
-      <p:nvGrpSpPr>
-        <p:cNvPr id="1" name="">
-          <a:extLst>
-            <a:ext uri="{FF2B5EF4-FFF2-40B4-BE49-F238E27FC236}">
-              <a16:creationId xmlns:a16="http://schemas.microsoft.com/office/drawing/2014/main" id="{C6E5BBC5-46B5-0DF4-A2AC-5289D295735B}"/>
-            </a:ext>
-          </a:extLst>
-        </p:cNvPr>
-        <p:cNvGrpSpPr/>
-        <p:nvPr/>
-      </p:nvGrpSpPr>
-      <p:grpSpPr>
-        <a:xfrm>
-          <a:off x="0" y="0"/>
-          <a:ext cx="0" cy="0"/>
-          <a:chOff x="0" y="0"/>
-          <a:chExt cx="0" cy="0"/>
-        </a:xfrm>
-      </p:grpSpPr>
-      <p:sp>
-        <p:nvSpPr>
-          <p:cNvPr id="2" name="Text Placeholder 1">
-            <a:extLst>
-              <a:ext uri="{FF2B5EF4-FFF2-40B4-BE49-F238E27FC236}">
-                <a16:creationId xmlns:a16="http://schemas.microsoft.com/office/drawing/2014/main" id="{97872131-A6C0-4ECF-9994-EA002B6EAD86}"/>
-              </a:ext>
-            </a:extLst>
-          </p:cNvPr>
-          <p:cNvSpPr>
-            <a:spLocks noGrp="1"/>
-          </p:cNvSpPr>
-          <p:nvPr>
-            <p:ph type="body" sz="quarter" idx="13"/>
-          </p:nvPr>
-        </p:nvSpPr>
-        <p:spPr>
-          <a:xfrm>
-            <a:off x="255996" y="1271219"/>
-            <a:ext cx="10624338" cy="4142989"/>
-          </a:xfrm>
-        </p:spPr>
-        <p:txBody>
-          <a:bodyPr/>
-          <a:lstStyle/>
-          <a:p>
-            <a:pPr marL="0" indent="0">
-              <a:lnSpc>
-                <a:spcPct val="150000"/>
-              </a:lnSpc>
-              <a:buNone/>
-            </a:pPr>
-            <a:r>
-              <a:rPr lang="en-US" sz="2400" b="0" dirty="0">
-                <a:solidFill>
-                  <a:srgbClr val="5583D1"/>
-                </a:solidFill>
-                <a:latin typeface="+mn-lt"/>
-              </a:rPr>
-              <a:t>Calibri body 28</a:t>
-            </a:r>
-            <a:endParaRPr lang="en-US" sz="2400" b="0" dirty="0">
-              <a:solidFill>
-                <a:srgbClr val="5583D1"/>
-              </a:solidFill>
-            </a:endParaRPr>
-          </a:p>
-        </p:txBody>
-      </p:sp>
-      <p:sp>
-        <p:nvSpPr>
-          <p:cNvPr id="3" name="TextBox 2">
-            <a:extLst>
-              <a:ext uri="{FF2B5EF4-FFF2-40B4-BE49-F238E27FC236}">
-                <a16:creationId xmlns:a16="http://schemas.microsoft.com/office/drawing/2014/main" id="{DBEA9949-295E-B2C7-8E3A-639B0AD48F51}"/>
-              </a:ext>
-            </a:extLst>
-          </p:cNvPr>
-          <p:cNvSpPr txBox="1"/>
-          <p:nvPr/>
-        </p:nvSpPr>
-        <p:spPr>
-          <a:xfrm>
-            <a:off x="255996" y="502545"/>
-            <a:ext cx="10624338" cy="646331"/>
-          </a:xfrm>
-          <a:prstGeom prst="rect">
-            <a:avLst/>
-          </a:prstGeom>
-          <a:noFill/>
-        </p:spPr>
-        <p:txBody>
-          <a:bodyPr wrap="square" rtlCol="0">
-            <a:spAutoFit/>
-          </a:bodyPr>
-          <a:lstStyle/>
-          <a:p>
-            <a:pPr lvl="0">
-              <a:defRPr/>
-            </a:pPr>
-            <a:r>
-              <a:rPr lang="fr-FR" sz="3600" b="1" dirty="0">
-                <a:solidFill>
-                  <a:srgbClr val="5B9BD5">
-                    <a:lumMod val="50000"/>
-                  </a:srgbClr>
-                </a:solidFill>
-              </a:rPr>
-              <a:t>Pipeline structure </a:t>
-            </a:r>
-            <a:r>
-              <a:rPr kumimoji="0" lang="en-US" sz="3600" b="1" i="0" u="none" strike="noStrike" kern="1200" cap="none" spc="0" normalizeH="0" baseline="0" noProof="0" dirty="0">
-                <a:ln>
-                  <a:noFill/>
-                </a:ln>
-                <a:solidFill>
-                  <a:srgbClr val="5B9BD5">
-                    <a:lumMod val="50000"/>
-                  </a:srgbClr>
-                </a:solidFill>
-                <a:effectLst/>
-                <a:uLnTx/>
-                <a:uFillTx/>
-                <a:latin typeface="Calibri" panose="020F0502020204030204"/>
-                <a:ea typeface="+mn-ea"/>
-                <a:cs typeface="+mn-cs"/>
-              </a:rPr>
-              <a:t>Calibri body -36</a:t>
-            </a:r>
-          </a:p>
-        </p:txBody>
-      </p:sp>
-      <p:cxnSp>
-        <p:nvCxnSpPr>
-          <p:cNvPr id="5" name="Straight Connector 4">
-            <a:extLst>
-              <a:ext uri="{FF2B5EF4-FFF2-40B4-BE49-F238E27FC236}">
-                <a16:creationId xmlns:a16="http://schemas.microsoft.com/office/drawing/2014/main" id="{1C3477A6-BED1-8211-5527-9030F1E86940}"/>
-              </a:ext>
-            </a:extLst>
-          </p:cNvPr>
-          <p:cNvCxnSpPr>
-            <a:cxnSpLocks/>
-          </p:cNvCxnSpPr>
-          <p:nvPr/>
-        </p:nvCxnSpPr>
-        <p:spPr>
-          <a:xfrm>
-            <a:off x="221274" y="1191756"/>
-            <a:ext cx="7305799" cy="0"/>
-          </a:xfrm>
-          <a:prstGeom prst="line">
-            <a:avLst/>
-          </a:prstGeom>
-          <a:ln w="28575">
-            <a:solidFill>
-              <a:schemeClr val="accent6"/>
-            </a:solidFill>
-          </a:ln>
-        </p:spPr>
-        <p:style>
-          <a:lnRef idx="1">
-            <a:schemeClr val="accent1"/>
-          </a:lnRef>
-          <a:fillRef idx="0">
-            <a:schemeClr val="accent1"/>
-          </a:fillRef>
-          <a:effectRef idx="0">
-            <a:schemeClr val="accent1"/>
-          </a:effectRef>
-          <a:fontRef idx="minor">
-            <a:schemeClr val="tx1"/>
-          </a:fontRef>
-        </p:style>
-      </p:cxnSp>
-      <p:sp>
-        <p:nvSpPr>
-          <p:cNvPr id="4" name="TextBox 3">
-            <a:extLst>
-              <a:ext uri="{FF2B5EF4-FFF2-40B4-BE49-F238E27FC236}">
-                <a16:creationId xmlns:a16="http://schemas.microsoft.com/office/drawing/2014/main" id="{AB5AC1E1-8B68-1019-1B7A-0CF7BDC8B3EC}"/>
-              </a:ext>
-            </a:extLst>
-          </p:cNvPr>
-          <p:cNvSpPr txBox="1"/>
-          <p:nvPr/>
-        </p:nvSpPr>
-        <p:spPr>
-          <a:xfrm>
-            <a:off x="6093893" y="57036"/>
-            <a:ext cx="6098107" cy="646331"/>
-          </a:xfrm>
-          <a:prstGeom prst="rect">
-            <a:avLst/>
-          </a:prstGeom>
-          <a:noFill/>
-        </p:spPr>
-        <p:txBody>
-          <a:bodyPr wrap="square" rtlCol="0">
-            <a:spAutoFit/>
-          </a:bodyPr>
-          <a:lstStyle/>
-          <a:p>
-            <a:pPr algn="r"/>
-            <a:r>
-              <a:rPr lang="en-US" sz="1800" b="1" i="1" dirty="0">
-                <a:solidFill>
-                  <a:srgbClr val="FFFFFF"/>
-                </a:solidFill>
-              </a:rPr>
-              <a:t>Project Title -  Calibri body 18</a:t>
-            </a:r>
-          </a:p>
-          <a:p>
-            <a:pPr algn="r"/>
-            <a:endParaRPr lang="en-US" dirty="0"/>
-          </a:p>
-        </p:txBody>
-      </p:sp>
-    </p:spTree>
-    <p:extLst>
-      <p:ext uri="{BB962C8B-B14F-4D97-AF65-F5344CB8AC3E}">
-        <p14:creationId xmlns:p14="http://schemas.microsoft.com/office/powerpoint/2010/main" val="2198371957"/>
-      </p:ext>
-    </p:extLst>
-  </p:cSld>
-  <p:clrMapOvr>
-    <a:masterClrMapping/>
-  </p:clrMapOvr>
-  <mc:AlternateContent xmlns:mc="http://schemas.openxmlformats.org/markup-compatibility/2006">
-    <mc:Choice xmlns:p14="http://schemas.microsoft.com/office/powerpoint/2010/main" Requires="p14">
-      <p:transition spd="med" p14:dur="700">
-        <p:fade/>
-      </p:transition>
-    </mc:Choice>
-    <mc:Fallback>
-      <p:transition spd="med">
-        <p:fade/>
-      </p:transition>
-    </mc:Fallback>
-  </mc:AlternateContent>
-  <p:timing>
-    <p:tnLst>
-      <p:par>
-        <p:cTn id="1" dur="indefinite" restart="never" nodeType="tmRoot">
-          <p:childTnLst>
-            <p:seq concurrent="1" nextAc="seek">
-              <p:cTn id="2" dur="indefinite" nodeType="mainSeq">
-                <p:childTnLst>
                   <p:par>
-                    <p:cTn id="3" fill="hold">
+                    <p:cTn id="11" fill="hold">
                       <p:stCondLst>
                         <p:cond delay="indefinite"/>
                       </p:stCondLst>
                       <p:childTnLst>
                         <p:par>
-                          <p:cTn id="4" fill="hold">
+                          <p:cTn id="12" fill="hold">
                             <p:stCondLst>
                               <p:cond delay="0"/>
                             </p:stCondLst>
                             <p:childTnLst>
                               <p:par>
-                                <p:cTn id="5" presetID="1" presetClass="entr" presetSubtype="0" fill="hold" grpId="0" nodeType="clickEffect">
+                                <p:cTn id="13" presetID="1" presetClass="entr" presetSubtype="0" fill="hold" grpId="0" nodeType="clickEffect">
                                   <p:stCondLst>
                                     <p:cond delay="0"/>
                                   </p:stCondLst>
                                   <p:childTnLst>
                                     <p:set>
                                       <p:cBhvr>
-                                        <p:cTn id="6" dur="1" fill="hold">
+                                        <p:cTn id="14" dur="1" fill="hold">
                                           <p:stCondLst>
                                             <p:cond delay="0"/>
                                           </p:stCondLst>
@@ -6942,7 +13565,69 @@
                                         <p:tgtEl>
                                           <p:spTgt spid="2">
                                             <p:txEl>
-                                              <p:pRg st="0" end="0"/>
+                                              <p:pRg st="3" end="3"/>
+                                            </p:txEl>
+                                          </p:spTgt>
+                                        </p:tgtEl>
+                                        <p:attrNameLst>
+                                          <p:attrName>style.visibility</p:attrName>
+                                        </p:attrNameLst>
+                                      </p:cBhvr>
+                                      <p:to>
+                                        <p:strVal val="visible"/>
+                                      </p:to>
+                                    </p:set>
+                                  </p:childTnLst>
+                                </p:cTn>
+                              </p:par>
+                              <p:par>
+                                <p:cTn id="15" presetID="1" presetClass="entr" presetSubtype="0" fill="hold" grpId="0" nodeType="withEffect">
+                                  <p:stCondLst>
+                                    <p:cond delay="0"/>
+                                  </p:stCondLst>
+                                  <p:childTnLst>
+                                    <p:set>
+                                      <p:cBhvr>
+                                        <p:cTn id="16" dur="1" fill="hold">
+                                          <p:stCondLst>
+                                            <p:cond delay="0"/>
+                                          </p:stCondLst>
+                                        </p:cTn>
+                                        <p:tgtEl>
+                                          <p:spTgt spid="2">
+                                            <p:txEl>
+                                              <p:pRg st="4" end="4"/>
+                                            </p:txEl>
+                                          </p:spTgt>
+                                        </p:tgtEl>
+                                        <p:attrNameLst>
+                                          <p:attrName>style.visibility</p:attrName>
+                                        </p:attrNameLst>
+                                      </p:cBhvr>
+                                      <p:to>
+                                        <p:strVal val="visible"/>
+                                      </p:to>
+                                    </p:set>
+                                  </p:childTnLst>
+                                </p:cTn>
+                              </p:par>
+                              <p:par>
+                                <p:cTn id="17" presetID="1" presetClass="entr" presetSubtype="0" fill="hold" grpId="0" nodeType="withEffect">
+                                  <p:stCondLst>
+                                    <p:cond delay="0"/>
+                                  </p:stCondLst>
+                                  <p:childTnLst>
+                                    <p:set>
+                                      <p:cBhvr>
+                                        <p:cTn id="18" dur="1" fill="hold">
+                                          <p:stCondLst>
+                                            <p:cond delay="0"/>
+                                          </p:stCondLst>
+                                        </p:cTn>
+                                        <p:tgtEl>
+                                          <p:spTgt spid="2">
+                                            <p:txEl>
+                                              <p:pRg st="5" end="5"/>
                                             </p:txEl>
                                           </p:spTgt>
                                         </p:tgtEl>
@@ -7284,4 +13969,213 @@
     </a:ext>
   </a:extLst>
 </a:theme>
+</file>
+
+<file path=customXml/item1.xml><?xml version="1.0" encoding="utf-8"?>
+<ct:contentTypeSchema xmlns:ct="http://schemas.microsoft.com/office/2006/metadata/contentType" xmlns:ma="http://schemas.microsoft.com/office/2006/metadata/properties/metaAttributes" ct:_="" ma:_="" ma:contentTypeName="Document" ma:contentTypeID="0x010100DD22E527D248D14FA563E66E77843097" ma:contentTypeVersion="5" ma:contentTypeDescription="Create a new document." ma:contentTypeScope="" ma:versionID="87d8e52cfcd395091f5b4333191baca6">
+  <xsd:schema xmlns:xsd="http://www.w3.org/2001/XMLSchema" xmlns:xs="http://www.w3.org/2001/XMLSchema" xmlns:p="http://schemas.microsoft.com/office/2006/metadata/properties" xmlns:ns3="aeae3c93-8fc4-4a50-a8e8-9710dbe488fa" targetNamespace="http://schemas.microsoft.com/office/2006/metadata/properties" ma:root="true" ma:fieldsID="a44ec824194fe269cf51d6e89ec65042" ns3:_="">
+    <xsd:import namespace="aeae3c93-8fc4-4a50-a8e8-9710dbe488fa"/>
+    <xsd:element name="properties">
+      <xsd:complexType>
+        <xsd:sequence>
+          <xsd:element name="documentManagement">
+            <xsd:complexType>
+              <xsd:all>
+                <xsd:element ref="ns3:MediaServiceDateTaken" minOccurs="0"/>
+                <xsd:element ref="ns3:_activity" minOccurs="0"/>
+                <xsd:element ref="ns3:MediaServiceMetadata" minOccurs="0"/>
+                <xsd:element ref="ns3:MediaServiceFastMetadata" minOccurs="0"/>
+                <xsd:element ref="ns3:MediaServiceSearchProperties" minOccurs="0"/>
+              </xsd:all>
+            </xsd:complexType>
+          </xsd:element>
+        </xsd:sequence>
+      </xsd:complexType>
+    </xsd:element>
+  </xsd:schema>
+  <xsd:schema xmlns:xsd="http://www.w3.org/2001/XMLSchema" xmlns:xs="http://www.w3.org/2001/XMLSchema" xmlns:dms="http://schemas.microsoft.com/office/2006/documentManagement/types" xmlns:pc="http://schemas.microsoft.com/office/infopath/2007/PartnerControls" targetNamespace="aeae3c93-8fc4-4a50-a8e8-9710dbe488fa" elementFormDefault="qualified">
+    <xsd:import namespace="http://schemas.microsoft.com/office/2006/documentManagement/types"/>
+    <xsd:import namespace="http://schemas.microsoft.com/office/infopath/2007/PartnerControls"/>
+    <xsd:element name="MediaServiceDateTaken" ma:index="8" nillable="true" ma:displayName="MediaServiceDateTaken" ma:hidden="true" ma:indexed="true" ma:internalName="MediaServiceDateTaken" ma:readOnly="true">
+      <xsd:simpleType>
+        <xsd:restriction base="dms:Text"/>
+      </xsd:simpleType>
+    </xsd:element>
+    <xsd:element name="_activity" ma:index="9" nillable="true" ma:displayName="_activity" ma:hidden="true" ma:internalName="_activity">
+      <xsd:simpleType>
+        <xsd:restriction base="dms:Note"/>
+      </xsd:simpleType>
+    </xsd:element>
+    <xsd:element name="MediaServiceMetadata" ma:index="10" nillable="true" ma:displayName="MediaServiceMetadata" ma:hidden="true" ma:internalName="MediaServiceMetadata" ma:readOnly="true">
+      <xsd:simpleType>
+        <xsd:restriction base="dms:Note"/>
+      </xsd:simpleType>
+    </xsd:element>
+    <xsd:element name="MediaServiceFastMetadata" ma:index="11" nillable="true" ma:displayName="MediaServiceFastMetadata" ma:hidden="true" ma:internalName="MediaServiceFastMetadata" ma:readOnly="true">
+      <xsd:simpleType>
+        <xsd:restriction base="dms:Note"/>
+      </xsd:simpleType>
+    </xsd:element>
+    <xsd:element name="MediaServiceSearchProperties" ma:index="12" nillable="true" ma:displayName="MediaServiceSearchProperties" ma:hidden="true" ma:internalName="MediaServiceSearchProperties" ma:readOnly="true">
+      <xsd:simpleType>
+        <xsd:restriction base="dms:Note"/>
+      </xsd:simpleType>
+    </xsd:element>
+  </xsd:schema>
+  <xsd:schema xmlns="http://schemas.openxmlformats.org/package/2006/metadata/core-properties" xmlns:xsd="http://www.w3.org/2001/XMLSchema" xmlns:xsi="http://www.w3.org/2001/XMLSchema-instance" xmlns:dc="http://purl.org/dc/elements/1.1/" xmlns:dcterms="http://purl.org/dc/terms/" xmlns:odoc="http://schemas.microsoft.com/internal/obd" targetNamespace="http://schemas.openxmlformats.org/package/2006/metadata/core-properties" elementFormDefault="qualified" attributeFormDefault="unqualified" blockDefault="#all">
+    <xsd:import namespace="http://purl.org/dc/elements/1.1/" schemaLocation="http://dublincore.org/schemas/xmls/qdc/2003/04/02/dc.xsd"/>
+    <xsd:import namespace="http://purl.org/dc/terms/" schemaLocation="http://dublincore.org/schemas/xmls/qdc/2003/04/02/dcterms.xsd"/>
+    <xsd:element name="coreProperties" type="CT_coreProperties"/>
+    <xsd:complexType name="CT_coreProperties">
+      <xsd:all>
+        <xsd:element ref="dc:creator" minOccurs="0" maxOccurs="1"/>
+        <xsd:element ref="dcterms:created" minOccurs="0" maxOccurs="1"/>
+        <xsd:element ref="dc:identifier" minOccurs="0" maxOccurs="1"/>
+        <xsd:element name="contentType" minOccurs="0" maxOccurs="1" type="xsd:string" ma:index="0" ma:displayName="Content Type"/>
+        <xsd:element ref="dc:title" minOccurs="0" maxOccurs="1" ma:index="4" ma:displayName="Title"/>
+        <xsd:element ref="dc:subject" minOccurs="0" maxOccurs="1"/>
+        <xsd:element ref="dc:description" minOccurs="0" maxOccurs="1"/>
+        <xsd:element name="keywords" minOccurs="0" maxOccurs="1" type="xsd:string"/>
+        <xsd:element ref="dc:language" minOccurs="0" maxOccurs="1"/>
+        <xsd:element name="category" minOccurs="0" maxOccurs="1" type="xsd:string"/>
+        <xsd:element name="version" minOccurs="0" maxOccurs="1" type="xsd:string"/>
+        <xsd:element name="revision" minOccurs="0" maxOccurs="1" type="xsd:string">
+          <xsd:annotation>
+            <xsd:documentation>
+                        This value indicates the number of saves or revisions. The application is responsible for updating this value after each revision.
+                    </xsd:documentation>
+          </xsd:annotation>
+        </xsd:element>
+        <xsd:element name="lastModifiedBy" minOccurs="0" maxOccurs="1" type="xsd:string"/>
+        <xsd:element ref="dcterms:modified" minOccurs="0" maxOccurs="1"/>
+        <xsd:element name="contentStatus" minOccurs="0" maxOccurs="1" type="xsd:string"/>
+      </xsd:all>
+    </xsd:complexType>
+  </xsd:schema>
+  <xs:schema xmlns:pc="http://schemas.microsoft.com/office/infopath/2007/PartnerControls" xmlns:xs="http://www.w3.org/2001/XMLSchema" targetNamespace="http://schemas.microsoft.com/office/infopath/2007/PartnerControls" elementFormDefault="qualified" attributeFormDefault="unqualified">
+    <xs:element name="Person">
+      <xs:complexType>
+        <xs:sequence>
+          <xs:element ref="pc:DisplayName" minOccurs="0"/>
+          <xs:element ref="pc:AccountId" minOccurs="0"/>
+          <xs:element ref="pc:AccountType" minOccurs="0"/>
+        </xs:sequence>
+      </xs:complexType>
+    </xs:element>
+    <xs:element name="DisplayName" type="xs:string"/>
+    <xs:element name="AccountId" type="xs:string"/>
+    <xs:element name="AccountType" type="xs:string"/>
+    <xs:element name="BDCAssociatedEntity">
+      <xs:complexType>
+        <xs:sequence>
+          <xs:element ref="pc:BDCEntity" minOccurs="0" maxOccurs="unbounded"/>
+        </xs:sequence>
+        <xs:attribute ref="pc:EntityNamespace"/>
+        <xs:attribute ref="pc:EntityName"/>
+        <xs:attribute ref="pc:SystemInstanceName"/>
+        <xs:attribute ref="pc:AssociationName"/>
+      </xs:complexType>
+    </xs:element>
+    <xs:attribute name="EntityNamespace" type="xs:string"/>
+    <xs:attribute name="EntityName" type="xs:string"/>
+    <xs:attribute name="SystemInstanceName" type="xs:string"/>
+    <xs:attribute name="AssociationName" type="xs:string"/>
+    <xs:element name="BDCEntity">
+      <xs:complexType>
+        <xs:sequence>
+          <xs:element ref="pc:EntityDisplayName" minOccurs="0"/>
+          <xs:element ref="pc:EntityInstanceReference" minOccurs="0"/>
+          <xs:element ref="pc:EntityId1" minOccurs="0"/>
+          <xs:element ref="pc:EntityId2" minOccurs="0"/>
+          <xs:element ref="pc:EntityId3" minOccurs="0"/>
+          <xs:element ref="pc:EntityId4" minOccurs="0"/>
+          <xs:element ref="pc:EntityId5" minOccurs="0"/>
+        </xs:sequence>
+      </xs:complexType>
+    </xs:element>
+    <xs:element name="EntityDisplayName" type="xs:string"/>
+    <xs:element name="EntityInstanceReference" type="xs:string"/>
+    <xs:element name="EntityId1" type="xs:string"/>
+    <xs:element name="EntityId2" type="xs:string"/>
+    <xs:element name="EntityId3" type="xs:string"/>
+    <xs:element name="EntityId4" type="xs:string"/>
+    <xs:element name="EntityId5" type="xs:string"/>
+    <xs:element name="Terms">
+      <xs:complexType>
+        <xs:sequence>
+          <xs:element ref="pc:TermInfo" minOccurs="0" maxOccurs="unbounded"/>
+        </xs:sequence>
+      </xs:complexType>
+    </xs:element>
+    <xs:element name="TermInfo">
+      <xs:complexType>
+        <xs:sequence>
+          <xs:element ref="pc:TermName" minOccurs="0"/>
+          <xs:element ref="pc:TermId" minOccurs="0"/>
+        </xs:sequence>
+      </xs:complexType>
+    </xs:element>
+    <xs:element name="TermName" type="xs:string"/>
+    <xs:element name="TermId" type="xs:string"/>
+  </xs:schema>
+</ct:contentTypeSchema>
+</file>
+
+<file path=customXml/item2.xml><?xml version="1.0" encoding="utf-8"?>
+<?mso-contentType ?>
+<FormTemplates xmlns="http://schemas.microsoft.com/sharepoint/v3/contenttype/forms">
+  <Display>DocumentLibraryForm</Display>
+  <Edit>DocumentLibraryForm</Edit>
+  <New>DocumentLibraryForm</New>
+</FormTemplates>
+</file>
+
+<file path=customXml/item3.xml><?xml version="1.0" encoding="utf-8"?>
+<p:properties xmlns:p="http://schemas.microsoft.com/office/2006/metadata/properties" xmlns:xsi="http://www.w3.org/2001/XMLSchema-instance" xmlns:pc="http://schemas.microsoft.com/office/infopath/2007/PartnerControls">
+  <documentManagement>
+    <_activity xmlns="aeae3c93-8fc4-4a50-a8e8-9710dbe488fa" xsi:nil="true"/>
+  </documentManagement>
+</p:properties>
+</file>
+
+<file path=customXml/itemProps1.xml><?xml version="1.0" encoding="utf-8"?>
+<ds:datastoreItem xmlns:ds="http://schemas.openxmlformats.org/officeDocument/2006/customXml" ds:itemID="{36E5A47B-56BC-4033-B5A8-7428C9868F37}">
+  <ds:schemaRefs>
+    <ds:schemaRef ds:uri="http://schemas.microsoft.com/office/2006/metadata/contentType"/>
+    <ds:schemaRef ds:uri="http://schemas.microsoft.com/office/2006/metadata/properties/metaAttributes"/>
+    <ds:schemaRef ds:uri="http://www.w3.org/2001/XMLSchema"/>
+    <ds:schemaRef ds:uri="http://schemas.microsoft.com/office/2006/metadata/properties"/>
+    <ds:schemaRef ds:uri="aeae3c93-8fc4-4a50-a8e8-9710dbe488fa"/>
+    <ds:schemaRef ds:uri="http://schemas.microsoft.com/office/2006/documentManagement/types"/>
+    <ds:schemaRef ds:uri="http://schemas.microsoft.com/office/infopath/2007/PartnerControls"/>
+    <ds:schemaRef ds:uri="http://schemas.openxmlformats.org/package/2006/metadata/core-properties"/>
+    <ds:schemaRef ds:uri="http://purl.org/dc/elements/1.1/"/>
+    <ds:schemaRef ds:uri="http://purl.org/dc/terms/"/>
+    <ds:schemaRef ds:uri="http://schemas.microsoft.com/internal/obd"/>
+  </ds:schemaRefs>
+</ds:datastoreItem>
+</file>
+
+<file path=customXml/itemProps2.xml><?xml version="1.0" encoding="utf-8"?>
+<ds:datastoreItem xmlns:ds="http://schemas.openxmlformats.org/officeDocument/2006/customXml" ds:itemID="{BFDB6085-D119-4F6D-9535-CD88970221E5}">
+  <ds:schemaRefs>
+    <ds:schemaRef ds:uri="http://schemas.microsoft.com/sharepoint/v3/contenttype/forms"/>
+  </ds:schemaRefs>
+</ds:datastoreItem>
+</file>
+
+<file path=customXml/itemProps3.xml><?xml version="1.0" encoding="utf-8"?>
+<ds:datastoreItem xmlns:ds="http://schemas.openxmlformats.org/officeDocument/2006/customXml" ds:itemID="{EC41378D-CF40-4247-B286-D3F2895D4E76}">
+  <ds:schemaRefs>
+    <ds:schemaRef ds:uri="http://schemas.microsoft.com/office/2006/metadata/properties"/>
+    <ds:schemaRef ds:uri="http://purl.org/dc/elements/1.1/"/>
+    <ds:schemaRef ds:uri="http://schemas.microsoft.com/office/2006/documentManagement/types"/>
+    <ds:schemaRef ds:uri="http://www.w3.org/XML/1998/namespace"/>
+    <ds:schemaRef ds:uri="aeae3c93-8fc4-4a50-a8e8-9710dbe488fa"/>
+    <ds:schemaRef ds:uri="http://schemas.microsoft.com/office/infopath/2007/PartnerControls"/>
+    <ds:schemaRef ds:uri="http://purl.org/dc/terms/"/>
+    <ds:schemaRef ds:uri="http://schemas.openxmlformats.org/package/2006/metadata/core-properties"/>
+    <ds:schemaRef ds:uri="http://purl.org/dc/dcmitype/"/>
+  </ds:schemaRefs>
+</ds:datastoreItem>
 </file>